--- a/presentation/presentation.pptx
+++ b/presentation/presentation.pptx
@@ -200,7 +200,7 @@
           <a:p>
             <a:fld id="{B2B2B1AB-8F3B-4371-BE6A-4BE4EEDBB0F7}" type="datetimeFigureOut">
               <a:rPr lang="en-US" smtClean="0"/>
-              <a:t>6/15/2022</a:t>
+              <a:t>6/18/2022</a:t>
             </a:fld>
             <a:endParaRPr lang="en-US"/>
           </a:p>
@@ -866,7 +866,7 @@
           <a:p>
             <a:fld id="{1A6112BA-1F94-4EEA-971E-2669F6E51173}" type="datetimeFigureOut">
               <a:rPr lang="en-US" smtClean="0"/>
-              <a:t>6/15/2022</a:t>
+              <a:t>6/18/2022</a:t>
             </a:fld>
             <a:endParaRPr lang="en-US"/>
           </a:p>
@@ -1064,7 +1064,7 @@
           <a:p>
             <a:fld id="{1A6112BA-1F94-4EEA-971E-2669F6E51173}" type="datetimeFigureOut">
               <a:rPr lang="en-US" smtClean="0"/>
-              <a:t>6/15/2022</a:t>
+              <a:t>6/18/2022</a:t>
             </a:fld>
             <a:endParaRPr lang="en-US"/>
           </a:p>
@@ -1272,7 +1272,7 @@
           <a:p>
             <a:fld id="{1A6112BA-1F94-4EEA-971E-2669F6E51173}" type="datetimeFigureOut">
               <a:rPr lang="en-US" smtClean="0"/>
-              <a:t>6/15/2022</a:t>
+              <a:t>6/18/2022</a:t>
             </a:fld>
             <a:endParaRPr lang="en-US"/>
           </a:p>
@@ -1470,7 +1470,7 @@
           <a:p>
             <a:fld id="{1A6112BA-1F94-4EEA-971E-2669F6E51173}" type="datetimeFigureOut">
               <a:rPr lang="en-US" smtClean="0"/>
-              <a:t>6/15/2022</a:t>
+              <a:t>6/18/2022</a:t>
             </a:fld>
             <a:endParaRPr lang="en-US"/>
           </a:p>
@@ -1745,7 +1745,7 @@
           <a:p>
             <a:fld id="{1A6112BA-1F94-4EEA-971E-2669F6E51173}" type="datetimeFigureOut">
               <a:rPr lang="en-US" smtClean="0"/>
-              <a:t>6/15/2022</a:t>
+              <a:t>6/18/2022</a:t>
             </a:fld>
             <a:endParaRPr lang="en-US"/>
           </a:p>
@@ -2010,7 +2010,7 @@
           <a:p>
             <a:fld id="{1A6112BA-1F94-4EEA-971E-2669F6E51173}" type="datetimeFigureOut">
               <a:rPr lang="en-US" smtClean="0"/>
-              <a:t>6/15/2022</a:t>
+              <a:t>6/18/2022</a:t>
             </a:fld>
             <a:endParaRPr lang="en-US"/>
           </a:p>
@@ -2422,7 +2422,7 @@
           <a:p>
             <a:fld id="{1A6112BA-1F94-4EEA-971E-2669F6E51173}" type="datetimeFigureOut">
               <a:rPr lang="en-US" smtClean="0"/>
-              <a:t>6/15/2022</a:t>
+              <a:t>6/18/2022</a:t>
             </a:fld>
             <a:endParaRPr lang="en-US"/>
           </a:p>
@@ -2563,7 +2563,7 @@
           <a:p>
             <a:fld id="{1A6112BA-1F94-4EEA-971E-2669F6E51173}" type="datetimeFigureOut">
               <a:rPr lang="en-US" smtClean="0"/>
-              <a:t>6/15/2022</a:t>
+              <a:t>6/18/2022</a:t>
             </a:fld>
             <a:endParaRPr lang="en-US"/>
           </a:p>
@@ -2676,7 +2676,7 @@
           <a:p>
             <a:fld id="{1A6112BA-1F94-4EEA-971E-2669F6E51173}" type="datetimeFigureOut">
               <a:rPr lang="en-US" smtClean="0"/>
-              <a:t>6/15/2022</a:t>
+              <a:t>6/18/2022</a:t>
             </a:fld>
             <a:endParaRPr lang="en-US"/>
           </a:p>
@@ -2987,7 +2987,7 @@
           <a:p>
             <a:fld id="{1A6112BA-1F94-4EEA-971E-2669F6E51173}" type="datetimeFigureOut">
               <a:rPr lang="en-US" smtClean="0"/>
-              <a:t>6/15/2022</a:t>
+              <a:t>6/18/2022</a:t>
             </a:fld>
             <a:endParaRPr lang="en-US"/>
           </a:p>
@@ -3275,7 +3275,7 @@
           <a:p>
             <a:fld id="{1A6112BA-1F94-4EEA-971E-2669F6E51173}" type="datetimeFigureOut">
               <a:rPr lang="en-US" smtClean="0"/>
-              <a:t>6/15/2022</a:t>
+              <a:t>6/18/2022</a:t>
             </a:fld>
             <a:endParaRPr lang="en-US"/>
           </a:p>
@@ -3516,7 +3516,7 @@
           <a:p>
             <a:fld id="{1A6112BA-1F94-4EEA-971E-2669F6E51173}" type="datetimeFigureOut">
               <a:rPr lang="en-US" smtClean="0"/>
-              <a:t>6/15/2022</a:t>
+              <a:t>6/18/2022</a:t>
             </a:fld>
             <a:endParaRPr lang="en-US"/>
           </a:p>
@@ -3947,7 +3947,7 @@
         </p:nvSpPr>
         <p:spPr>
           <a:xfrm>
-            <a:off x="222740" y="5018391"/>
+            <a:off x="480647" y="5018391"/>
             <a:ext cx="11476891" cy="967060"/>
           </a:xfrm>
           <a:prstGeom prst="rect">
@@ -3989,8 +3989,8 @@
         </p:nvSpPr>
         <p:spPr>
           <a:xfrm>
-            <a:off x="222740" y="1992130"/>
-            <a:ext cx="7549660" cy="2814617"/>
+            <a:off x="222740" y="2471086"/>
+            <a:ext cx="7678616" cy="1891287"/>
           </a:xfrm>
           <a:prstGeom prst="rect">
             <a:avLst/>
@@ -4012,7 +4012,7 @@
               <a:rPr lang="en-US" sz="2000" dirty="0">
                 <a:latin typeface="Calbri"/>
               </a:rPr>
-              <a:t>In the current age, many decisions are made by various programs that use data annotated by humans. These types of decision-making are seemingly sterile and free from prejudice. But we already know that isn’t the case, these types of decision-making created a new type of problem called “Algorithms bias”. For this project, we decided to dig into the field of Algorithms bias and the inequality that follows it.  </a:t>
+              <a:t>Decision-making by software is seemingly sterile and free from prejudice. But that isn’t truly the case, these types of decision-making created a new type of social problem called “Algorithms bias”. For this project, we decided to dig into this field &amp; the inequality that follows it.  </a:t>
             </a:r>
             <a:endParaRPr lang="en-US" sz="2000" dirty="0"/>
           </a:p>
@@ -4445,6 +4445,430 @@
           <a:chExt cx="0" cy="0"/>
         </a:xfrm>
       </p:grpSpPr>
+      <p:sp>
+        <p:nvSpPr>
+          <p:cNvPr id="10" name="TextBox 9">
+            <a:extLst>
+              <a:ext uri="{FF2B5EF4-FFF2-40B4-BE49-F238E27FC236}">
+                <a16:creationId xmlns:a16="http://schemas.microsoft.com/office/drawing/2014/main" id="{48927C25-D57A-360B-4AE1-51ED38A814DA}"/>
+              </a:ext>
+            </a:extLst>
+          </p:cNvPr>
+          <p:cNvSpPr txBox="1"/>
+          <p:nvPr/>
+        </p:nvSpPr>
+        <p:spPr>
+          <a:xfrm>
+            <a:off x="4120662" y="334047"/>
+            <a:ext cx="3950675" cy="830997"/>
+          </a:xfrm>
+          <a:prstGeom prst="rect">
+            <a:avLst/>
+          </a:prstGeom>
+          <a:noFill/>
+        </p:spPr>
+        <p:txBody>
+          <a:bodyPr wrap="square" rtlCol="0">
+            <a:spAutoFit/>
+          </a:bodyPr>
+          <a:lstStyle/>
+          <a:p>
+            <a:r>
+              <a:rPr lang="en-US" sz="4800" dirty="0"/>
+              <a:t>Data Overview </a:t>
+            </a:r>
+          </a:p>
+        </p:txBody>
+      </p:sp>
+      <p:sp>
+        <p:nvSpPr>
+          <p:cNvPr id="11" name="TextBox 10">
+            <a:extLst>
+              <a:ext uri="{FF2B5EF4-FFF2-40B4-BE49-F238E27FC236}">
+                <a16:creationId xmlns:a16="http://schemas.microsoft.com/office/drawing/2014/main" id="{DED6FD7F-A10E-318A-B414-CEFC2E396096}"/>
+              </a:ext>
+            </a:extLst>
+          </p:cNvPr>
+          <p:cNvSpPr txBox="1"/>
+          <p:nvPr/>
+        </p:nvSpPr>
+        <p:spPr>
+          <a:xfrm>
+            <a:off x="656492" y="1512278"/>
+            <a:ext cx="7549661" cy="369332"/>
+          </a:xfrm>
+          <a:prstGeom prst="rect">
+            <a:avLst/>
+          </a:prstGeom>
+          <a:noFill/>
+        </p:spPr>
+        <p:txBody>
+          <a:bodyPr wrap="square" rtlCol="0">
+            <a:spAutoFit/>
+          </a:bodyPr>
+          <a:lstStyle/>
+          <a:p>
+            <a:r>
+              <a:rPr lang="en-US" sz="1800" dirty="0">
+                <a:effectLst/>
+                <a:latin typeface="Calibri" panose="020F0502020204030204" pitchFamily="34" charset="0"/>
+                <a:ea typeface="Calibri" panose="020F0502020204030204" pitchFamily="34" charset="0"/>
+                <a:cs typeface="Arial" panose="020B0604020202020204" pitchFamily="34" charset="0"/>
+              </a:rPr>
+              <a:t>The data we used has been published in an </a:t>
+            </a:r>
+            <a:r>
+              <a:rPr lang="en-US" sz="1800" u="sng" dirty="0">
+                <a:solidFill>
+                  <a:srgbClr val="0563C1"/>
+                </a:solidFill>
+                <a:effectLst/>
+                <a:latin typeface="Calibri" panose="020F0502020204030204" pitchFamily="34" charset="0"/>
+                <a:ea typeface="Calibri" panose="020F0502020204030204" pitchFamily="34" charset="0"/>
+                <a:cs typeface="Arial" panose="020B0604020202020204" pitchFamily="34" charset="0"/>
+                <a:hlinkClick r:id="rId3"/>
+              </a:rPr>
+              <a:t>article</a:t>
+            </a:r>
+            <a:r>
+              <a:rPr lang="en-US" sz="1800" dirty="0">
+                <a:effectLst/>
+                <a:latin typeface="Calibri" panose="020F0502020204030204" pitchFamily="34" charset="0"/>
+                <a:ea typeface="Calibri" panose="020F0502020204030204" pitchFamily="34" charset="0"/>
+                <a:cs typeface="Arial" panose="020B0604020202020204" pitchFamily="34" charset="0"/>
+              </a:rPr>
+              <a:t> from Berkeley University</a:t>
+            </a:r>
+            <a:endParaRPr lang="en-US" dirty="0"/>
+          </a:p>
+        </p:txBody>
+      </p:sp>
+      <mc:AlternateContent xmlns:mc="http://schemas.openxmlformats.org/markup-compatibility/2006">
+        <mc:Choice xmlns:a14="http://schemas.microsoft.com/office/drawing/2010/main" Requires="a14">
+          <p:sp>
+            <p:nvSpPr>
+              <p:cNvPr id="14" name="TextBox 13">
+                <a:extLst>
+                  <a:ext uri="{FF2B5EF4-FFF2-40B4-BE49-F238E27FC236}">
+                    <a16:creationId xmlns:a16="http://schemas.microsoft.com/office/drawing/2014/main" id="{74D90A48-E8E5-7274-E2CE-A8EFAE93E132}"/>
+                  </a:ext>
+                </a:extLst>
+              </p:cNvPr>
+              <p:cNvSpPr txBox="1"/>
+              <p:nvPr/>
+            </p:nvSpPr>
+            <p:spPr>
+              <a:xfrm>
+                <a:off x="656492" y="2228844"/>
+                <a:ext cx="9648093" cy="3966279"/>
+              </a:xfrm>
+              <a:prstGeom prst="rect">
+                <a:avLst/>
+              </a:prstGeom>
+              <a:noFill/>
+            </p:spPr>
+            <p:txBody>
+              <a:bodyPr wrap="square">
+                <a:spAutoFit/>
+              </a:bodyPr>
+              <a:lstStyle/>
+              <a:p>
+                <a:pPr marL="0" marR="0" algn="l" rtl="0">
+                  <a:lnSpc>
+                    <a:spcPct val="150000"/>
+                  </a:lnSpc>
+                  <a:spcBef>
+                    <a:spcPts val="0"/>
+                  </a:spcBef>
+                  <a:spcAft>
+                    <a:spcPts val="800"/>
+                  </a:spcAft>
+                </a:pPr>
+                <a:r>
+                  <a:rPr lang="en-US" sz="1800" dirty="0">
+                    <a:effectLst/>
+                    <a:latin typeface="Calibri" panose="020F0502020204030204" pitchFamily="34" charset="0"/>
+                    <a:ea typeface="Calibri" panose="020F0502020204030204" pitchFamily="34" charset="0"/>
+                    <a:cs typeface="Arial" panose="020B0604020202020204" pitchFamily="34" charset="0"/>
+                  </a:rPr>
+                  <a:t>The way the data was collected – 7912 different annotators rated the data:</a:t>
+                </a:r>
+              </a:p>
+              <a:p>
+                <a:pPr marL="342900" marR="497205" lvl="0" indent="-342900" algn="l" rtl="0">
+                  <a:lnSpc>
+                    <a:spcPct val="150000"/>
+                  </a:lnSpc>
+                  <a:spcBef>
+                    <a:spcPts val="0"/>
+                  </a:spcBef>
+                  <a:spcAft>
+                    <a:spcPts val="800"/>
+                  </a:spcAft>
+                  <a:buFont typeface="Symbol" panose="05050102010706020507" pitchFamily="18" charset="2"/>
+                  <a:buChar char=""/>
+                </a:pPr>
+                <a:r>
+                  <a:rPr lang="en-US" sz="1800" dirty="0">
+                    <a:effectLst/>
+                    <a:latin typeface="Calibri" panose="020F0502020204030204" pitchFamily="34" charset="0"/>
+                    <a:ea typeface="Calibri" panose="020F0502020204030204" pitchFamily="34" charset="0"/>
+                    <a:cs typeface="Arial" panose="020B0604020202020204" pitchFamily="34" charset="0"/>
+                  </a:rPr>
+                  <a:t>Identities of the target group – such as race, religion, gender, sexual orientation, etc.…</a:t>
+                </a:r>
+              </a:p>
+              <a:p>
+                <a:pPr marL="342900" marR="497205" lvl="0" indent="-342900" algn="l" rtl="0">
+                  <a:lnSpc>
+                    <a:spcPct val="150000"/>
+                  </a:lnSpc>
+                  <a:spcBef>
+                    <a:spcPts val="0"/>
+                  </a:spcBef>
+                  <a:spcAft>
+                    <a:spcPts val="800"/>
+                  </a:spcAft>
+                  <a:buFont typeface="Symbol" panose="05050102010706020507" pitchFamily="18" charset="2"/>
+                  <a:buChar char=""/>
+                </a:pPr>
+                <a:r>
+                  <a:rPr lang="en-US" sz="1800" dirty="0">
+                    <a:effectLst/>
+                    <a:latin typeface="Calibri" panose="020F0502020204030204" pitchFamily="34" charset="0"/>
+                    <a:ea typeface="Calibri" panose="020F0502020204030204" pitchFamily="34" charset="0"/>
+                    <a:cs typeface="Arial" panose="020B0604020202020204" pitchFamily="34" charset="0"/>
+                  </a:rPr>
+                  <a:t>Whether the comment is Hate-Speech – </a:t>
+                </a:r>
+                <a14:m>
+                  <m:oMath xmlns:m="http://schemas.openxmlformats.org/officeDocument/2006/math">
+                    <m:d>
+                      <m:dPr>
+                        <m:begChr m:val="{"/>
+                        <m:endChr m:val=""/>
+                        <m:ctrlPr>
+                          <a:rPr lang="en-US" sz="1800" i="1" smtClean="0">
+                            <a:effectLst/>
+                            <a:latin typeface="Cambria Math" panose="02040503050406030204" pitchFamily="18" charset="0"/>
+                            <a:cs typeface="Arial" panose="020B0604020202020204" pitchFamily="34" charset="0"/>
+                          </a:rPr>
+                        </m:ctrlPr>
+                      </m:dPr>
+                      <m:e>
+                        <m:eqArr>
+                          <m:eqArrPr>
+                            <m:ctrlPr>
+                              <a:rPr lang="en-US" sz="1800" i="1" smtClean="0">
+                                <a:effectLst/>
+                                <a:latin typeface="Cambria Math" panose="02040503050406030204" pitchFamily="18" charset="0"/>
+                                <a:cs typeface="Arial" panose="020B0604020202020204" pitchFamily="34" charset="0"/>
+                              </a:rPr>
+                            </m:ctrlPr>
+                          </m:eqArrPr>
+                          <m:e>
+                            <m:r>
+                              <a:rPr lang="en-US" sz="1800" b="0" i="1" smtClean="0">
+                                <a:effectLst/>
+                                <a:latin typeface="Cambria Math" panose="02040503050406030204" pitchFamily="18" charset="0"/>
+                                <a:cs typeface="Arial" panose="020B0604020202020204" pitchFamily="34" charset="0"/>
+                              </a:rPr>
+                              <m:t>0</m:t>
+                            </m:r>
+                            <m:r>
+                              <a:rPr lang="en-US" sz="1800" b="0" i="1" smtClean="0">
+                                <a:effectLst/>
+                                <a:latin typeface="Cambria Math" panose="02040503050406030204" pitchFamily="18" charset="0"/>
+                                <a:cs typeface="Arial" panose="020B0604020202020204" pitchFamily="34" charset="0"/>
+                              </a:rPr>
+                              <m:t>,                </m:t>
+                            </m:r>
+                            <m:r>
+                              <a:rPr lang="en-US" sz="1800" b="0" i="1" smtClean="0">
+                                <a:effectLst/>
+                                <a:latin typeface="Cambria Math" panose="02040503050406030204" pitchFamily="18" charset="0"/>
+                                <a:cs typeface="Arial" panose="020B0604020202020204" pitchFamily="34" charset="0"/>
+                              </a:rPr>
+                              <m:t>𝑛𝑜</m:t>
+                            </m:r>
+                          </m:e>
+                          <m:e>
+                            <m:r>
+                              <a:rPr lang="en-US" sz="1800" b="0" i="1" smtClean="0">
+                                <a:effectLst/>
+                                <a:latin typeface="Cambria Math" panose="02040503050406030204" pitchFamily="18" charset="0"/>
+                                <a:cs typeface="Arial" panose="020B0604020202020204" pitchFamily="34" charset="0"/>
+                              </a:rPr>
+                              <m:t>1</m:t>
+                            </m:r>
+                            <m:r>
+                              <a:rPr lang="en-US" sz="1800" b="0" i="1" smtClean="0">
+                                <a:effectLst/>
+                                <a:latin typeface="Cambria Math" panose="02040503050406030204" pitchFamily="18" charset="0"/>
+                                <a:cs typeface="Arial" panose="020B0604020202020204" pitchFamily="34" charset="0"/>
+                              </a:rPr>
+                              <m:t>,     </m:t>
+                            </m:r>
+                            <m:r>
+                              <a:rPr lang="en-US" sz="1800" b="0" i="1" smtClean="0">
+                                <a:effectLst/>
+                                <a:latin typeface="Cambria Math" panose="02040503050406030204" pitchFamily="18" charset="0"/>
+                                <a:cs typeface="Arial" panose="020B0604020202020204" pitchFamily="34" charset="0"/>
+                              </a:rPr>
+                              <m:t>𝑢𝑛𝑐𝑙𝑒𝑎𝑟</m:t>
+                            </m:r>
+                          </m:e>
+                          <m:e>
+                            <m:r>
+                              <a:rPr lang="en-US" sz="1800" b="0" i="1" smtClean="0">
+                                <a:effectLst/>
+                                <a:latin typeface="Cambria Math" panose="02040503050406030204" pitchFamily="18" charset="0"/>
+                                <a:cs typeface="Arial" panose="020B0604020202020204" pitchFamily="34" charset="0"/>
+                              </a:rPr>
+                              <m:t>2</m:t>
+                            </m:r>
+                            <m:r>
+                              <a:rPr lang="en-US" sz="1800" b="0" i="1" smtClean="0">
+                                <a:effectLst/>
+                                <a:latin typeface="Cambria Math" panose="02040503050406030204" pitchFamily="18" charset="0"/>
+                                <a:cs typeface="Arial" panose="020B0604020202020204" pitchFamily="34" charset="0"/>
+                              </a:rPr>
+                              <m:t>,              </m:t>
+                            </m:r>
+                            <m:r>
+                              <a:rPr lang="en-US" sz="1800" b="0" i="1" smtClean="0">
+                                <a:effectLst/>
+                                <a:latin typeface="Cambria Math" panose="02040503050406030204" pitchFamily="18" charset="0"/>
+                                <a:cs typeface="Arial" panose="020B0604020202020204" pitchFamily="34" charset="0"/>
+                              </a:rPr>
+                              <m:t>𝑦𝑒𝑠</m:t>
+                            </m:r>
+                          </m:e>
+                        </m:eqArr>
+                      </m:e>
+                    </m:d>
+                  </m:oMath>
+                </a14:m>
+                <a:endParaRPr lang="en-US" sz="1800" dirty="0">
+                  <a:effectLst/>
+                  <a:latin typeface="Calibri" panose="020F0502020204030204" pitchFamily="34" charset="0"/>
+                  <a:ea typeface="Calibri" panose="020F0502020204030204" pitchFamily="34" charset="0"/>
+                  <a:cs typeface="Arial" panose="020B0604020202020204" pitchFamily="34" charset="0"/>
+                </a:endParaRPr>
+              </a:p>
+              <a:p>
+                <a:pPr marL="0" marR="0" algn="l" rtl="0">
+                  <a:lnSpc>
+                    <a:spcPct val="150000"/>
+                  </a:lnSpc>
+                  <a:spcBef>
+                    <a:spcPts val="0"/>
+                  </a:spcBef>
+                  <a:spcAft>
+                    <a:spcPts val="800"/>
+                  </a:spcAft>
+                </a:pPr>
+                <a:r>
+                  <a:rPr lang="en-US" sz="1800" dirty="0">
+                    <a:effectLst/>
+                    <a:latin typeface="Calibri" panose="020F0502020204030204" pitchFamily="34" charset="0"/>
+                    <a:ea typeface="Calibri" panose="020F0502020204030204" pitchFamily="34" charset="0"/>
+                    <a:cs typeface="Arial" panose="020B0604020202020204" pitchFamily="34" charset="0"/>
+                  </a:rPr>
+                  <a:t>When finished annotating, the rater was asked to fill in the flowing information about himself:</a:t>
+                </a:r>
+              </a:p>
+              <a:p>
+                <a:pPr marL="342900" marR="0" lvl="0" indent="-342900" algn="l" rtl="0">
+                  <a:lnSpc>
+                    <a:spcPct val="150000"/>
+                  </a:lnSpc>
+                  <a:spcBef>
+                    <a:spcPts val="0"/>
+                  </a:spcBef>
+                  <a:spcAft>
+                    <a:spcPts val="800"/>
+                  </a:spcAft>
+                  <a:buFont typeface="Symbol" panose="05050102010706020507" pitchFamily="18" charset="2"/>
+                  <a:buChar char=""/>
+                </a:pPr>
+                <a:r>
+                  <a:rPr lang="en-US" sz="1800" dirty="0">
+                    <a:effectLst/>
+                    <a:latin typeface="Calibri" panose="020F0502020204030204" pitchFamily="34" charset="0"/>
+                    <a:ea typeface="Calibri" panose="020F0502020204030204" pitchFamily="34" charset="0"/>
+                    <a:cs typeface="Arial" panose="020B0604020202020204" pitchFamily="34" charset="0"/>
+                  </a:rPr>
+                  <a:t>Yearly income, Gender, Political ideology, Race, Religion, Education, and Sexuality.</a:t>
+                </a:r>
+              </a:p>
+              <a:p>
+                <a:pPr marR="497205" lvl="0" algn="l" rtl="0">
+                  <a:lnSpc>
+                    <a:spcPct val="150000"/>
+                  </a:lnSpc>
+                  <a:spcBef>
+                    <a:spcPts val="0"/>
+                  </a:spcBef>
+                  <a:spcAft>
+                    <a:spcPts val="800"/>
+                  </a:spcAft>
+                </a:pPr>
+                <a:endParaRPr lang="en-US" sz="1800" dirty="0">
+                  <a:effectLst/>
+                  <a:latin typeface="Calibri" panose="020F0502020204030204" pitchFamily="34" charset="0"/>
+                  <a:ea typeface="Calibri" panose="020F0502020204030204" pitchFamily="34" charset="0"/>
+                  <a:cs typeface="Arial" panose="020B0604020202020204" pitchFamily="34" charset="0"/>
+                </a:endParaRPr>
+              </a:p>
+            </p:txBody>
+          </p:sp>
+        </mc:Choice>
+        <mc:Fallback>
+          <p:sp>
+            <p:nvSpPr>
+              <p:cNvPr id="14" name="TextBox 13">
+                <a:extLst>
+                  <a:ext uri="{FF2B5EF4-FFF2-40B4-BE49-F238E27FC236}">
+                    <a16:creationId xmlns:a16="http://schemas.microsoft.com/office/drawing/2014/main" id="{74D90A48-E8E5-7274-E2CE-A8EFAE93E132}"/>
+                  </a:ext>
+                </a:extLst>
+              </p:cNvPr>
+              <p:cNvSpPr txBox="1">
+                <a:spLocks noRot="1" noChangeAspect="1" noMove="1" noResize="1" noEditPoints="1" noAdjustHandles="1" noChangeArrowheads="1" noChangeShapeType="1" noTextEdit="1"/>
+              </p:cNvSpPr>
+              <p:nvPr/>
+            </p:nvSpPr>
+            <p:spPr>
+              <a:xfrm>
+                <a:off x="656492" y="2228844"/>
+                <a:ext cx="9648093" cy="3966279"/>
+              </a:xfrm>
+              <a:prstGeom prst="rect">
+                <a:avLst/>
+              </a:prstGeom>
+              <a:blipFill>
+                <a:blip r:embed="rId4"/>
+                <a:stretch>
+                  <a:fillRect l="-569"/>
+                </a:stretch>
+              </a:blipFill>
+            </p:spPr>
+            <p:txBody>
+              <a:bodyPr/>
+              <a:lstStyle/>
+              <a:p>
+                <a:r>
+                  <a:rPr lang="en-US">
+                    <a:noFill/>
+                  </a:rPr>
+                  <a:t> </a:t>
+                </a:r>
+              </a:p>
+            </p:txBody>
+          </p:sp>
+        </mc:Fallback>
+      </mc:AlternateContent>
     </p:spTree>
     <p:extLst>
       <p:ext uri="{BB962C8B-B14F-4D97-AF65-F5344CB8AC3E}">
@@ -4475,53 +4899,199 @@
           <a:chExt cx="0" cy="0"/>
         </a:xfrm>
       </p:grpSpPr>
-      <p:sp>
-        <p:nvSpPr>
-          <p:cNvPr id="2" name="Title 1">
-            <a:extLst>
-              <a:ext uri="{FF2B5EF4-FFF2-40B4-BE49-F238E27FC236}">
-                <a16:creationId xmlns:a16="http://schemas.microsoft.com/office/drawing/2014/main" id="{C7139142-EBB7-5C2B-D979-340307CBE524}"/>
-              </a:ext>
-            </a:extLst>
-          </p:cNvPr>
-          <p:cNvSpPr>
-            <a:spLocks noGrp="1"/>
-          </p:cNvSpPr>
-          <p:nvPr>
-            <p:ph type="title"/>
-          </p:nvPr>
-        </p:nvSpPr>
-        <p:spPr/>
-        <p:txBody>
-          <a:bodyPr/>
-          <a:lstStyle/>
-          <a:p>
-            <a:endParaRPr lang="en-US"/>
-          </a:p>
-        </p:txBody>
-      </p:sp>
-      <p:sp>
-        <p:nvSpPr>
-          <p:cNvPr id="3" name="Content Placeholder 2">
-            <a:extLst>
-              <a:ext uri="{FF2B5EF4-FFF2-40B4-BE49-F238E27FC236}">
-                <a16:creationId xmlns:a16="http://schemas.microsoft.com/office/drawing/2014/main" id="{1F4F8A54-8FA8-B311-F0D7-B09BEE36841E}"/>
-              </a:ext>
-            </a:extLst>
-          </p:cNvPr>
-          <p:cNvSpPr>
-            <a:spLocks noGrp="1"/>
-          </p:cNvSpPr>
-          <p:nvPr>
-            <p:ph idx="1"/>
-          </p:nvPr>
-        </p:nvSpPr>
-        <p:spPr/>
-        <p:txBody>
-          <a:bodyPr/>
-          <a:lstStyle/>
-          <a:p>
-            <a:endParaRPr lang="en-US"/>
+      <p:pic>
+        <p:nvPicPr>
+          <p:cNvPr id="4" name="Picture 3">
+            <a:extLst>
+              <a:ext uri="{FF2B5EF4-FFF2-40B4-BE49-F238E27FC236}">
+                <a16:creationId xmlns:a16="http://schemas.microsoft.com/office/drawing/2014/main" id="{11DC98BA-4956-9814-A0E4-75A0DBB3DDA3}"/>
+              </a:ext>
+            </a:extLst>
+          </p:cNvPr>
+          <p:cNvPicPr>
+            <a:picLocks noChangeAspect="1"/>
+          </p:cNvPicPr>
+          <p:nvPr/>
+        </p:nvPicPr>
+        <p:blipFill>
+          <a:blip r:embed="rId2"/>
+          <a:stretch>
+            <a:fillRect/>
+          </a:stretch>
+        </p:blipFill>
+        <p:spPr>
+          <a:xfrm>
+            <a:off x="117014" y="4103077"/>
+            <a:ext cx="3485518" cy="2151062"/>
+          </a:xfrm>
+          <a:prstGeom prst="rect">
+            <a:avLst/>
+          </a:prstGeom>
+        </p:spPr>
+      </p:pic>
+      <p:pic>
+        <p:nvPicPr>
+          <p:cNvPr id="5" name="Picture 4">
+            <a:extLst>
+              <a:ext uri="{FF2B5EF4-FFF2-40B4-BE49-F238E27FC236}">
+                <a16:creationId xmlns:a16="http://schemas.microsoft.com/office/drawing/2014/main" id="{73670E50-6BEF-63FE-183E-BF947F03AF43}"/>
+              </a:ext>
+            </a:extLst>
+          </p:cNvPr>
+          <p:cNvPicPr>
+            <a:picLocks noChangeAspect="1"/>
+          </p:cNvPicPr>
+          <p:nvPr/>
+        </p:nvPicPr>
+        <p:blipFill>
+          <a:blip r:embed="rId3"/>
+          <a:stretch>
+            <a:fillRect/>
+          </a:stretch>
+        </p:blipFill>
+        <p:spPr>
+          <a:xfrm>
+            <a:off x="4165564" y="4103077"/>
+            <a:ext cx="3485517" cy="2151062"/>
+          </a:xfrm>
+          <a:prstGeom prst="rect">
+            <a:avLst/>
+          </a:prstGeom>
+        </p:spPr>
+      </p:pic>
+      <p:pic>
+        <p:nvPicPr>
+          <p:cNvPr id="6" name="Picture 5">
+            <a:extLst>
+              <a:ext uri="{FF2B5EF4-FFF2-40B4-BE49-F238E27FC236}">
+                <a16:creationId xmlns:a16="http://schemas.microsoft.com/office/drawing/2014/main" id="{037E1A18-4357-88EB-00A7-9EFD307AC689}"/>
+              </a:ext>
+            </a:extLst>
+          </p:cNvPr>
+          <p:cNvPicPr>
+            <a:picLocks noChangeAspect="1"/>
+          </p:cNvPicPr>
+          <p:nvPr/>
+        </p:nvPicPr>
+        <p:blipFill>
+          <a:blip r:embed="rId4"/>
+          <a:stretch>
+            <a:fillRect/>
+          </a:stretch>
+        </p:blipFill>
+        <p:spPr>
+          <a:xfrm>
+            <a:off x="8214114" y="4103077"/>
+            <a:ext cx="3485517" cy="2151062"/>
+          </a:xfrm>
+          <a:prstGeom prst="rect">
+            <a:avLst/>
+          </a:prstGeom>
+        </p:spPr>
+      </p:pic>
+      <p:sp>
+        <p:nvSpPr>
+          <p:cNvPr id="7" name="TextBox 6">
+            <a:extLst>
+              <a:ext uri="{FF2B5EF4-FFF2-40B4-BE49-F238E27FC236}">
+                <a16:creationId xmlns:a16="http://schemas.microsoft.com/office/drawing/2014/main" id="{3F1E5B7A-6958-1A88-D9E8-3A20BB4C2328}"/>
+              </a:ext>
+            </a:extLst>
+          </p:cNvPr>
+          <p:cNvSpPr txBox="1"/>
+          <p:nvPr/>
+        </p:nvSpPr>
+        <p:spPr>
+          <a:xfrm>
+            <a:off x="773506" y="3429000"/>
+            <a:ext cx="11113693" cy="369332"/>
+          </a:xfrm>
+          <a:prstGeom prst="rect">
+            <a:avLst/>
+          </a:prstGeom>
+          <a:noFill/>
+        </p:spPr>
+        <p:txBody>
+          <a:bodyPr wrap="square" rtlCol="0">
+            <a:spAutoFit/>
+          </a:bodyPr>
+          <a:lstStyle/>
+          <a:p>
+            <a:r>
+              <a:rPr lang="en-US" dirty="0"/>
+              <a:t>The Models were fitted with the same features, but The significance coefficients  addressed different targets groups</a:t>
+            </a:r>
+          </a:p>
+        </p:txBody>
+      </p:sp>
+      <p:sp>
+        <p:nvSpPr>
+          <p:cNvPr id="12" name="TextBox 11">
+            <a:extLst>
+              <a:ext uri="{FF2B5EF4-FFF2-40B4-BE49-F238E27FC236}">
+                <a16:creationId xmlns:a16="http://schemas.microsoft.com/office/drawing/2014/main" id="{F222630B-82B9-80D0-F1FA-9FD0F1006E1B}"/>
+              </a:ext>
+            </a:extLst>
+          </p:cNvPr>
+          <p:cNvSpPr txBox="1"/>
+          <p:nvPr/>
+        </p:nvSpPr>
+        <p:spPr>
+          <a:xfrm>
+            <a:off x="4693961" y="925343"/>
+            <a:ext cx="2428722" cy="769441"/>
+          </a:xfrm>
+          <a:prstGeom prst="rect">
+            <a:avLst/>
+          </a:prstGeom>
+          <a:noFill/>
+        </p:spPr>
+        <p:txBody>
+          <a:bodyPr wrap="square" rtlCol="0">
+            <a:spAutoFit/>
+          </a:bodyPr>
+          <a:lstStyle/>
+          <a:p>
+            <a:r>
+              <a:rPr lang="en-US" sz="4400" dirty="0"/>
+              <a:t>Findings</a:t>
+            </a:r>
+            <a:endParaRPr lang="en-US" dirty="0"/>
+          </a:p>
+        </p:txBody>
+      </p:sp>
+      <p:sp>
+        <p:nvSpPr>
+          <p:cNvPr id="13" name="TextBox 12">
+            <a:extLst>
+              <a:ext uri="{FF2B5EF4-FFF2-40B4-BE49-F238E27FC236}">
+                <a16:creationId xmlns:a16="http://schemas.microsoft.com/office/drawing/2014/main" id="{AD19E377-C9D4-3FC8-28CF-27ECB3F0B9E4}"/>
+              </a:ext>
+            </a:extLst>
+          </p:cNvPr>
+          <p:cNvSpPr txBox="1"/>
+          <p:nvPr/>
+        </p:nvSpPr>
+        <p:spPr>
+          <a:xfrm>
+            <a:off x="679560" y="2907296"/>
+            <a:ext cx="6971360" cy="369332"/>
+          </a:xfrm>
+          <a:prstGeom prst="rect">
+            <a:avLst/>
+          </a:prstGeom>
+          <a:noFill/>
+        </p:spPr>
+        <p:txBody>
+          <a:bodyPr wrap="square" rtlCol="0">
+            <a:spAutoFit/>
+          </a:bodyPr>
+          <a:lstStyle/>
+          <a:p>
+            <a:r>
+              <a:rPr lang="en-US" dirty="0"/>
+              <a:t>Better Prediction to hate Speech when focused on </a:t>
+            </a:r>
           </a:p>
         </p:txBody>
       </p:sp>

--- a/presentation/presentation.pptx
+++ b/presentation/presentation.pptx
@@ -5,13 +5,18 @@
     <p:sldMasterId id="2147483827" r:id="rId1"/>
   </p:sldMasterIdLst>
   <p:notesMasterIdLst>
-    <p:notesMasterId r:id="rId6"/>
+    <p:notesMasterId r:id="rId11"/>
   </p:notesMasterIdLst>
   <p:sldIdLst>
     <p:sldId id="256" r:id="rId2"/>
     <p:sldId id="257" r:id="rId3"/>
-    <p:sldId id="258" r:id="rId4"/>
-    <p:sldId id="259" r:id="rId5"/>
+    <p:sldId id="263" r:id="rId4"/>
+    <p:sldId id="258" r:id="rId5"/>
+    <p:sldId id="262" r:id="rId6"/>
+    <p:sldId id="259" r:id="rId7"/>
+    <p:sldId id="260" r:id="rId8"/>
+    <p:sldId id="264" r:id="rId9"/>
+    <p:sldId id="261" r:id="rId10"/>
   </p:sldIdLst>
   <p:sldSz cx="12192000" cy="6858000"/>
   <p:notesSz cx="6858000" cy="9144000"/>
@@ -118,6 +123,2686 @@
 </p:presentation>
 </file>
 
+<file path=ppt/diagrams/colors1.xml><?xml version="1.0" encoding="utf-8"?>
+<dgm:colorsDef xmlns:dgm="http://schemas.openxmlformats.org/drawingml/2006/diagram" xmlns:a="http://schemas.openxmlformats.org/drawingml/2006/main" uniqueId="urn:microsoft.com/office/officeart/2005/8/colors/accent1_2">
+  <dgm:title val=""/>
+  <dgm:desc val=""/>
+  <dgm:catLst>
+    <dgm:cat type="accent1" pri="11200"/>
+  </dgm:catLst>
+  <dgm:styleLbl name="node0">
+    <dgm:fillClrLst meth="repeat">
+      <a:schemeClr val="accent1"/>
+    </dgm:fillClrLst>
+    <dgm:linClrLst meth="repeat">
+      <a:schemeClr val="lt1"/>
+    </dgm:linClrLst>
+    <dgm:effectClrLst/>
+    <dgm:txLinClrLst/>
+    <dgm:txFillClrLst/>
+    <dgm:txEffectClrLst/>
+  </dgm:styleLbl>
+  <dgm:styleLbl name="alignNode1">
+    <dgm:fillClrLst meth="repeat">
+      <a:schemeClr val="accent1"/>
+    </dgm:fillClrLst>
+    <dgm:linClrLst meth="repeat">
+      <a:schemeClr val="accent1"/>
+    </dgm:linClrLst>
+    <dgm:effectClrLst/>
+    <dgm:txLinClrLst/>
+    <dgm:txFillClrLst/>
+    <dgm:txEffectClrLst/>
+  </dgm:styleLbl>
+  <dgm:styleLbl name="node1">
+    <dgm:fillClrLst meth="repeat">
+      <a:schemeClr val="accent1"/>
+    </dgm:fillClrLst>
+    <dgm:linClrLst meth="repeat">
+      <a:schemeClr val="lt1"/>
+    </dgm:linClrLst>
+    <dgm:effectClrLst/>
+    <dgm:txLinClrLst/>
+    <dgm:txFillClrLst/>
+    <dgm:txEffectClrLst/>
+  </dgm:styleLbl>
+  <dgm:styleLbl name="lnNode1">
+    <dgm:fillClrLst meth="repeat">
+      <a:schemeClr val="accent1"/>
+    </dgm:fillClrLst>
+    <dgm:linClrLst meth="repeat">
+      <a:schemeClr val="lt1"/>
+    </dgm:linClrLst>
+    <dgm:effectClrLst/>
+    <dgm:txLinClrLst/>
+    <dgm:txFillClrLst/>
+    <dgm:txEffectClrLst/>
+  </dgm:styleLbl>
+  <dgm:styleLbl name="vennNode1">
+    <dgm:fillClrLst meth="repeat">
+      <a:schemeClr val="accent1">
+        <a:alpha val="50000"/>
+      </a:schemeClr>
+    </dgm:fillClrLst>
+    <dgm:linClrLst meth="repeat">
+      <a:schemeClr val="lt1"/>
+    </dgm:linClrLst>
+    <dgm:effectClrLst/>
+    <dgm:txLinClrLst/>
+    <dgm:txFillClrLst/>
+    <dgm:txEffectClrLst/>
+  </dgm:styleLbl>
+  <dgm:styleLbl name="node2">
+    <dgm:fillClrLst meth="repeat">
+      <a:schemeClr val="accent1"/>
+    </dgm:fillClrLst>
+    <dgm:linClrLst meth="repeat">
+      <a:schemeClr val="lt1"/>
+    </dgm:linClrLst>
+    <dgm:effectClrLst/>
+    <dgm:txLinClrLst/>
+    <dgm:txFillClrLst/>
+    <dgm:txEffectClrLst/>
+  </dgm:styleLbl>
+  <dgm:styleLbl name="node3">
+    <dgm:fillClrLst meth="repeat">
+      <a:schemeClr val="accent1"/>
+    </dgm:fillClrLst>
+    <dgm:linClrLst meth="repeat">
+      <a:schemeClr val="lt1"/>
+    </dgm:linClrLst>
+    <dgm:effectClrLst/>
+    <dgm:txLinClrLst/>
+    <dgm:txFillClrLst/>
+    <dgm:txEffectClrLst/>
+  </dgm:styleLbl>
+  <dgm:styleLbl name="node4">
+    <dgm:fillClrLst meth="repeat">
+      <a:schemeClr val="accent1"/>
+    </dgm:fillClrLst>
+    <dgm:linClrLst meth="repeat">
+      <a:schemeClr val="lt1"/>
+    </dgm:linClrLst>
+    <dgm:effectClrLst/>
+    <dgm:txLinClrLst/>
+    <dgm:txFillClrLst/>
+    <dgm:txEffectClrLst/>
+  </dgm:styleLbl>
+  <dgm:styleLbl name="fgImgPlace1">
+    <dgm:fillClrLst meth="repeat">
+      <a:schemeClr val="accent1">
+        <a:tint val="50000"/>
+      </a:schemeClr>
+    </dgm:fillClrLst>
+    <dgm:linClrLst meth="repeat">
+      <a:schemeClr val="lt1"/>
+    </dgm:linClrLst>
+    <dgm:effectClrLst/>
+    <dgm:txLinClrLst/>
+    <dgm:txFillClrLst meth="repeat">
+      <a:schemeClr val="lt1"/>
+    </dgm:txFillClrLst>
+    <dgm:txEffectClrLst/>
+  </dgm:styleLbl>
+  <dgm:styleLbl name="alignImgPlace1">
+    <dgm:fillClrLst meth="repeat">
+      <a:schemeClr val="accent1">
+        <a:tint val="50000"/>
+      </a:schemeClr>
+    </dgm:fillClrLst>
+    <dgm:linClrLst meth="repeat">
+      <a:schemeClr val="lt1"/>
+    </dgm:linClrLst>
+    <dgm:effectClrLst/>
+    <dgm:txLinClrLst/>
+    <dgm:txFillClrLst meth="repeat">
+      <a:schemeClr val="lt1"/>
+    </dgm:txFillClrLst>
+    <dgm:txEffectClrLst/>
+  </dgm:styleLbl>
+  <dgm:styleLbl name="bgImgPlace1">
+    <dgm:fillClrLst meth="repeat">
+      <a:schemeClr val="accent1">
+        <a:tint val="50000"/>
+      </a:schemeClr>
+    </dgm:fillClrLst>
+    <dgm:linClrLst meth="repeat">
+      <a:schemeClr val="lt1"/>
+    </dgm:linClrLst>
+    <dgm:effectClrLst/>
+    <dgm:txLinClrLst/>
+    <dgm:txFillClrLst meth="repeat">
+      <a:schemeClr val="lt1"/>
+    </dgm:txFillClrLst>
+    <dgm:txEffectClrLst/>
+  </dgm:styleLbl>
+  <dgm:styleLbl name="sibTrans2D1">
+    <dgm:fillClrLst meth="repeat">
+      <a:schemeClr val="accent1">
+        <a:tint val="60000"/>
+      </a:schemeClr>
+    </dgm:fillClrLst>
+    <dgm:linClrLst meth="repeat">
+      <a:schemeClr val="accent1">
+        <a:tint val="60000"/>
+      </a:schemeClr>
+    </dgm:linClrLst>
+    <dgm:effectClrLst/>
+    <dgm:txLinClrLst/>
+    <dgm:txFillClrLst/>
+    <dgm:txEffectClrLst/>
+  </dgm:styleLbl>
+  <dgm:styleLbl name="fgSibTrans2D1">
+    <dgm:fillClrLst meth="repeat">
+      <a:schemeClr val="accent1">
+        <a:tint val="60000"/>
+      </a:schemeClr>
+    </dgm:fillClrLst>
+    <dgm:linClrLst meth="repeat">
+      <a:schemeClr val="accent1">
+        <a:tint val="60000"/>
+      </a:schemeClr>
+    </dgm:linClrLst>
+    <dgm:effectClrLst/>
+    <dgm:txLinClrLst/>
+    <dgm:txFillClrLst/>
+    <dgm:txEffectClrLst/>
+  </dgm:styleLbl>
+  <dgm:styleLbl name="bgSibTrans2D1">
+    <dgm:fillClrLst meth="repeat">
+      <a:schemeClr val="accent1">
+        <a:tint val="60000"/>
+      </a:schemeClr>
+    </dgm:fillClrLst>
+    <dgm:linClrLst meth="repeat">
+      <a:schemeClr val="accent1">
+        <a:tint val="60000"/>
+      </a:schemeClr>
+    </dgm:linClrLst>
+    <dgm:effectClrLst/>
+    <dgm:txLinClrLst/>
+    <dgm:txFillClrLst/>
+    <dgm:txEffectClrLst/>
+  </dgm:styleLbl>
+  <dgm:styleLbl name="sibTrans1D1">
+    <dgm:fillClrLst meth="repeat">
+      <a:schemeClr val="accent1"/>
+    </dgm:fillClrLst>
+    <dgm:linClrLst meth="repeat">
+      <a:schemeClr val="accent1"/>
+    </dgm:linClrLst>
+    <dgm:effectClrLst/>
+    <dgm:txLinClrLst/>
+    <dgm:txFillClrLst meth="repeat">
+      <a:schemeClr val="tx1"/>
+    </dgm:txFillClrLst>
+    <dgm:txEffectClrLst/>
+  </dgm:styleLbl>
+  <dgm:styleLbl name="callout">
+    <dgm:fillClrLst meth="repeat">
+      <a:schemeClr val="accent1"/>
+    </dgm:fillClrLst>
+    <dgm:linClrLst meth="repeat">
+      <a:schemeClr val="accent1">
+        <a:tint val="50000"/>
+      </a:schemeClr>
+    </dgm:linClrLst>
+    <dgm:effectClrLst/>
+    <dgm:txLinClrLst/>
+    <dgm:txFillClrLst meth="repeat">
+      <a:schemeClr val="tx1"/>
+    </dgm:txFillClrLst>
+    <dgm:txEffectClrLst/>
+  </dgm:styleLbl>
+  <dgm:styleLbl name="asst0">
+    <dgm:fillClrLst meth="repeat">
+      <a:schemeClr val="accent1"/>
+    </dgm:fillClrLst>
+    <dgm:linClrLst meth="repeat">
+      <a:schemeClr val="lt1"/>
+    </dgm:linClrLst>
+    <dgm:effectClrLst/>
+    <dgm:txLinClrLst/>
+    <dgm:txFillClrLst/>
+    <dgm:txEffectClrLst/>
+  </dgm:styleLbl>
+  <dgm:styleLbl name="asst1">
+    <dgm:fillClrLst meth="repeat">
+      <a:schemeClr val="accent1"/>
+    </dgm:fillClrLst>
+    <dgm:linClrLst meth="repeat">
+      <a:schemeClr val="lt1"/>
+    </dgm:linClrLst>
+    <dgm:effectClrLst/>
+    <dgm:txLinClrLst/>
+    <dgm:txFillClrLst/>
+    <dgm:txEffectClrLst/>
+  </dgm:styleLbl>
+  <dgm:styleLbl name="asst2">
+    <dgm:fillClrLst meth="repeat">
+      <a:schemeClr val="accent1"/>
+    </dgm:fillClrLst>
+    <dgm:linClrLst meth="repeat">
+      <a:schemeClr val="lt1"/>
+    </dgm:linClrLst>
+    <dgm:effectClrLst/>
+    <dgm:txLinClrLst/>
+    <dgm:txFillClrLst/>
+    <dgm:txEffectClrLst/>
+  </dgm:styleLbl>
+  <dgm:styleLbl name="asst3">
+    <dgm:fillClrLst meth="repeat">
+      <a:schemeClr val="accent1"/>
+    </dgm:fillClrLst>
+    <dgm:linClrLst meth="repeat">
+      <a:schemeClr val="lt1"/>
+    </dgm:linClrLst>
+    <dgm:effectClrLst/>
+    <dgm:txLinClrLst/>
+    <dgm:txFillClrLst/>
+    <dgm:txEffectClrLst/>
+  </dgm:styleLbl>
+  <dgm:styleLbl name="asst4">
+    <dgm:fillClrLst meth="repeat">
+      <a:schemeClr val="accent1"/>
+    </dgm:fillClrLst>
+    <dgm:linClrLst meth="repeat">
+      <a:schemeClr val="lt1"/>
+    </dgm:linClrLst>
+    <dgm:effectClrLst/>
+    <dgm:txLinClrLst/>
+    <dgm:txFillClrLst/>
+    <dgm:txEffectClrLst/>
+  </dgm:styleLbl>
+  <dgm:styleLbl name="parChTrans2D1">
+    <dgm:fillClrLst meth="repeat">
+      <a:schemeClr val="accent1">
+        <a:tint val="60000"/>
+      </a:schemeClr>
+    </dgm:fillClrLst>
+    <dgm:linClrLst meth="repeat">
+      <a:schemeClr val="accent1">
+        <a:tint val="60000"/>
+      </a:schemeClr>
+    </dgm:linClrLst>
+    <dgm:effectClrLst/>
+    <dgm:txLinClrLst/>
+    <dgm:txFillClrLst meth="repeat">
+      <a:schemeClr val="lt1"/>
+    </dgm:txFillClrLst>
+    <dgm:txEffectClrLst/>
+  </dgm:styleLbl>
+  <dgm:styleLbl name="parChTrans2D2">
+    <dgm:fillClrLst meth="repeat">
+      <a:schemeClr val="accent1"/>
+    </dgm:fillClrLst>
+    <dgm:linClrLst meth="repeat">
+      <a:schemeClr val="accent1"/>
+    </dgm:linClrLst>
+    <dgm:effectClrLst/>
+    <dgm:txLinClrLst/>
+    <dgm:txFillClrLst meth="repeat">
+      <a:schemeClr val="lt1"/>
+    </dgm:txFillClrLst>
+    <dgm:txEffectClrLst/>
+  </dgm:styleLbl>
+  <dgm:styleLbl name="parChTrans2D3">
+    <dgm:fillClrLst meth="repeat">
+      <a:schemeClr val="accent1"/>
+    </dgm:fillClrLst>
+    <dgm:linClrLst meth="repeat">
+      <a:schemeClr val="accent1"/>
+    </dgm:linClrLst>
+    <dgm:effectClrLst/>
+    <dgm:txLinClrLst/>
+    <dgm:txFillClrLst meth="repeat">
+      <a:schemeClr val="lt1"/>
+    </dgm:txFillClrLst>
+    <dgm:txEffectClrLst/>
+  </dgm:styleLbl>
+  <dgm:styleLbl name="parChTrans2D4">
+    <dgm:fillClrLst meth="repeat">
+      <a:schemeClr val="accent1"/>
+    </dgm:fillClrLst>
+    <dgm:linClrLst meth="repeat">
+      <a:schemeClr val="accent1"/>
+    </dgm:linClrLst>
+    <dgm:effectClrLst/>
+    <dgm:txLinClrLst/>
+    <dgm:txFillClrLst meth="repeat">
+      <a:schemeClr val="lt1"/>
+    </dgm:txFillClrLst>
+    <dgm:txEffectClrLst/>
+  </dgm:styleLbl>
+  <dgm:styleLbl name="parChTrans1D1">
+    <dgm:fillClrLst meth="repeat">
+      <a:schemeClr val="accent1"/>
+    </dgm:fillClrLst>
+    <dgm:linClrLst meth="repeat">
+      <a:schemeClr val="accent1">
+        <a:shade val="60000"/>
+      </a:schemeClr>
+    </dgm:linClrLst>
+    <dgm:effectClrLst/>
+    <dgm:txLinClrLst/>
+    <dgm:txFillClrLst meth="repeat">
+      <a:schemeClr val="tx1"/>
+    </dgm:txFillClrLst>
+    <dgm:txEffectClrLst/>
+  </dgm:styleLbl>
+  <dgm:styleLbl name="parChTrans1D2">
+    <dgm:fillClrLst meth="repeat">
+      <a:schemeClr val="accent1"/>
+    </dgm:fillClrLst>
+    <dgm:linClrLst meth="repeat">
+      <a:schemeClr val="accent1">
+        <a:shade val="60000"/>
+      </a:schemeClr>
+    </dgm:linClrLst>
+    <dgm:effectClrLst/>
+    <dgm:txLinClrLst/>
+    <dgm:txFillClrLst meth="repeat">
+      <a:schemeClr val="tx1"/>
+    </dgm:txFillClrLst>
+    <dgm:txEffectClrLst/>
+  </dgm:styleLbl>
+  <dgm:styleLbl name="parChTrans1D3">
+    <dgm:fillClrLst meth="repeat">
+      <a:schemeClr val="accent1"/>
+    </dgm:fillClrLst>
+    <dgm:linClrLst meth="repeat">
+      <a:schemeClr val="accent1">
+        <a:shade val="80000"/>
+      </a:schemeClr>
+    </dgm:linClrLst>
+    <dgm:effectClrLst/>
+    <dgm:txLinClrLst/>
+    <dgm:txFillClrLst meth="repeat">
+      <a:schemeClr val="tx1"/>
+    </dgm:txFillClrLst>
+    <dgm:txEffectClrLst/>
+  </dgm:styleLbl>
+  <dgm:styleLbl name="parChTrans1D4">
+    <dgm:fillClrLst meth="repeat">
+      <a:schemeClr val="accent1"/>
+    </dgm:fillClrLst>
+    <dgm:linClrLst meth="repeat">
+      <a:schemeClr val="accent1">
+        <a:shade val="80000"/>
+      </a:schemeClr>
+    </dgm:linClrLst>
+    <dgm:effectClrLst/>
+    <dgm:txLinClrLst/>
+    <dgm:txFillClrLst meth="repeat">
+      <a:schemeClr val="tx1"/>
+    </dgm:txFillClrLst>
+    <dgm:txEffectClrLst/>
+  </dgm:styleLbl>
+  <dgm:styleLbl name="fgAcc1">
+    <dgm:fillClrLst meth="repeat">
+      <a:schemeClr val="lt1">
+        <a:alpha val="90000"/>
+      </a:schemeClr>
+    </dgm:fillClrLst>
+    <dgm:linClrLst meth="repeat">
+      <a:schemeClr val="accent1"/>
+    </dgm:linClrLst>
+    <dgm:effectClrLst/>
+    <dgm:txLinClrLst/>
+    <dgm:txFillClrLst meth="repeat">
+      <a:schemeClr val="dk1"/>
+    </dgm:txFillClrLst>
+    <dgm:txEffectClrLst/>
+  </dgm:styleLbl>
+  <dgm:styleLbl name="conFgAcc1">
+    <dgm:fillClrLst meth="repeat">
+      <a:schemeClr val="lt1">
+        <a:alpha val="90000"/>
+      </a:schemeClr>
+    </dgm:fillClrLst>
+    <dgm:linClrLst meth="repeat">
+      <a:schemeClr val="accent1"/>
+    </dgm:linClrLst>
+    <dgm:effectClrLst/>
+    <dgm:txLinClrLst/>
+    <dgm:txFillClrLst meth="repeat">
+      <a:schemeClr val="dk1"/>
+    </dgm:txFillClrLst>
+    <dgm:txEffectClrLst/>
+  </dgm:styleLbl>
+  <dgm:styleLbl name="alignAcc1">
+    <dgm:fillClrLst meth="repeat">
+      <a:schemeClr val="lt1">
+        <a:alpha val="90000"/>
+      </a:schemeClr>
+    </dgm:fillClrLst>
+    <dgm:linClrLst meth="repeat">
+      <a:schemeClr val="accent1"/>
+    </dgm:linClrLst>
+    <dgm:effectClrLst/>
+    <dgm:txLinClrLst/>
+    <dgm:txFillClrLst meth="repeat">
+      <a:schemeClr val="dk1"/>
+    </dgm:txFillClrLst>
+    <dgm:txEffectClrLst/>
+  </dgm:styleLbl>
+  <dgm:styleLbl name="trAlignAcc1">
+    <dgm:fillClrLst meth="repeat">
+      <a:schemeClr val="lt1">
+        <a:alpha val="40000"/>
+      </a:schemeClr>
+    </dgm:fillClrLst>
+    <dgm:linClrLst meth="repeat">
+      <a:schemeClr val="accent1"/>
+    </dgm:linClrLst>
+    <dgm:effectClrLst/>
+    <dgm:txLinClrLst/>
+    <dgm:txFillClrLst meth="repeat">
+      <a:schemeClr val="dk1"/>
+    </dgm:txFillClrLst>
+    <dgm:txEffectClrLst/>
+  </dgm:styleLbl>
+  <dgm:styleLbl name="bgAcc1">
+    <dgm:fillClrLst meth="repeat">
+      <a:schemeClr val="lt1">
+        <a:alpha val="90000"/>
+      </a:schemeClr>
+    </dgm:fillClrLst>
+    <dgm:linClrLst meth="repeat">
+      <a:schemeClr val="accent1"/>
+    </dgm:linClrLst>
+    <dgm:effectClrLst/>
+    <dgm:txLinClrLst/>
+    <dgm:txFillClrLst meth="repeat">
+      <a:schemeClr val="dk1"/>
+    </dgm:txFillClrLst>
+    <dgm:txEffectClrLst/>
+  </dgm:styleLbl>
+  <dgm:styleLbl name="solidFgAcc1">
+    <dgm:fillClrLst meth="repeat">
+      <a:schemeClr val="lt1"/>
+    </dgm:fillClrLst>
+    <dgm:linClrLst meth="repeat">
+      <a:schemeClr val="accent1"/>
+    </dgm:linClrLst>
+    <dgm:effectClrLst/>
+    <dgm:txLinClrLst/>
+    <dgm:txFillClrLst meth="repeat">
+      <a:schemeClr val="dk1"/>
+    </dgm:txFillClrLst>
+    <dgm:txEffectClrLst/>
+  </dgm:styleLbl>
+  <dgm:styleLbl name="solidAlignAcc1">
+    <dgm:fillClrLst meth="repeat">
+      <a:schemeClr val="lt1"/>
+    </dgm:fillClrLst>
+    <dgm:linClrLst meth="repeat">
+      <a:schemeClr val="accent1"/>
+    </dgm:linClrLst>
+    <dgm:effectClrLst/>
+    <dgm:txLinClrLst/>
+    <dgm:txFillClrLst meth="repeat">
+      <a:schemeClr val="dk1"/>
+    </dgm:txFillClrLst>
+    <dgm:txEffectClrLst/>
+  </dgm:styleLbl>
+  <dgm:styleLbl name="solidBgAcc1">
+    <dgm:fillClrLst meth="repeat">
+      <a:schemeClr val="lt1"/>
+    </dgm:fillClrLst>
+    <dgm:linClrLst meth="repeat">
+      <a:schemeClr val="accent1"/>
+    </dgm:linClrLst>
+    <dgm:effectClrLst/>
+    <dgm:txLinClrLst/>
+    <dgm:txFillClrLst meth="repeat">
+      <a:schemeClr val="dk1"/>
+    </dgm:txFillClrLst>
+    <dgm:txEffectClrLst/>
+  </dgm:styleLbl>
+  <dgm:styleLbl name="fgAccFollowNode1">
+    <dgm:fillClrLst meth="repeat">
+      <a:schemeClr val="accent1">
+        <a:alpha val="90000"/>
+        <a:tint val="40000"/>
+      </a:schemeClr>
+    </dgm:fillClrLst>
+    <dgm:linClrLst meth="repeat">
+      <a:schemeClr val="accent1">
+        <a:alpha val="90000"/>
+        <a:tint val="40000"/>
+      </a:schemeClr>
+    </dgm:linClrLst>
+    <dgm:effectClrLst/>
+    <dgm:txLinClrLst/>
+    <dgm:txFillClrLst meth="repeat">
+      <a:schemeClr val="dk1"/>
+    </dgm:txFillClrLst>
+    <dgm:txEffectClrLst/>
+  </dgm:styleLbl>
+  <dgm:styleLbl name="alignAccFollowNode1">
+    <dgm:fillClrLst meth="repeat">
+      <a:schemeClr val="accent1">
+        <a:alpha val="90000"/>
+        <a:tint val="40000"/>
+      </a:schemeClr>
+    </dgm:fillClrLst>
+    <dgm:linClrLst meth="repeat">
+      <a:schemeClr val="accent1">
+        <a:alpha val="90000"/>
+        <a:tint val="40000"/>
+      </a:schemeClr>
+    </dgm:linClrLst>
+    <dgm:effectClrLst/>
+    <dgm:txLinClrLst/>
+    <dgm:txFillClrLst meth="repeat">
+      <a:schemeClr val="dk1"/>
+    </dgm:txFillClrLst>
+    <dgm:txEffectClrLst/>
+  </dgm:styleLbl>
+  <dgm:styleLbl name="bgAccFollowNode1">
+    <dgm:fillClrLst meth="repeat">
+      <a:schemeClr val="accent1">
+        <a:alpha val="90000"/>
+        <a:tint val="40000"/>
+      </a:schemeClr>
+    </dgm:fillClrLst>
+    <dgm:linClrLst meth="repeat">
+      <a:schemeClr val="accent1">
+        <a:alpha val="90000"/>
+        <a:tint val="40000"/>
+      </a:schemeClr>
+    </dgm:linClrLst>
+    <dgm:effectClrLst/>
+    <dgm:txLinClrLst/>
+    <dgm:txFillClrLst meth="repeat">
+      <a:schemeClr val="dk1"/>
+    </dgm:txFillClrLst>
+    <dgm:txEffectClrLst/>
+  </dgm:styleLbl>
+  <dgm:styleLbl name="fgAcc0">
+    <dgm:fillClrLst meth="repeat">
+      <a:schemeClr val="lt1">
+        <a:alpha val="90000"/>
+      </a:schemeClr>
+    </dgm:fillClrLst>
+    <dgm:linClrLst meth="repeat">
+      <a:schemeClr val="accent1"/>
+    </dgm:linClrLst>
+    <dgm:effectClrLst/>
+    <dgm:txLinClrLst/>
+    <dgm:txFillClrLst meth="repeat">
+      <a:schemeClr val="dk1"/>
+    </dgm:txFillClrLst>
+    <dgm:txEffectClrLst/>
+  </dgm:styleLbl>
+  <dgm:styleLbl name="fgAcc2">
+    <dgm:fillClrLst meth="repeat">
+      <a:schemeClr val="lt1">
+        <a:alpha val="90000"/>
+      </a:schemeClr>
+    </dgm:fillClrLst>
+    <dgm:linClrLst meth="repeat">
+      <a:schemeClr val="accent1"/>
+    </dgm:linClrLst>
+    <dgm:effectClrLst/>
+    <dgm:txLinClrLst/>
+    <dgm:txFillClrLst meth="repeat">
+      <a:schemeClr val="dk1"/>
+    </dgm:txFillClrLst>
+    <dgm:txEffectClrLst/>
+  </dgm:styleLbl>
+  <dgm:styleLbl name="fgAcc3">
+    <dgm:fillClrLst meth="repeat">
+      <a:schemeClr val="lt1">
+        <a:alpha val="90000"/>
+      </a:schemeClr>
+    </dgm:fillClrLst>
+    <dgm:linClrLst meth="repeat">
+      <a:schemeClr val="accent1"/>
+    </dgm:linClrLst>
+    <dgm:effectClrLst/>
+    <dgm:txLinClrLst/>
+    <dgm:txFillClrLst meth="repeat">
+      <a:schemeClr val="dk1"/>
+    </dgm:txFillClrLst>
+    <dgm:txEffectClrLst/>
+  </dgm:styleLbl>
+  <dgm:styleLbl name="fgAcc4">
+    <dgm:fillClrLst meth="repeat">
+      <a:schemeClr val="lt1">
+        <a:alpha val="90000"/>
+      </a:schemeClr>
+    </dgm:fillClrLst>
+    <dgm:linClrLst meth="repeat">
+      <a:schemeClr val="accent1"/>
+    </dgm:linClrLst>
+    <dgm:effectClrLst/>
+    <dgm:txLinClrLst/>
+    <dgm:txFillClrLst meth="repeat">
+      <a:schemeClr val="dk1"/>
+    </dgm:txFillClrLst>
+    <dgm:txEffectClrLst/>
+  </dgm:styleLbl>
+  <dgm:styleLbl name="bgShp">
+    <dgm:fillClrLst meth="repeat">
+      <a:schemeClr val="accent1">
+        <a:tint val="40000"/>
+      </a:schemeClr>
+    </dgm:fillClrLst>
+    <dgm:linClrLst meth="repeat">
+      <a:schemeClr val="accent1"/>
+    </dgm:linClrLst>
+    <dgm:effectClrLst/>
+    <dgm:txLinClrLst/>
+    <dgm:txFillClrLst meth="repeat">
+      <a:schemeClr val="dk1"/>
+    </dgm:txFillClrLst>
+    <dgm:txEffectClrLst/>
+  </dgm:styleLbl>
+  <dgm:styleLbl name="dkBgShp">
+    <dgm:fillClrLst meth="repeat">
+      <a:schemeClr val="accent1">
+        <a:shade val="80000"/>
+      </a:schemeClr>
+    </dgm:fillClrLst>
+    <dgm:linClrLst meth="repeat">
+      <a:schemeClr val="accent1"/>
+    </dgm:linClrLst>
+    <dgm:effectClrLst/>
+    <dgm:txLinClrLst/>
+    <dgm:txFillClrLst meth="repeat">
+      <a:schemeClr val="lt1"/>
+    </dgm:txFillClrLst>
+    <dgm:txEffectClrLst/>
+  </dgm:styleLbl>
+  <dgm:styleLbl name="trBgShp">
+    <dgm:fillClrLst meth="repeat">
+      <a:schemeClr val="accent1">
+        <a:tint val="50000"/>
+        <a:alpha val="40000"/>
+      </a:schemeClr>
+    </dgm:fillClrLst>
+    <dgm:linClrLst meth="repeat">
+      <a:schemeClr val="accent1"/>
+    </dgm:linClrLst>
+    <dgm:effectClrLst/>
+    <dgm:txLinClrLst/>
+    <dgm:txFillClrLst meth="repeat">
+      <a:schemeClr val="lt1"/>
+    </dgm:txFillClrLst>
+    <dgm:txEffectClrLst/>
+  </dgm:styleLbl>
+  <dgm:styleLbl name="fgShp">
+    <dgm:fillClrLst meth="repeat">
+      <a:schemeClr val="accent1">
+        <a:tint val="60000"/>
+      </a:schemeClr>
+    </dgm:fillClrLst>
+    <dgm:linClrLst meth="repeat">
+      <a:schemeClr val="lt1"/>
+    </dgm:linClrLst>
+    <dgm:effectClrLst/>
+    <dgm:txLinClrLst/>
+    <dgm:txFillClrLst meth="repeat">
+      <a:schemeClr val="dk1"/>
+    </dgm:txFillClrLst>
+    <dgm:txEffectClrLst/>
+  </dgm:styleLbl>
+  <dgm:styleLbl name="revTx">
+    <dgm:fillClrLst meth="repeat">
+      <a:schemeClr val="lt1">
+        <a:alpha val="0"/>
+      </a:schemeClr>
+    </dgm:fillClrLst>
+    <dgm:linClrLst meth="repeat">
+      <a:schemeClr val="dk1">
+        <a:alpha val="0"/>
+      </a:schemeClr>
+    </dgm:linClrLst>
+    <dgm:effectClrLst/>
+    <dgm:txLinClrLst/>
+    <dgm:txFillClrLst meth="repeat">
+      <a:schemeClr val="tx1"/>
+    </dgm:txFillClrLst>
+    <dgm:txEffectClrLst/>
+  </dgm:styleLbl>
+</dgm:colorsDef>
+</file>
+
+<file path=ppt/diagrams/data1.xml><?xml version="1.0" encoding="utf-8"?>
+<dgm:dataModel xmlns:dgm="http://schemas.openxmlformats.org/drawingml/2006/diagram" xmlns:a="http://schemas.openxmlformats.org/drawingml/2006/main">
+  <dgm:ptLst>
+    <dgm:pt modelId="{242A23EC-4448-4916-B4F8-1F3EBD7DC1F2}" type="doc">
+      <dgm:prSet loTypeId="urn:microsoft.com/office/officeart/2005/8/layout/hProcess9" loCatId="process" qsTypeId="urn:microsoft.com/office/officeart/2005/8/quickstyle/simple3" qsCatId="simple" csTypeId="urn:microsoft.com/office/officeart/2005/8/colors/accent1_2" csCatId="accent1" phldr="1"/>
+      <dgm:spPr/>
+    </dgm:pt>
+    <dgm:pt modelId="{98118158-044B-49D7-921D-76F5BC537DE2}">
+      <dgm:prSet phldrT="[Text]"/>
+      <dgm:spPr/>
+      <dgm:t>
+        <a:bodyPr/>
+        <a:lstStyle/>
+        <a:p>
+          <a:r>
+            <a:rPr lang="en-US" dirty="0"/>
+            <a:t>Data preparation </a:t>
+          </a:r>
+        </a:p>
+      </dgm:t>
+    </dgm:pt>
+    <dgm:pt modelId="{5FA3BA80-5267-4748-9347-C86E7CFFBBA8}" type="parTrans" cxnId="{38C7BC41-82F1-4426-AA97-E17B405FDFD1}">
+      <dgm:prSet/>
+      <dgm:spPr/>
+      <dgm:t>
+        <a:bodyPr/>
+        <a:lstStyle/>
+        <a:p>
+          <a:endParaRPr lang="en-US"/>
+        </a:p>
+      </dgm:t>
+    </dgm:pt>
+    <dgm:pt modelId="{893F50A0-FE48-4116-BA8A-FB4815F38575}" type="sibTrans" cxnId="{38C7BC41-82F1-4426-AA97-E17B405FDFD1}">
+      <dgm:prSet/>
+      <dgm:spPr/>
+      <dgm:t>
+        <a:bodyPr/>
+        <a:lstStyle/>
+        <a:p>
+          <a:endParaRPr lang="en-US"/>
+        </a:p>
+      </dgm:t>
+    </dgm:pt>
+    <dgm:pt modelId="{34FFE546-6132-436E-9A47-83CC71A1B6A9}">
+      <dgm:prSet phldrT="[Text]"/>
+      <dgm:spPr/>
+      <dgm:t>
+        <a:bodyPr/>
+        <a:lstStyle/>
+        <a:p>
+          <a:r>
+            <a:rPr lang="en-US" dirty="0"/>
+            <a:t>Fit logistic-Reg model to predict hate speech   </a:t>
+          </a:r>
+        </a:p>
+      </dgm:t>
+    </dgm:pt>
+    <dgm:pt modelId="{010E9DA4-39AB-4A9B-A035-BC4043A185E6}" type="parTrans" cxnId="{3EC13713-A223-4A0B-A40F-DA8C7AC28350}">
+      <dgm:prSet/>
+      <dgm:spPr/>
+      <dgm:t>
+        <a:bodyPr/>
+        <a:lstStyle/>
+        <a:p>
+          <a:endParaRPr lang="en-US"/>
+        </a:p>
+      </dgm:t>
+    </dgm:pt>
+    <dgm:pt modelId="{ABA83435-4EF8-4CE5-B5B4-8E0CE150F791}" type="sibTrans" cxnId="{3EC13713-A223-4A0B-A40F-DA8C7AC28350}">
+      <dgm:prSet/>
+      <dgm:spPr/>
+      <dgm:t>
+        <a:bodyPr/>
+        <a:lstStyle/>
+        <a:p>
+          <a:endParaRPr lang="en-US"/>
+        </a:p>
+      </dgm:t>
+    </dgm:pt>
+    <dgm:pt modelId="{396A6519-265D-4E34-BCCA-425D76D5F99A}">
+      <dgm:prSet phldrT="[Text]"/>
+      <dgm:spPr/>
+      <dgm:t>
+        <a:bodyPr/>
+        <a:lstStyle/>
+        <a:p>
+          <a:r>
+            <a:rPr lang="en-US" dirty="0"/>
+            <a:t>Fit logistic-Reg to the different annotator’s background</a:t>
+          </a:r>
+        </a:p>
+      </dgm:t>
+    </dgm:pt>
+    <dgm:pt modelId="{9E108498-15E2-48ED-8A37-A7493FF8459E}" type="parTrans" cxnId="{8FFC59E4-3BB3-4D16-99C1-A326714E5E6A}">
+      <dgm:prSet/>
+      <dgm:spPr/>
+      <dgm:t>
+        <a:bodyPr/>
+        <a:lstStyle/>
+        <a:p>
+          <a:endParaRPr lang="en-US"/>
+        </a:p>
+      </dgm:t>
+    </dgm:pt>
+    <dgm:pt modelId="{A770601D-B5EC-40AB-8FAD-B68530CC3DBE}" type="sibTrans" cxnId="{8FFC59E4-3BB3-4D16-99C1-A326714E5E6A}">
+      <dgm:prSet/>
+      <dgm:spPr/>
+      <dgm:t>
+        <a:bodyPr/>
+        <a:lstStyle/>
+        <a:p>
+          <a:endParaRPr lang="en-US"/>
+        </a:p>
+      </dgm:t>
+    </dgm:pt>
+    <dgm:pt modelId="{4B907953-B818-490A-8F13-7DDBA5A3430F}">
+      <dgm:prSet phldrT="[Text]"/>
+      <dgm:spPr/>
+      <dgm:t>
+        <a:bodyPr/>
+        <a:lstStyle/>
+        <a:p>
+          <a:r>
+            <a:rPr lang="en-US" dirty="0"/>
+            <a:t>Evaluate the models and Analyzing the results</a:t>
+          </a:r>
+        </a:p>
+      </dgm:t>
+    </dgm:pt>
+    <dgm:pt modelId="{593AD598-BD02-48E0-91BF-F12DB4625911}" type="parTrans" cxnId="{CC91A7A0-BE00-427E-805D-DC39ECAF49A9}">
+      <dgm:prSet/>
+      <dgm:spPr/>
+      <dgm:t>
+        <a:bodyPr/>
+        <a:lstStyle/>
+        <a:p>
+          <a:endParaRPr lang="en-US"/>
+        </a:p>
+      </dgm:t>
+    </dgm:pt>
+    <dgm:pt modelId="{0FB5B01D-B5C0-4074-98E1-8F7FC19E6741}" type="sibTrans" cxnId="{CC91A7A0-BE00-427E-805D-DC39ECAF49A9}">
+      <dgm:prSet/>
+      <dgm:spPr/>
+      <dgm:t>
+        <a:bodyPr/>
+        <a:lstStyle/>
+        <a:p>
+          <a:endParaRPr lang="en-US"/>
+        </a:p>
+      </dgm:t>
+    </dgm:pt>
+    <dgm:pt modelId="{3D294C1C-41A3-4038-9182-73BDAA5125E1}" type="pres">
+      <dgm:prSet presAssocID="{242A23EC-4448-4916-B4F8-1F3EBD7DC1F2}" presName="CompostProcess" presStyleCnt="0">
+        <dgm:presLayoutVars>
+          <dgm:dir/>
+          <dgm:resizeHandles val="exact"/>
+        </dgm:presLayoutVars>
+      </dgm:prSet>
+      <dgm:spPr/>
+    </dgm:pt>
+    <dgm:pt modelId="{D21B8BED-D660-4EA3-A659-6C0E7ECF993D}" type="pres">
+      <dgm:prSet presAssocID="{242A23EC-4448-4916-B4F8-1F3EBD7DC1F2}" presName="arrow" presStyleLbl="bgShp" presStyleIdx="0" presStyleCnt="1"/>
+      <dgm:spPr/>
+    </dgm:pt>
+    <dgm:pt modelId="{6932E3FD-D869-4B73-9B3B-FBDEB1ED2C1E}" type="pres">
+      <dgm:prSet presAssocID="{242A23EC-4448-4916-B4F8-1F3EBD7DC1F2}" presName="linearProcess" presStyleCnt="0"/>
+      <dgm:spPr/>
+    </dgm:pt>
+    <dgm:pt modelId="{33718EFA-CDAD-46BC-BC19-6D8D4483AA26}" type="pres">
+      <dgm:prSet presAssocID="{98118158-044B-49D7-921D-76F5BC537DE2}" presName="textNode" presStyleLbl="node1" presStyleIdx="0" presStyleCnt="4">
+        <dgm:presLayoutVars>
+          <dgm:bulletEnabled val="1"/>
+        </dgm:presLayoutVars>
+      </dgm:prSet>
+      <dgm:spPr/>
+    </dgm:pt>
+    <dgm:pt modelId="{BB13CB47-3A7E-4E1D-A357-92950FF52956}" type="pres">
+      <dgm:prSet presAssocID="{893F50A0-FE48-4116-BA8A-FB4815F38575}" presName="sibTrans" presStyleCnt="0"/>
+      <dgm:spPr/>
+    </dgm:pt>
+    <dgm:pt modelId="{5FDAEA16-A8C1-42CF-BC79-C4D9DBCFD297}" type="pres">
+      <dgm:prSet presAssocID="{34FFE546-6132-436E-9A47-83CC71A1B6A9}" presName="textNode" presStyleLbl="node1" presStyleIdx="1" presStyleCnt="4">
+        <dgm:presLayoutVars>
+          <dgm:bulletEnabled val="1"/>
+        </dgm:presLayoutVars>
+      </dgm:prSet>
+      <dgm:spPr/>
+    </dgm:pt>
+    <dgm:pt modelId="{205BC77A-BB50-49D4-9F45-433FEA304CBD}" type="pres">
+      <dgm:prSet presAssocID="{ABA83435-4EF8-4CE5-B5B4-8E0CE150F791}" presName="sibTrans" presStyleCnt="0"/>
+      <dgm:spPr/>
+    </dgm:pt>
+    <dgm:pt modelId="{D80F1AF8-EA99-45CE-9F07-3F7BC6F0A9FD}" type="pres">
+      <dgm:prSet presAssocID="{396A6519-265D-4E34-BCCA-425D76D5F99A}" presName="textNode" presStyleLbl="node1" presStyleIdx="2" presStyleCnt="4">
+        <dgm:presLayoutVars>
+          <dgm:bulletEnabled val="1"/>
+        </dgm:presLayoutVars>
+      </dgm:prSet>
+      <dgm:spPr/>
+    </dgm:pt>
+    <dgm:pt modelId="{3078B1DF-C3E6-4CE7-8405-5AC6E6F5FFA5}" type="pres">
+      <dgm:prSet presAssocID="{A770601D-B5EC-40AB-8FAD-B68530CC3DBE}" presName="sibTrans" presStyleCnt="0"/>
+      <dgm:spPr/>
+    </dgm:pt>
+    <dgm:pt modelId="{FA23CB1E-A255-49A4-8D04-3B5AD4494198}" type="pres">
+      <dgm:prSet presAssocID="{4B907953-B818-490A-8F13-7DDBA5A3430F}" presName="textNode" presStyleLbl="node1" presStyleIdx="3" presStyleCnt="4">
+        <dgm:presLayoutVars>
+          <dgm:bulletEnabled val="1"/>
+        </dgm:presLayoutVars>
+      </dgm:prSet>
+      <dgm:spPr/>
+    </dgm:pt>
+  </dgm:ptLst>
+  <dgm:cxnLst>
+    <dgm:cxn modelId="{78FA5D04-C105-4E3F-9D29-A879B1C3C5FA}" type="presOf" srcId="{98118158-044B-49D7-921D-76F5BC537DE2}" destId="{33718EFA-CDAD-46BC-BC19-6D8D4483AA26}" srcOrd="0" destOrd="0" presId="urn:microsoft.com/office/officeart/2005/8/layout/hProcess9"/>
+    <dgm:cxn modelId="{0E88D20E-A24C-4428-928B-4D9CDEEFCF12}" type="presOf" srcId="{34FFE546-6132-436E-9A47-83CC71A1B6A9}" destId="{5FDAEA16-A8C1-42CF-BC79-C4D9DBCFD297}" srcOrd="0" destOrd="0" presId="urn:microsoft.com/office/officeart/2005/8/layout/hProcess9"/>
+    <dgm:cxn modelId="{3EC13713-A223-4A0B-A40F-DA8C7AC28350}" srcId="{242A23EC-4448-4916-B4F8-1F3EBD7DC1F2}" destId="{34FFE546-6132-436E-9A47-83CC71A1B6A9}" srcOrd="1" destOrd="0" parTransId="{010E9DA4-39AB-4A9B-A035-BC4043A185E6}" sibTransId="{ABA83435-4EF8-4CE5-B5B4-8E0CE150F791}"/>
+    <dgm:cxn modelId="{CC791019-2164-4985-A990-215B6F592981}" type="presOf" srcId="{396A6519-265D-4E34-BCCA-425D76D5F99A}" destId="{D80F1AF8-EA99-45CE-9F07-3F7BC6F0A9FD}" srcOrd="0" destOrd="0" presId="urn:microsoft.com/office/officeart/2005/8/layout/hProcess9"/>
+    <dgm:cxn modelId="{38C7BC41-82F1-4426-AA97-E17B405FDFD1}" srcId="{242A23EC-4448-4916-B4F8-1F3EBD7DC1F2}" destId="{98118158-044B-49D7-921D-76F5BC537DE2}" srcOrd="0" destOrd="0" parTransId="{5FA3BA80-5267-4748-9347-C86E7CFFBBA8}" sibTransId="{893F50A0-FE48-4116-BA8A-FB4815F38575}"/>
+    <dgm:cxn modelId="{E62E2297-6607-48A9-AE4C-6A17C64E74DC}" type="presOf" srcId="{242A23EC-4448-4916-B4F8-1F3EBD7DC1F2}" destId="{3D294C1C-41A3-4038-9182-73BDAA5125E1}" srcOrd="0" destOrd="0" presId="urn:microsoft.com/office/officeart/2005/8/layout/hProcess9"/>
+    <dgm:cxn modelId="{CC91A7A0-BE00-427E-805D-DC39ECAF49A9}" srcId="{242A23EC-4448-4916-B4F8-1F3EBD7DC1F2}" destId="{4B907953-B818-490A-8F13-7DDBA5A3430F}" srcOrd="3" destOrd="0" parTransId="{593AD598-BD02-48E0-91BF-F12DB4625911}" sibTransId="{0FB5B01D-B5C0-4074-98E1-8F7FC19E6741}"/>
+    <dgm:cxn modelId="{D0F80ADA-C66F-4031-BE71-54279C7D4251}" type="presOf" srcId="{4B907953-B818-490A-8F13-7DDBA5A3430F}" destId="{FA23CB1E-A255-49A4-8D04-3B5AD4494198}" srcOrd="0" destOrd="0" presId="urn:microsoft.com/office/officeart/2005/8/layout/hProcess9"/>
+    <dgm:cxn modelId="{8FFC59E4-3BB3-4D16-99C1-A326714E5E6A}" srcId="{242A23EC-4448-4916-B4F8-1F3EBD7DC1F2}" destId="{396A6519-265D-4E34-BCCA-425D76D5F99A}" srcOrd="2" destOrd="0" parTransId="{9E108498-15E2-48ED-8A37-A7493FF8459E}" sibTransId="{A770601D-B5EC-40AB-8FAD-B68530CC3DBE}"/>
+    <dgm:cxn modelId="{7529594D-61F5-4600-B37B-DAAF217898A1}" type="presParOf" srcId="{3D294C1C-41A3-4038-9182-73BDAA5125E1}" destId="{D21B8BED-D660-4EA3-A659-6C0E7ECF993D}" srcOrd="0" destOrd="0" presId="urn:microsoft.com/office/officeart/2005/8/layout/hProcess9"/>
+    <dgm:cxn modelId="{4F8EB319-25F6-4CC5-A9DC-36F47080B443}" type="presParOf" srcId="{3D294C1C-41A3-4038-9182-73BDAA5125E1}" destId="{6932E3FD-D869-4B73-9B3B-FBDEB1ED2C1E}" srcOrd="1" destOrd="0" presId="urn:microsoft.com/office/officeart/2005/8/layout/hProcess9"/>
+    <dgm:cxn modelId="{ADE658B8-6404-429B-8791-D210D55790AA}" type="presParOf" srcId="{6932E3FD-D869-4B73-9B3B-FBDEB1ED2C1E}" destId="{33718EFA-CDAD-46BC-BC19-6D8D4483AA26}" srcOrd="0" destOrd="0" presId="urn:microsoft.com/office/officeart/2005/8/layout/hProcess9"/>
+    <dgm:cxn modelId="{DE27A0B9-EAB9-4333-95E4-EBEEA0285922}" type="presParOf" srcId="{6932E3FD-D869-4B73-9B3B-FBDEB1ED2C1E}" destId="{BB13CB47-3A7E-4E1D-A357-92950FF52956}" srcOrd="1" destOrd="0" presId="urn:microsoft.com/office/officeart/2005/8/layout/hProcess9"/>
+    <dgm:cxn modelId="{92427713-9DB2-459F-8A38-472883692982}" type="presParOf" srcId="{6932E3FD-D869-4B73-9B3B-FBDEB1ED2C1E}" destId="{5FDAEA16-A8C1-42CF-BC79-C4D9DBCFD297}" srcOrd="2" destOrd="0" presId="urn:microsoft.com/office/officeart/2005/8/layout/hProcess9"/>
+    <dgm:cxn modelId="{466FE792-3EAA-452F-84C7-8D459C713CAD}" type="presParOf" srcId="{6932E3FD-D869-4B73-9B3B-FBDEB1ED2C1E}" destId="{205BC77A-BB50-49D4-9F45-433FEA304CBD}" srcOrd="3" destOrd="0" presId="urn:microsoft.com/office/officeart/2005/8/layout/hProcess9"/>
+    <dgm:cxn modelId="{70820912-9285-4C08-9AB0-98FCD3C796E9}" type="presParOf" srcId="{6932E3FD-D869-4B73-9B3B-FBDEB1ED2C1E}" destId="{D80F1AF8-EA99-45CE-9F07-3F7BC6F0A9FD}" srcOrd="4" destOrd="0" presId="urn:microsoft.com/office/officeart/2005/8/layout/hProcess9"/>
+    <dgm:cxn modelId="{DE6ABC1B-EE69-4D1E-B9DE-03813DCCF0BE}" type="presParOf" srcId="{6932E3FD-D869-4B73-9B3B-FBDEB1ED2C1E}" destId="{3078B1DF-C3E6-4CE7-8405-5AC6E6F5FFA5}" srcOrd="5" destOrd="0" presId="urn:microsoft.com/office/officeart/2005/8/layout/hProcess9"/>
+    <dgm:cxn modelId="{4143AD75-D7E7-4AF6-9B28-2A7CBF991BE5}" type="presParOf" srcId="{6932E3FD-D869-4B73-9B3B-FBDEB1ED2C1E}" destId="{FA23CB1E-A255-49A4-8D04-3B5AD4494198}" srcOrd="6" destOrd="0" presId="urn:microsoft.com/office/officeart/2005/8/layout/hProcess9"/>
+  </dgm:cxnLst>
+  <dgm:bg/>
+  <dgm:whole/>
+  <dgm:extLst>
+    <a:ext uri="http://schemas.microsoft.com/office/drawing/2008/diagram">
+      <dsp:dataModelExt xmlns:dsp="http://schemas.microsoft.com/office/drawing/2008/diagram" relId="rId7" minVer="http://schemas.openxmlformats.org/drawingml/2006/diagram"/>
+    </a:ext>
+  </dgm:extLst>
+</dgm:dataModel>
+</file>
+
+<file path=ppt/diagrams/drawing1.xml><?xml version="1.0" encoding="utf-8"?>
+<dsp:drawing xmlns:dgm="http://schemas.openxmlformats.org/drawingml/2006/diagram" xmlns:dsp="http://schemas.microsoft.com/office/drawing/2008/diagram" xmlns:a="http://schemas.openxmlformats.org/drawingml/2006/main">
+  <dsp:spTree>
+    <dsp:nvGrpSpPr>
+      <dsp:cNvPr id="0" name=""/>
+      <dsp:cNvGrpSpPr/>
+    </dsp:nvGrpSpPr>
+    <dsp:grpSpPr/>
+    <dsp:sp modelId="{D21B8BED-D660-4EA3-A659-6C0E7ECF993D}">
+      <dsp:nvSpPr>
+        <dsp:cNvPr id="0" name=""/>
+        <dsp:cNvSpPr/>
+      </dsp:nvSpPr>
+      <dsp:spPr>
+        <a:xfrm>
+          <a:off x="695770" y="0"/>
+          <a:ext cx="7885393" cy="2500598"/>
+        </a:xfrm>
+        <a:prstGeom prst="rightArrow">
+          <a:avLst/>
+        </a:prstGeom>
+        <a:solidFill>
+          <a:schemeClr val="accent1">
+            <a:tint val="40000"/>
+            <a:hueOff val="0"/>
+            <a:satOff val="0"/>
+            <a:lumOff val="0"/>
+            <a:alphaOff val="0"/>
+          </a:schemeClr>
+        </a:solidFill>
+        <a:ln>
+          <a:noFill/>
+        </a:ln>
+        <a:effectLst/>
+      </dsp:spPr>
+      <dsp:style>
+        <a:lnRef idx="0">
+          <a:scrgbClr r="0" g="0" b="0"/>
+        </a:lnRef>
+        <a:fillRef idx="1">
+          <a:scrgbClr r="0" g="0" b="0"/>
+        </a:fillRef>
+        <a:effectRef idx="1">
+          <a:scrgbClr r="0" g="0" b="0"/>
+        </a:effectRef>
+        <a:fontRef idx="minor"/>
+      </dsp:style>
+    </dsp:sp>
+    <dsp:sp modelId="{33718EFA-CDAD-46BC-BC19-6D8D4483AA26}">
+      <dsp:nvSpPr>
+        <dsp:cNvPr id="0" name=""/>
+        <dsp:cNvSpPr/>
+      </dsp:nvSpPr>
+      <dsp:spPr>
+        <a:xfrm>
+          <a:off x="4642" y="750179"/>
+          <a:ext cx="2233168" cy="1000239"/>
+        </a:xfrm>
+        <a:prstGeom prst="roundRect">
+          <a:avLst/>
+        </a:prstGeom>
+        <a:gradFill rotWithShape="0">
+          <a:gsLst>
+            <a:gs pos="0">
+              <a:schemeClr val="accent1">
+                <a:hueOff val="0"/>
+                <a:satOff val="0"/>
+                <a:lumOff val="0"/>
+                <a:alphaOff val="0"/>
+                <a:lumMod val="110000"/>
+                <a:satMod val="105000"/>
+                <a:tint val="67000"/>
+              </a:schemeClr>
+            </a:gs>
+            <a:gs pos="50000">
+              <a:schemeClr val="accent1">
+                <a:hueOff val="0"/>
+                <a:satOff val="0"/>
+                <a:lumOff val="0"/>
+                <a:alphaOff val="0"/>
+                <a:lumMod val="105000"/>
+                <a:satMod val="103000"/>
+                <a:tint val="73000"/>
+              </a:schemeClr>
+            </a:gs>
+            <a:gs pos="100000">
+              <a:schemeClr val="accent1">
+                <a:hueOff val="0"/>
+                <a:satOff val="0"/>
+                <a:lumOff val="0"/>
+                <a:alphaOff val="0"/>
+                <a:lumMod val="105000"/>
+                <a:satMod val="109000"/>
+                <a:tint val="81000"/>
+              </a:schemeClr>
+            </a:gs>
+          </a:gsLst>
+          <a:lin ang="5400000" scaled="0"/>
+        </a:gradFill>
+        <a:ln>
+          <a:noFill/>
+        </a:ln>
+        <a:effectLst/>
+        <a:scene3d>
+          <a:camera prst="orthographicFront"/>
+          <a:lightRig rig="flat" dir="t"/>
+        </a:scene3d>
+        <a:sp3d prstMaterial="dkEdge">
+          <a:bevelT w="8200" h="38100"/>
+        </a:sp3d>
+      </dsp:spPr>
+      <dsp:style>
+        <a:lnRef idx="0">
+          <a:scrgbClr r="0" g="0" b="0"/>
+        </a:lnRef>
+        <a:fillRef idx="2">
+          <a:scrgbClr r="0" g="0" b="0"/>
+        </a:fillRef>
+        <a:effectRef idx="1">
+          <a:scrgbClr r="0" g="0" b="0"/>
+        </a:effectRef>
+        <a:fontRef idx="minor">
+          <a:schemeClr val="dk1"/>
+        </a:fontRef>
+      </dsp:style>
+      <dsp:txBody>
+        <a:bodyPr spcFirstLastPara="0" vert="horz" wrap="square" lIns="68580" tIns="68580" rIns="68580" bIns="68580" numCol="1" spcCol="1270" anchor="ctr" anchorCtr="0">
+          <a:noAutofit/>
+        </a:bodyPr>
+        <a:lstStyle/>
+        <a:p>
+          <a:pPr marL="0" lvl="0" indent="0" algn="ctr" defTabSz="800100">
+            <a:lnSpc>
+              <a:spcPct val="90000"/>
+            </a:lnSpc>
+            <a:spcBef>
+              <a:spcPct val="0"/>
+            </a:spcBef>
+            <a:spcAft>
+              <a:spcPct val="35000"/>
+            </a:spcAft>
+            <a:buNone/>
+          </a:pPr>
+          <a:r>
+            <a:rPr lang="en-US" sz="1800" kern="1200" dirty="0"/>
+            <a:t>Data preparation </a:t>
+          </a:r>
+        </a:p>
+      </dsp:txBody>
+      <dsp:txXfrm>
+        <a:off x="53470" y="799007"/>
+        <a:ext cx="2135512" cy="902583"/>
+      </dsp:txXfrm>
+    </dsp:sp>
+    <dsp:sp modelId="{5FDAEA16-A8C1-42CF-BC79-C4D9DBCFD297}">
+      <dsp:nvSpPr>
+        <dsp:cNvPr id="0" name=""/>
+        <dsp:cNvSpPr/>
+      </dsp:nvSpPr>
+      <dsp:spPr>
+        <a:xfrm>
+          <a:off x="2349469" y="750179"/>
+          <a:ext cx="2233168" cy="1000239"/>
+        </a:xfrm>
+        <a:prstGeom prst="roundRect">
+          <a:avLst/>
+        </a:prstGeom>
+        <a:gradFill rotWithShape="0">
+          <a:gsLst>
+            <a:gs pos="0">
+              <a:schemeClr val="accent1">
+                <a:hueOff val="0"/>
+                <a:satOff val="0"/>
+                <a:lumOff val="0"/>
+                <a:alphaOff val="0"/>
+                <a:lumMod val="110000"/>
+                <a:satMod val="105000"/>
+                <a:tint val="67000"/>
+              </a:schemeClr>
+            </a:gs>
+            <a:gs pos="50000">
+              <a:schemeClr val="accent1">
+                <a:hueOff val="0"/>
+                <a:satOff val="0"/>
+                <a:lumOff val="0"/>
+                <a:alphaOff val="0"/>
+                <a:lumMod val="105000"/>
+                <a:satMod val="103000"/>
+                <a:tint val="73000"/>
+              </a:schemeClr>
+            </a:gs>
+            <a:gs pos="100000">
+              <a:schemeClr val="accent1">
+                <a:hueOff val="0"/>
+                <a:satOff val="0"/>
+                <a:lumOff val="0"/>
+                <a:alphaOff val="0"/>
+                <a:lumMod val="105000"/>
+                <a:satMod val="109000"/>
+                <a:tint val="81000"/>
+              </a:schemeClr>
+            </a:gs>
+          </a:gsLst>
+          <a:lin ang="5400000" scaled="0"/>
+        </a:gradFill>
+        <a:ln>
+          <a:noFill/>
+        </a:ln>
+        <a:effectLst/>
+        <a:scene3d>
+          <a:camera prst="orthographicFront"/>
+          <a:lightRig rig="flat" dir="t"/>
+        </a:scene3d>
+        <a:sp3d prstMaterial="dkEdge">
+          <a:bevelT w="8200" h="38100"/>
+        </a:sp3d>
+      </dsp:spPr>
+      <dsp:style>
+        <a:lnRef idx="0">
+          <a:scrgbClr r="0" g="0" b="0"/>
+        </a:lnRef>
+        <a:fillRef idx="2">
+          <a:scrgbClr r="0" g="0" b="0"/>
+        </a:fillRef>
+        <a:effectRef idx="1">
+          <a:scrgbClr r="0" g="0" b="0"/>
+        </a:effectRef>
+        <a:fontRef idx="minor">
+          <a:schemeClr val="dk1"/>
+        </a:fontRef>
+      </dsp:style>
+      <dsp:txBody>
+        <a:bodyPr spcFirstLastPara="0" vert="horz" wrap="square" lIns="68580" tIns="68580" rIns="68580" bIns="68580" numCol="1" spcCol="1270" anchor="ctr" anchorCtr="0">
+          <a:noAutofit/>
+        </a:bodyPr>
+        <a:lstStyle/>
+        <a:p>
+          <a:pPr marL="0" lvl="0" indent="0" algn="ctr" defTabSz="800100">
+            <a:lnSpc>
+              <a:spcPct val="90000"/>
+            </a:lnSpc>
+            <a:spcBef>
+              <a:spcPct val="0"/>
+            </a:spcBef>
+            <a:spcAft>
+              <a:spcPct val="35000"/>
+            </a:spcAft>
+            <a:buNone/>
+          </a:pPr>
+          <a:r>
+            <a:rPr lang="en-US" sz="1800" kern="1200" dirty="0"/>
+            <a:t>Fit logistic-Reg model to predict hate speech   </a:t>
+          </a:r>
+        </a:p>
+      </dsp:txBody>
+      <dsp:txXfrm>
+        <a:off x="2398297" y="799007"/>
+        <a:ext cx="2135512" cy="902583"/>
+      </dsp:txXfrm>
+    </dsp:sp>
+    <dsp:sp modelId="{D80F1AF8-EA99-45CE-9F07-3F7BC6F0A9FD}">
+      <dsp:nvSpPr>
+        <dsp:cNvPr id="0" name=""/>
+        <dsp:cNvSpPr/>
+      </dsp:nvSpPr>
+      <dsp:spPr>
+        <a:xfrm>
+          <a:off x="4694296" y="750179"/>
+          <a:ext cx="2233168" cy="1000239"/>
+        </a:xfrm>
+        <a:prstGeom prst="roundRect">
+          <a:avLst/>
+        </a:prstGeom>
+        <a:gradFill rotWithShape="0">
+          <a:gsLst>
+            <a:gs pos="0">
+              <a:schemeClr val="accent1">
+                <a:hueOff val="0"/>
+                <a:satOff val="0"/>
+                <a:lumOff val="0"/>
+                <a:alphaOff val="0"/>
+                <a:lumMod val="110000"/>
+                <a:satMod val="105000"/>
+                <a:tint val="67000"/>
+              </a:schemeClr>
+            </a:gs>
+            <a:gs pos="50000">
+              <a:schemeClr val="accent1">
+                <a:hueOff val="0"/>
+                <a:satOff val="0"/>
+                <a:lumOff val="0"/>
+                <a:alphaOff val="0"/>
+                <a:lumMod val="105000"/>
+                <a:satMod val="103000"/>
+                <a:tint val="73000"/>
+              </a:schemeClr>
+            </a:gs>
+            <a:gs pos="100000">
+              <a:schemeClr val="accent1">
+                <a:hueOff val="0"/>
+                <a:satOff val="0"/>
+                <a:lumOff val="0"/>
+                <a:alphaOff val="0"/>
+                <a:lumMod val="105000"/>
+                <a:satMod val="109000"/>
+                <a:tint val="81000"/>
+              </a:schemeClr>
+            </a:gs>
+          </a:gsLst>
+          <a:lin ang="5400000" scaled="0"/>
+        </a:gradFill>
+        <a:ln>
+          <a:noFill/>
+        </a:ln>
+        <a:effectLst/>
+        <a:scene3d>
+          <a:camera prst="orthographicFront"/>
+          <a:lightRig rig="flat" dir="t"/>
+        </a:scene3d>
+        <a:sp3d prstMaterial="dkEdge">
+          <a:bevelT w="8200" h="38100"/>
+        </a:sp3d>
+      </dsp:spPr>
+      <dsp:style>
+        <a:lnRef idx="0">
+          <a:scrgbClr r="0" g="0" b="0"/>
+        </a:lnRef>
+        <a:fillRef idx="2">
+          <a:scrgbClr r="0" g="0" b="0"/>
+        </a:fillRef>
+        <a:effectRef idx="1">
+          <a:scrgbClr r="0" g="0" b="0"/>
+        </a:effectRef>
+        <a:fontRef idx="minor">
+          <a:schemeClr val="dk1"/>
+        </a:fontRef>
+      </dsp:style>
+      <dsp:txBody>
+        <a:bodyPr spcFirstLastPara="0" vert="horz" wrap="square" lIns="68580" tIns="68580" rIns="68580" bIns="68580" numCol="1" spcCol="1270" anchor="ctr" anchorCtr="0">
+          <a:noAutofit/>
+        </a:bodyPr>
+        <a:lstStyle/>
+        <a:p>
+          <a:pPr marL="0" lvl="0" indent="0" algn="ctr" defTabSz="800100">
+            <a:lnSpc>
+              <a:spcPct val="90000"/>
+            </a:lnSpc>
+            <a:spcBef>
+              <a:spcPct val="0"/>
+            </a:spcBef>
+            <a:spcAft>
+              <a:spcPct val="35000"/>
+            </a:spcAft>
+            <a:buNone/>
+          </a:pPr>
+          <a:r>
+            <a:rPr lang="en-US" sz="1800" kern="1200" dirty="0"/>
+            <a:t>Fit logistic-Reg to the different annotator’s background</a:t>
+          </a:r>
+        </a:p>
+      </dsp:txBody>
+      <dsp:txXfrm>
+        <a:off x="4743124" y="799007"/>
+        <a:ext cx="2135512" cy="902583"/>
+      </dsp:txXfrm>
+    </dsp:sp>
+    <dsp:sp modelId="{FA23CB1E-A255-49A4-8D04-3B5AD4494198}">
+      <dsp:nvSpPr>
+        <dsp:cNvPr id="0" name=""/>
+        <dsp:cNvSpPr/>
+      </dsp:nvSpPr>
+      <dsp:spPr>
+        <a:xfrm>
+          <a:off x="7039122" y="750179"/>
+          <a:ext cx="2233168" cy="1000239"/>
+        </a:xfrm>
+        <a:prstGeom prst="roundRect">
+          <a:avLst/>
+        </a:prstGeom>
+        <a:gradFill rotWithShape="0">
+          <a:gsLst>
+            <a:gs pos="0">
+              <a:schemeClr val="accent1">
+                <a:hueOff val="0"/>
+                <a:satOff val="0"/>
+                <a:lumOff val="0"/>
+                <a:alphaOff val="0"/>
+                <a:lumMod val="110000"/>
+                <a:satMod val="105000"/>
+                <a:tint val="67000"/>
+              </a:schemeClr>
+            </a:gs>
+            <a:gs pos="50000">
+              <a:schemeClr val="accent1">
+                <a:hueOff val="0"/>
+                <a:satOff val="0"/>
+                <a:lumOff val="0"/>
+                <a:alphaOff val="0"/>
+                <a:lumMod val="105000"/>
+                <a:satMod val="103000"/>
+                <a:tint val="73000"/>
+              </a:schemeClr>
+            </a:gs>
+            <a:gs pos="100000">
+              <a:schemeClr val="accent1">
+                <a:hueOff val="0"/>
+                <a:satOff val="0"/>
+                <a:lumOff val="0"/>
+                <a:alphaOff val="0"/>
+                <a:lumMod val="105000"/>
+                <a:satMod val="109000"/>
+                <a:tint val="81000"/>
+              </a:schemeClr>
+            </a:gs>
+          </a:gsLst>
+          <a:lin ang="5400000" scaled="0"/>
+        </a:gradFill>
+        <a:ln>
+          <a:noFill/>
+        </a:ln>
+        <a:effectLst/>
+        <a:scene3d>
+          <a:camera prst="orthographicFront"/>
+          <a:lightRig rig="flat" dir="t"/>
+        </a:scene3d>
+        <a:sp3d prstMaterial="dkEdge">
+          <a:bevelT w="8200" h="38100"/>
+        </a:sp3d>
+      </dsp:spPr>
+      <dsp:style>
+        <a:lnRef idx="0">
+          <a:scrgbClr r="0" g="0" b="0"/>
+        </a:lnRef>
+        <a:fillRef idx="2">
+          <a:scrgbClr r="0" g="0" b="0"/>
+        </a:fillRef>
+        <a:effectRef idx="1">
+          <a:scrgbClr r="0" g="0" b="0"/>
+        </a:effectRef>
+        <a:fontRef idx="minor">
+          <a:schemeClr val="dk1"/>
+        </a:fontRef>
+      </dsp:style>
+      <dsp:txBody>
+        <a:bodyPr spcFirstLastPara="0" vert="horz" wrap="square" lIns="68580" tIns="68580" rIns="68580" bIns="68580" numCol="1" spcCol="1270" anchor="ctr" anchorCtr="0">
+          <a:noAutofit/>
+        </a:bodyPr>
+        <a:lstStyle/>
+        <a:p>
+          <a:pPr marL="0" lvl="0" indent="0" algn="ctr" defTabSz="800100">
+            <a:lnSpc>
+              <a:spcPct val="90000"/>
+            </a:lnSpc>
+            <a:spcBef>
+              <a:spcPct val="0"/>
+            </a:spcBef>
+            <a:spcAft>
+              <a:spcPct val="35000"/>
+            </a:spcAft>
+            <a:buNone/>
+          </a:pPr>
+          <a:r>
+            <a:rPr lang="en-US" sz="1800" kern="1200" dirty="0"/>
+            <a:t>Evaluate the models and Analyzing the results</a:t>
+          </a:r>
+        </a:p>
+      </dsp:txBody>
+      <dsp:txXfrm>
+        <a:off x="7087950" y="799007"/>
+        <a:ext cx="2135512" cy="902583"/>
+      </dsp:txXfrm>
+    </dsp:sp>
+  </dsp:spTree>
+</dsp:drawing>
+</file>
+
+<file path=ppt/diagrams/layout1.xml><?xml version="1.0" encoding="utf-8"?>
+<dgm:layoutDef xmlns:dgm="http://schemas.openxmlformats.org/drawingml/2006/diagram" xmlns:a="http://schemas.openxmlformats.org/drawingml/2006/main" uniqueId="urn:microsoft.com/office/officeart/2005/8/layout/hProcess9">
+  <dgm:title val=""/>
+  <dgm:desc val=""/>
+  <dgm:catLst>
+    <dgm:cat type="process" pri="5000"/>
+    <dgm:cat type="convert" pri="13000"/>
+  </dgm:catLst>
+  <dgm:sampData useDef="1">
+    <dgm:dataModel>
+      <dgm:ptLst/>
+      <dgm:bg/>
+      <dgm:whole/>
+    </dgm:dataModel>
+  </dgm:sampData>
+  <dgm:styleData>
+    <dgm:dataModel>
+      <dgm:ptLst>
+        <dgm:pt modelId="0" type="doc"/>
+        <dgm:pt modelId="1"/>
+        <dgm:pt modelId="2"/>
+      </dgm:ptLst>
+      <dgm:cxnLst>
+        <dgm:cxn modelId="3" srcId="0" destId="1" srcOrd="0" destOrd="0"/>
+        <dgm:cxn modelId="4" srcId="0" destId="2" srcOrd="1" destOrd="0"/>
+      </dgm:cxnLst>
+      <dgm:bg/>
+      <dgm:whole/>
+    </dgm:dataModel>
+  </dgm:styleData>
+  <dgm:clrData>
+    <dgm:dataModel>
+      <dgm:ptLst>
+        <dgm:pt modelId="0" type="doc"/>
+        <dgm:pt modelId="1"/>
+        <dgm:pt modelId="2"/>
+        <dgm:pt modelId="3"/>
+        <dgm:pt modelId="4"/>
+      </dgm:ptLst>
+      <dgm:cxnLst>
+        <dgm:cxn modelId="5" srcId="0" destId="1" srcOrd="0" destOrd="0"/>
+        <dgm:cxn modelId="6" srcId="0" destId="2" srcOrd="1" destOrd="0"/>
+        <dgm:cxn modelId="7" srcId="0" destId="3" srcOrd="2" destOrd="0"/>
+        <dgm:cxn modelId="8" srcId="0" destId="4" srcOrd="3" destOrd="0"/>
+      </dgm:cxnLst>
+      <dgm:bg/>
+      <dgm:whole/>
+    </dgm:dataModel>
+  </dgm:clrData>
+  <dgm:layoutNode name="CompostProcess">
+    <dgm:varLst>
+      <dgm:dir/>
+      <dgm:resizeHandles val="exact"/>
+    </dgm:varLst>
+    <dgm:alg type="composite">
+      <dgm:param type="horzAlign" val="ctr"/>
+      <dgm:param type="vertAlign" val="mid"/>
+    </dgm:alg>
+    <dgm:shape xmlns:r="http://schemas.openxmlformats.org/officeDocument/2006/relationships" r:blip="">
+      <dgm:adjLst/>
+    </dgm:shape>
+    <dgm:presOf/>
+    <dgm:constrLst>
+      <dgm:constr type="w" for="ch" forName="arrow" refType="w" fact="0.85"/>
+      <dgm:constr type="h" for="ch" forName="arrow" refType="h"/>
+      <dgm:constr type="ctrX" for="ch" forName="arrow" refType="w" fact="0.5"/>
+      <dgm:constr type="ctrY" for="ch" forName="arrow" refType="h" fact="0.5"/>
+      <dgm:constr type="w" for="ch" forName="linearProcess" refType="w"/>
+      <dgm:constr type="h" for="ch" forName="linearProcess" refType="h" fact="0.4"/>
+      <dgm:constr type="ctrX" for="ch" forName="linearProcess" refType="w" fact="0.5"/>
+      <dgm:constr type="ctrY" for="ch" forName="linearProcess" refType="h" fact="0.5"/>
+    </dgm:constrLst>
+    <dgm:ruleLst/>
+    <dgm:layoutNode name="arrow" styleLbl="bgShp">
+      <dgm:alg type="sp"/>
+      <dgm:choose name="Name0">
+        <dgm:if name="Name1" func="var" arg="dir" op="equ" val="norm">
+          <dgm:shape xmlns:r="http://schemas.openxmlformats.org/officeDocument/2006/relationships" type="rightArrow" r:blip="">
+            <dgm:adjLst/>
+          </dgm:shape>
+        </dgm:if>
+        <dgm:else name="Name2">
+          <dgm:shape xmlns:r="http://schemas.openxmlformats.org/officeDocument/2006/relationships" type="leftArrow" r:blip="">
+            <dgm:adjLst/>
+          </dgm:shape>
+        </dgm:else>
+      </dgm:choose>
+      <dgm:presOf/>
+      <dgm:constrLst/>
+      <dgm:ruleLst/>
+    </dgm:layoutNode>
+    <dgm:layoutNode name="linearProcess">
+      <dgm:choose name="Name3">
+        <dgm:if name="Name4" func="var" arg="dir" op="equ" val="norm">
+          <dgm:alg type="lin"/>
+        </dgm:if>
+        <dgm:else name="Name5">
+          <dgm:alg type="lin">
+            <dgm:param type="linDir" val="fromR"/>
+          </dgm:alg>
+        </dgm:else>
+      </dgm:choose>
+      <dgm:shape xmlns:r="http://schemas.openxmlformats.org/officeDocument/2006/relationships" r:blip="">
+        <dgm:adjLst/>
+      </dgm:shape>
+      <dgm:presOf/>
+      <dgm:constrLst>
+        <dgm:constr type="userA" for="ch" ptType="node" refType="w"/>
+        <dgm:constr type="h" for="ch" ptType="node" refType="h"/>
+        <dgm:constr type="w" for="ch" ptType="node" op="equ"/>
+        <dgm:constr type="w" for="ch" forName="sibTrans" refType="w" fact="0.05"/>
+        <dgm:constr type="primFontSz" for="ch" ptType="node" op="equ" val="65"/>
+      </dgm:constrLst>
+      <dgm:ruleLst/>
+      <dgm:forEach name="Name6" axis="ch" ptType="node">
+        <dgm:layoutNode name="textNode" styleLbl="node1">
+          <dgm:varLst>
+            <dgm:bulletEnabled val="1"/>
+          </dgm:varLst>
+          <dgm:alg type="tx"/>
+          <dgm:shape xmlns:r="http://schemas.openxmlformats.org/officeDocument/2006/relationships" type="roundRect" r:blip="">
+            <dgm:adjLst/>
+          </dgm:shape>
+          <dgm:presOf axis="desOrSelf" ptType="node"/>
+          <dgm:constrLst>
+            <dgm:constr type="userA"/>
+            <dgm:constr type="w" refType="userA" fact="0.3"/>
+            <dgm:constr type="tMarg" refType="primFontSz" fact="0.3"/>
+            <dgm:constr type="bMarg" refType="primFontSz" fact="0.3"/>
+            <dgm:constr type="lMarg" refType="primFontSz" fact="0.3"/>
+            <dgm:constr type="rMarg" refType="primFontSz" fact="0.3"/>
+          </dgm:constrLst>
+          <dgm:ruleLst>
+            <dgm:rule type="w" val="NaN" fact="1" max="NaN"/>
+            <dgm:rule type="primFontSz" val="5" fact="NaN" max="NaN"/>
+          </dgm:ruleLst>
+        </dgm:layoutNode>
+        <dgm:forEach name="Name7" axis="followSib" ptType="sibTrans" cnt="1">
+          <dgm:layoutNode name="sibTrans">
+            <dgm:alg type="sp"/>
+            <dgm:shape xmlns:r="http://schemas.openxmlformats.org/officeDocument/2006/relationships" r:blip="">
+              <dgm:adjLst/>
+            </dgm:shape>
+            <dgm:presOf/>
+            <dgm:constrLst/>
+            <dgm:ruleLst/>
+          </dgm:layoutNode>
+        </dgm:forEach>
+      </dgm:forEach>
+    </dgm:layoutNode>
+  </dgm:layoutNode>
+</dgm:layoutDef>
+</file>
+
+<file path=ppt/diagrams/quickStyle1.xml><?xml version="1.0" encoding="utf-8"?>
+<dgm:styleDef xmlns:dgm="http://schemas.openxmlformats.org/drawingml/2006/diagram" xmlns:a="http://schemas.openxmlformats.org/drawingml/2006/main" uniqueId="urn:microsoft.com/office/officeart/2005/8/quickstyle/simple3">
+  <dgm:title val=""/>
+  <dgm:desc val=""/>
+  <dgm:catLst>
+    <dgm:cat type="simple" pri="10300"/>
+  </dgm:catLst>
+  <dgm:scene3d>
+    <a:camera prst="orthographicFront"/>
+    <a:lightRig rig="threePt" dir="t"/>
+  </dgm:scene3d>
+  <dgm:styleLbl name="node0">
+    <dgm:scene3d>
+      <a:camera prst="orthographicFront"/>
+      <a:lightRig rig="flat" dir="t"/>
+    </dgm:scene3d>
+    <dgm:sp3d prstMaterial="dkEdge">
+      <a:bevelT w="8200" h="38100"/>
+    </dgm:sp3d>
+    <dgm:txPr/>
+    <dgm:style>
+      <a:lnRef idx="0">
+        <a:scrgbClr r="0" g="0" b="0"/>
+      </a:lnRef>
+      <a:fillRef idx="2">
+        <a:scrgbClr r="0" g="0" b="0"/>
+      </a:fillRef>
+      <a:effectRef idx="1">
+        <a:scrgbClr r="0" g="0" b="0"/>
+      </a:effectRef>
+      <a:fontRef idx="minor">
+        <a:schemeClr val="dk1"/>
+      </a:fontRef>
+    </dgm:style>
+  </dgm:styleLbl>
+  <dgm:styleLbl name="lnNode1">
+    <dgm:scene3d>
+      <a:camera prst="orthographicFront"/>
+      <a:lightRig rig="flat" dir="t"/>
+    </dgm:scene3d>
+    <dgm:sp3d prstMaterial="dkEdge">
+      <a:bevelT w="8200" h="38100"/>
+    </dgm:sp3d>
+    <dgm:txPr/>
+    <dgm:style>
+      <a:lnRef idx="1">
+        <a:scrgbClr r="0" g="0" b="0"/>
+      </a:lnRef>
+      <a:fillRef idx="2">
+        <a:scrgbClr r="0" g="0" b="0"/>
+      </a:fillRef>
+      <a:effectRef idx="0">
+        <a:scrgbClr r="0" g="0" b="0"/>
+      </a:effectRef>
+      <a:fontRef idx="minor">
+        <a:schemeClr val="dk1"/>
+      </a:fontRef>
+    </dgm:style>
+  </dgm:styleLbl>
+  <dgm:styleLbl name="vennNode1">
+    <dgm:scene3d>
+      <a:camera prst="orthographicFront"/>
+      <a:lightRig rig="flat" dir="t"/>
+    </dgm:scene3d>
+    <dgm:sp3d prstMaterial="dkEdge">
+      <a:bevelT w="8200" h="38100"/>
+    </dgm:sp3d>
+    <dgm:txPr/>
+    <dgm:style>
+      <a:lnRef idx="0">
+        <a:scrgbClr r="0" g="0" b="0"/>
+      </a:lnRef>
+      <a:fillRef idx="2">
+        <a:scrgbClr r="0" g="0" b="0"/>
+      </a:fillRef>
+      <a:effectRef idx="0">
+        <a:scrgbClr r="0" g="0" b="0"/>
+      </a:effectRef>
+      <a:fontRef idx="minor">
+        <a:schemeClr val="tx1"/>
+      </a:fontRef>
+    </dgm:style>
+  </dgm:styleLbl>
+  <dgm:styleLbl name="alignNode1">
+    <dgm:scene3d>
+      <a:camera prst="orthographicFront"/>
+      <a:lightRig rig="threePt" dir="t"/>
+    </dgm:scene3d>
+    <dgm:sp3d/>
+    <dgm:txPr/>
+    <dgm:style>
+      <a:lnRef idx="1">
+        <a:scrgbClr r="0" g="0" b="0"/>
+      </a:lnRef>
+      <a:fillRef idx="2">
+        <a:scrgbClr r="0" g="0" b="0"/>
+      </a:fillRef>
+      <a:effectRef idx="1">
+        <a:scrgbClr r="0" g="0" b="0"/>
+      </a:effectRef>
+      <a:fontRef idx="minor">
+        <a:schemeClr val="dk1"/>
+      </a:fontRef>
+    </dgm:style>
+  </dgm:styleLbl>
+  <dgm:styleLbl name="node1">
+    <dgm:scene3d>
+      <a:camera prst="orthographicFront"/>
+      <a:lightRig rig="flat" dir="t"/>
+    </dgm:scene3d>
+    <dgm:sp3d prstMaterial="dkEdge">
+      <a:bevelT w="8200" h="38100"/>
+    </dgm:sp3d>
+    <dgm:txPr/>
+    <dgm:style>
+      <a:lnRef idx="0">
+        <a:scrgbClr r="0" g="0" b="0"/>
+      </a:lnRef>
+      <a:fillRef idx="2">
+        <a:scrgbClr r="0" g="0" b="0"/>
+      </a:fillRef>
+      <a:effectRef idx="1">
+        <a:scrgbClr r="0" g="0" b="0"/>
+      </a:effectRef>
+      <a:fontRef idx="minor">
+        <a:schemeClr val="dk1"/>
+      </a:fontRef>
+    </dgm:style>
+  </dgm:styleLbl>
+  <dgm:styleLbl name="node2">
+    <dgm:scene3d>
+      <a:camera prst="orthographicFront"/>
+      <a:lightRig rig="flat" dir="t"/>
+    </dgm:scene3d>
+    <dgm:sp3d prstMaterial="dkEdge">
+      <a:bevelT w="8200" h="38100"/>
+    </dgm:sp3d>
+    <dgm:txPr/>
+    <dgm:style>
+      <a:lnRef idx="0">
+        <a:scrgbClr r="0" g="0" b="0"/>
+      </a:lnRef>
+      <a:fillRef idx="2">
+        <a:scrgbClr r="0" g="0" b="0"/>
+      </a:fillRef>
+      <a:effectRef idx="1">
+        <a:scrgbClr r="0" g="0" b="0"/>
+      </a:effectRef>
+      <a:fontRef idx="minor">
+        <a:schemeClr val="dk1"/>
+      </a:fontRef>
+    </dgm:style>
+  </dgm:styleLbl>
+  <dgm:styleLbl name="node3">
+    <dgm:scene3d>
+      <a:camera prst="orthographicFront"/>
+      <a:lightRig rig="flat" dir="t"/>
+    </dgm:scene3d>
+    <dgm:sp3d prstMaterial="dkEdge">
+      <a:bevelT w="8200" h="38100"/>
+    </dgm:sp3d>
+    <dgm:txPr/>
+    <dgm:style>
+      <a:lnRef idx="0">
+        <a:scrgbClr r="0" g="0" b="0"/>
+      </a:lnRef>
+      <a:fillRef idx="2">
+        <a:scrgbClr r="0" g="0" b="0"/>
+      </a:fillRef>
+      <a:effectRef idx="1">
+        <a:scrgbClr r="0" g="0" b="0"/>
+      </a:effectRef>
+      <a:fontRef idx="minor">
+        <a:schemeClr val="dk1"/>
+      </a:fontRef>
+    </dgm:style>
+  </dgm:styleLbl>
+  <dgm:styleLbl name="node4">
+    <dgm:scene3d>
+      <a:camera prst="orthographicFront"/>
+      <a:lightRig rig="flat" dir="t"/>
+    </dgm:scene3d>
+    <dgm:sp3d prstMaterial="dkEdge">
+      <a:bevelT w="8200" h="38100"/>
+    </dgm:sp3d>
+    <dgm:txPr/>
+    <dgm:style>
+      <a:lnRef idx="0">
+        <a:scrgbClr r="0" g="0" b="0"/>
+      </a:lnRef>
+      <a:fillRef idx="2">
+        <a:scrgbClr r="0" g="0" b="0"/>
+      </a:fillRef>
+      <a:effectRef idx="1">
+        <a:scrgbClr r="0" g="0" b="0"/>
+      </a:effectRef>
+      <a:fontRef idx="minor">
+        <a:schemeClr val="dk1"/>
+      </a:fontRef>
+    </dgm:style>
+  </dgm:styleLbl>
+  <dgm:styleLbl name="fgImgPlace1">
+    <dgm:scene3d>
+      <a:camera prst="orthographicFront"/>
+      <a:lightRig rig="threePt" dir="t"/>
+    </dgm:scene3d>
+    <dgm:sp3d/>
+    <dgm:txPr/>
+    <dgm:style>
+      <a:lnRef idx="1">
+        <a:scrgbClr r="0" g="0" b="0"/>
+      </a:lnRef>
+      <a:fillRef idx="1">
+        <a:scrgbClr r="0" g="0" b="0"/>
+      </a:fillRef>
+      <a:effectRef idx="1">
+        <a:scrgbClr r="0" g="0" b="0"/>
+      </a:effectRef>
+      <a:fontRef idx="minor"/>
+    </dgm:style>
+  </dgm:styleLbl>
+  <dgm:styleLbl name="alignImgPlace1">
+    <dgm:scene3d>
+      <a:camera prst="orthographicFront"/>
+      <a:lightRig rig="threePt" dir="t"/>
+    </dgm:scene3d>
+    <dgm:sp3d/>
+    <dgm:txPr/>
+    <dgm:style>
+      <a:lnRef idx="1">
+        <a:scrgbClr r="0" g="0" b="0"/>
+      </a:lnRef>
+      <a:fillRef idx="1">
+        <a:scrgbClr r="0" g="0" b="0"/>
+      </a:fillRef>
+      <a:effectRef idx="1">
+        <a:scrgbClr r="0" g="0" b="0"/>
+      </a:effectRef>
+      <a:fontRef idx="minor"/>
+    </dgm:style>
+  </dgm:styleLbl>
+  <dgm:styleLbl name="bgImgPlace1">
+    <dgm:scene3d>
+      <a:camera prst="orthographicFront"/>
+      <a:lightRig rig="threePt" dir="t"/>
+    </dgm:scene3d>
+    <dgm:sp3d/>
+    <dgm:txPr/>
+    <dgm:style>
+      <a:lnRef idx="1">
+        <a:scrgbClr r="0" g="0" b="0"/>
+      </a:lnRef>
+      <a:fillRef idx="1">
+        <a:scrgbClr r="0" g="0" b="0"/>
+      </a:fillRef>
+      <a:effectRef idx="1">
+        <a:scrgbClr r="0" g="0" b="0"/>
+      </a:effectRef>
+      <a:fontRef idx="minor"/>
+    </dgm:style>
+  </dgm:styleLbl>
+  <dgm:styleLbl name="sibTrans2D1">
+    <dgm:scene3d>
+      <a:camera prst="orthographicFront"/>
+      <a:lightRig rig="threePt" dir="t"/>
+    </dgm:scene3d>
+    <dgm:sp3d/>
+    <dgm:txPr/>
+    <dgm:style>
+      <a:lnRef idx="0">
+        <a:scrgbClr r="0" g="0" b="0"/>
+      </a:lnRef>
+      <a:fillRef idx="2">
+        <a:scrgbClr r="0" g="0" b="0"/>
+      </a:fillRef>
+      <a:effectRef idx="1">
+        <a:scrgbClr r="0" g="0" b="0"/>
+      </a:effectRef>
+      <a:fontRef idx="minor">
+        <a:schemeClr val="dk1"/>
+      </a:fontRef>
+    </dgm:style>
+  </dgm:styleLbl>
+  <dgm:styleLbl name="fgSibTrans2D1">
+    <dgm:scene3d>
+      <a:camera prst="orthographicFront"/>
+      <a:lightRig rig="threePt" dir="t"/>
+    </dgm:scene3d>
+    <dgm:sp3d/>
+    <dgm:txPr/>
+    <dgm:style>
+      <a:lnRef idx="0">
+        <a:scrgbClr r="0" g="0" b="0"/>
+      </a:lnRef>
+      <a:fillRef idx="2">
+        <a:scrgbClr r="0" g="0" b="0"/>
+      </a:fillRef>
+      <a:effectRef idx="1">
+        <a:scrgbClr r="0" g="0" b="0"/>
+      </a:effectRef>
+      <a:fontRef idx="minor">
+        <a:schemeClr val="dk1"/>
+      </a:fontRef>
+    </dgm:style>
+  </dgm:styleLbl>
+  <dgm:styleLbl name="bgSibTrans2D1">
+    <dgm:scene3d>
+      <a:camera prst="orthographicFront"/>
+      <a:lightRig rig="threePt" dir="t"/>
+    </dgm:scene3d>
+    <dgm:sp3d/>
+    <dgm:txPr/>
+    <dgm:style>
+      <a:lnRef idx="0">
+        <a:scrgbClr r="0" g="0" b="0"/>
+      </a:lnRef>
+      <a:fillRef idx="2">
+        <a:scrgbClr r="0" g="0" b="0"/>
+      </a:fillRef>
+      <a:effectRef idx="1">
+        <a:scrgbClr r="0" g="0" b="0"/>
+      </a:effectRef>
+      <a:fontRef idx="minor">
+        <a:schemeClr val="dk1"/>
+      </a:fontRef>
+    </dgm:style>
+  </dgm:styleLbl>
+  <dgm:styleLbl name="sibTrans1D1">
+    <dgm:scene3d>
+      <a:camera prst="orthographicFront"/>
+      <a:lightRig rig="threePt" dir="t"/>
+    </dgm:scene3d>
+    <dgm:sp3d/>
+    <dgm:txPr/>
+    <dgm:style>
+      <a:lnRef idx="1">
+        <a:scrgbClr r="0" g="0" b="0"/>
+      </a:lnRef>
+      <a:fillRef idx="0">
+        <a:scrgbClr r="0" g="0" b="0"/>
+      </a:fillRef>
+      <a:effectRef idx="0">
+        <a:scrgbClr r="0" g="0" b="0"/>
+      </a:effectRef>
+      <a:fontRef idx="minor"/>
+    </dgm:style>
+  </dgm:styleLbl>
+  <dgm:styleLbl name="callout">
+    <dgm:scene3d>
+      <a:camera prst="orthographicFront"/>
+      <a:lightRig rig="threePt" dir="t"/>
+    </dgm:scene3d>
+    <dgm:sp3d/>
+    <dgm:txPr/>
+    <dgm:style>
+      <a:lnRef idx="1">
+        <a:scrgbClr r="0" g="0" b="0"/>
+      </a:lnRef>
+      <a:fillRef idx="2">
+        <a:scrgbClr r="0" g="0" b="0"/>
+      </a:fillRef>
+      <a:effectRef idx="1">
+        <a:scrgbClr r="0" g="0" b="0"/>
+      </a:effectRef>
+      <a:fontRef idx="minor"/>
+    </dgm:style>
+  </dgm:styleLbl>
+  <dgm:styleLbl name="asst0">
+    <dgm:scene3d>
+      <a:camera prst="orthographicFront"/>
+      <a:lightRig rig="flat" dir="t"/>
+    </dgm:scene3d>
+    <dgm:sp3d prstMaterial="dkEdge">
+      <a:bevelT w="8200" h="38100"/>
+    </dgm:sp3d>
+    <dgm:txPr/>
+    <dgm:style>
+      <a:lnRef idx="0">
+        <a:scrgbClr r="0" g="0" b="0"/>
+      </a:lnRef>
+      <a:fillRef idx="2">
+        <a:scrgbClr r="0" g="0" b="0"/>
+      </a:fillRef>
+      <a:effectRef idx="1">
+        <a:scrgbClr r="0" g="0" b="0"/>
+      </a:effectRef>
+      <a:fontRef idx="minor">
+        <a:schemeClr val="dk1"/>
+      </a:fontRef>
+    </dgm:style>
+  </dgm:styleLbl>
+  <dgm:styleLbl name="asst1">
+    <dgm:scene3d>
+      <a:camera prst="orthographicFront"/>
+      <a:lightRig rig="flat" dir="t"/>
+    </dgm:scene3d>
+    <dgm:sp3d prstMaterial="dkEdge">
+      <a:bevelT w="8200" h="38100"/>
+    </dgm:sp3d>
+    <dgm:txPr/>
+    <dgm:style>
+      <a:lnRef idx="0">
+        <a:scrgbClr r="0" g="0" b="0"/>
+      </a:lnRef>
+      <a:fillRef idx="2">
+        <a:scrgbClr r="0" g="0" b="0"/>
+      </a:fillRef>
+      <a:effectRef idx="1">
+        <a:scrgbClr r="0" g="0" b="0"/>
+      </a:effectRef>
+      <a:fontRef idx="minor">
+        <a:schemeClr val="dk1"/>
+      </a:fontRef>
+    </dgm:style>
+  </dgm:styleLbl>
+  <dgm:styleLbl name="asst2">
+    <dgm:scene3d>
+      <a:camera prst="orthographicFront"/>
+      <a:lightRig rig="flat" dir="t"/>
+    </dgm:scene3d>
+    <dgm:sp3d prstMaterial="dkEdge">
+      <a:bevelT w="8200" h="38100"/>
+    </dgm:sp3d>
+    <dgm:txPr/>
+    <dgm:style>
+      <a:lnRef idx="0">
+        <a:scrgbClr r="0" g="0" b="0"/>
+      </a:lnRef>
+      <a:fillRef idx="2">
+        <a:scrgbClr r="0" g="0" b="0"/>
+      </a:fillRef>
+      <a:effectRef idx="1">
+        <a:scrgbClr r="0" g="0" b="0"/>
+      </a:effectRef>
+      <a:fontRef idx="minor">
+        <a:schemeClr val="dk1"/>
+      </a:fontRef>
+    </dgm:style>
+  </dgm:styleLbl>
+  <dgm:styleLbl name="asst3">
+    <dgm:scene3d>
+      <a:camera prst="orthographicFront"/>
+      <a:lightRig rig="flat" dir="t"/>
+    </dgm:scene3d>
+    <dgm:sp3d prstMaterial="dkEdge">
+      <a:bevelT w="8200" h="38100"/>
+    </dgm:sp3d>
+    <dgm:txPr/>
+    <dgm:style>
+      <a:lnRef idx="0">
+        <a:scrgbClr r="0" g="0" b="0"/>
+      </a:lnRef>
+      <a:fillRef idx="2">
+        <a:scrgbClr r="0" g="0" b="0"/>
+      </a:fillRef>
+      <a:effectRef idx="1">
+        <a:scrgbClr r="0" g="0" b="0"/>
+      </a:effectRef>
+      <a:fontRef idx="minor">
+        <a:schemeClr val="dk1"/>
+      </a:fontRef>
+    </dgm:style>
+  </dgm:styleLbl>
+  <dgm:styleLbl name="asst4">
+    <dgm:scene3d>
+      <a:camera prst="orthographicFront"/>
+      <a:lightRig rig="flat" dir="t"/>
+    </dgm:scene3d>
+    <dgm:sp3d prstMaterial="dkEdge">
+      <a:bevelT w="8200" h="38100"/>
+    </dgm:sp3d>
+    <dgm:txPr/>
+    <dgm:style>
+      <a:lnRef idx="0">
+        <a:scrgbClr r="0" g="0" b="0"/>
+      </a:lnRef>
+      <a:fillRef idx="2">
+        <a:scrgbClr r="0" g="0" b="0"/>
+      </a:fillRef>
+      <a:effectRef idx="1">
+        <a:scrgbClr r="0" g="0" b="0"/>
+      </a:effectRef>
+      <a:fontRef idx="minor">
+        <a:schemeClr val="dk1"/>
+      </a:fontRef>
+    </dgm:style>
+  </dgm:styleLbl>
+  <dgm:styleLbl name="parChTrans2D1">
+    <dgm:scene3d>
+      <a:camera prst="orthographicFront"/>
+      <a:lightRig rig="threePt" dir="t"/>
+    </dgm:scene3d>
+    <dgm:sp3d/>
+    <dgm:txPr/>
+    <dgm:style>
+      <a:lnRef idx="1">
+        <a:scrgbClr r="0" g="0" b="0"/>
+      </a:lnRef>
+      <a:fillRef idx="2">
+        <a:scrgbClr r="0" g="0" b="0"/>
+      </a:fillRef>
+      <a:effectRef idx="1">
+        <a:scrgbClr r="0" g="0" b="0"/>
+      </a:effectRef>
+      <a:fontRef idx="minor">
+        <a:schemeClr val="dk1"/>
+      </a:fontRef>
+    </dgm:style>
+  </dgm:styleLbl>
+  <dgm:styleLbl name="parChTrans2D2">
+    <dgm:scene3d>
+      <a:camera prst="orthographicFront"/>
+      <a:lightRig rig="threePt" dir="t"/>
+    </dgm:scene3d>
+    <dgm:sp3d/>
+    <dgm:txPr/>
+    <dgm:style>
+      <a:lnRef idx="1">
+        <a:scrgbClr r="0" g="0" b="0"/>
+      </a:lnRef>
+      <a:fillRef idx="2">
+        <a:scrgbClr r="0" g="0" b="0"/>
+      </a:fillRef>
+      <a:effectRef idx="1">
+        <a:scrgbClr r="0" g="0" b="0"/>
+      </a:effectRef>
+      <a:fontRef idx="minor">
+        <a:schemeClr val="dk1"/>
+      </a:fontRef>
+    </dgm:style>
+  </dgm:styleLbl>
+  <dgm:styleLbl name="parChTrans2D3">
+    <dgm:scene3d>
+      <a:camera prst="orthographicFront"/>
+      <a:lightRig rig="threePt" dir="t"/>
+    </dgm:scene3d>
+    <dgm:sp3d/>
+    <dgm:txPr/>
+    <dgm:style>
+      <a:lnRef idx="1">
+        <a:scrgbClr r="0" g="0" b="0"/>
+      </a:lnRef>
+      <a:fillRef idx="2">
+        <a:scrgbClr r="0" g="0" b="0"/>
+      </a:fillRef>
+      <a:effectRef idx="1">
+        <a:scrgbClr r="0" g="0" b="0"/>
+      </a:effectRef>
+      <a:fontRef idx="minor">
+        <a:schemeClr val="dk1"/>
+      </a:fontRef>
+    </dgm:style>
+  </dgm:styleLbl>
+  <dgm:styleLbl name="parChTrans2D4">
+    <dgm:scene3d>
+      <a:camera prst="orthographicFront"/>
+      <a:lightRig rig="threePt" dir="t"/>
+    </dgm:scene3d>
+    <dgm:sp3d/>
+    <dgm:txPr/>
+    <dgm:style>
+      <a:lnRef idx="1">
+        <a:scrgbClr r="0" g="0" b="0"/>
+      </a:lnRef>
+      <a:fillRef idx="2">
+        <a:scrgbClr r="0" g="0" b="0"/>
+      </a:fillRef>
+      <a:effectRef idx="1">
+        <a:scrgbClr r="0" g="0" b="0"/>
+      </a:effectRef>
+      <a:fontRef idx="minor">
+        <a:schemeClr val="dk1"/>
+      </a:fontRef>
+    </dgm:style>
+  </dgm:styleLbl>
+  <dgm:styleLbl name="parChTrans1D1">
+    <dgm:scene3d>
+      <a:camera prst="orthographicFront"/>
+      <a:lightRig rig="threePt" dir="t"/>
+    </dgm:scene3d>
+    <dgm:sp3d/>
+    <dgm:txPr/>
+    <dgm:style>
+      <a:lnRef idx="2">
+        <a:scrgbClr r="0" g="0" b="0"/>
+      </a:lnRef>
+      <a:fillRef idx="0">
+        <a:scrgbClr r="0" g="0" b="0"/>
+      </a:fillRef>
+      <a:effectRef idx="0">
+        <a:scrgbClr r="0" g="0" b="0"/>
+      </a:effectRef>
+      <a:fontRef idx="minor"/>
+    </dgm:style>
+  </dgm:styleLbl>
+  <dgm:styleLbl name="parChTrans1D2">
+    <dgm:scene3d>
+      <a:camera prst="orthographicFront"/>
+      <a:lightRig rig="threePt" dir="t"/>
+    </dgm:scene3d>
+    <dgm:sp3d/>
+    <dgm:txPr/>
+    <dgm:style>
+      <a:lnRef idx="2">
+        <a:scrgbClr r="0" g="0" b="0"/>
+      </a:lnRef>
+      <a:fillRef idx="0">
+        <a:scrgbClr r="0" g="0" b="0"/>
+      </a:fillRef>
+      <a:effectRef idx="0">
+        <a:scrgbClr r="0" g="0" b="0"/>
+      </a:effectRef>
+      <a:fontRef idx="minor"/>
+    </dgm:style>
+  </dgm:styleLbl>
+  <dgm:styleLbl name="parChTrans1D3">
+    <dgm:scene3d>
+      <a:camera prst="orthographicFront"/>
+      <a:lightRig rig="threePt" dir="t"/>
+    </dgm:scene3d>
+    <dgm:sp3d/>
+    <dgm:txPr/>
+    <dgm:style>
+      <a:lnRef idx="2">
+        <a:scrgbClr r="0" g="0" b="0"/>
+      </a:lnRef>
+      <a:fillRef idx="0">
+        <a:scrgbClr r="0" g="0" b="0"/>
+      </a:fillRef>
+      <a:effectRef idx="0">
+        <a:scrgbClr r="0" g="0" b="0"/>
+      </a:effectRef>
+      <a:fontRef idx="minor"/>
+    </dgm:style>
+  </dgm:styleLbl>
+  <dgm:styleLbl name="parChTrans1D4">
+    <dgm:scene3d>
+      <a:camera prst="orthographicFront"/>
+      <a:lightRig rig="threePt" dir="t"/>
+    </dgm:scene3d>
+    <dgm:sp3d/>
+    <dgm:txPr/>
+    <dgm:style>
+      <a:lnRef idx="2">
+        <a:scrgbClr r="0" g="0" b="0"/>
+      </a:lnRef>
+      <a:fillRef idx="0">
+        <a:scrgbClr r="0" g="0" b="0"/>
+      </a:fillRef>
+      <a:effectRef idx="0">
+        <a:scrgbClr r="0" g="0" b="0"/>
+      </a:effectRef>
+      <a:fontRef idx="minor"/>
+    </dgm:style>
+  </dgm:styleLbl>
+  <dgm:styleLbl name="fgAcc1">
+    <dgm:scene3d>
+      <a:camera prst="orthographicFront"/>
+      <a:lightRig rig="threePt" dir="t"/>
+    </dgm:scene3d>
+    <dgm:sp3d/>
+    <dgm:txPr/>
+    <dgm:style>
+      <a:lnRef idx="1">
+        <a:scrgbClr r="0" g="0" b="0"/>
+      </a:lnRef>
+      <a:fillRef idx="1">
+        <a:scrgbClr r="0" g="0" b="0"/>
+      </a:fillRef>
+      <a:effectRef idx="0">
+        <a:scrgbClr r="0" g="0" b="0"/>
+      </a:effectRef>
+      <a:fontRef idx="minor"/>
+    </dgm:style>
+  </dgm:styleLbl>
+  <dgm:styleLbl name="conFgAcc1">
+    <dgm:scene3d>
+      <a:camera prst="orthographicFront"/>
+      <a:lightRig rig="threePt" dir="t"/>
+    </dgm:scene3d>
+    <dgm:sp3d/>
+    <dgm:txPr/>
+    <dgm:style>
+      <a:lnRef idx="1">
+        <a:scrgbClr r="0" g="0" b="0"/>
+      </a:lnRef>
+      <a:fillRef idx="1">
+        <a:scrgbClr r="0" g="0" b="0"/>
+      </a:fillRef>
+      <a:effectRef idx="0">
+        <a:scrgbClr r="0" g="0" b="0"/>
+      </a:effectRef>
+      <a:fontRef idx="minor"/>
+    </dgm:style>
+  </dgm:styleLbl>
+  <dgm:styleLbl name="alignAcc1">
+    <dgm:scene3d>
+      <a:camera prst="orthographicFront"/>
+      <a:lightRig rig="threePt" dir="t"/>
+    </dgm:scene3d>
+    <dgm:sp3d/>
+    <dgm:txPr/>
+    <dgm:style>
+      <a:lnRef idx="1">
+        <a:scrgbClr r="0" g="0" b="0"/>
+      </a:lnRef>
+      <a:fillRef idx="1">
+        <a:scrgbClr r="0" g="0" b="0"/>
+      </a:fillRef>
+      <a:effectRef idx="0">
+        <a:scrgbClr r="0" g="0" b="0"/>
+      </a:effectRef>
+      <a:fontRef idx="minor"/>
+    </dgm:style>
+  </dgm:styleLbl>
+  <dgm:styleLbl name="trAlignAcc1">
+    <dgm:scene3d>
+      <a:camera prst="orthographicFront"/>
+      <a:lightRig rig="threePt" dir="t"/>
+    </dgm:scene3d>
+    <dgm:sp3d/>
+    <dgm:txPr/>
+    <dgm:style>
+      <a:lnRef idx="1">
+        <a:scrgbClr r="0" g="0" b="0"/>
+      </a:lnRef>
+      <a:fillRef idx="1">
+        <a:scrgbClr r="0" g="0" b="0"/>
+      </a:fillRef>
+      <a:effectRef idx="0">
+        <a:scrgbClr r="0" g="0" b="0"/>
+      </a:effectRef>
+      <a:fontRef idx="minor"/>
+    </dgm:style>
+  </dgm:styleLbl>
+  <dgm:styleLbl name="bgAcc1">
+    <dgm:scene3d>
+      <a:camera prst="orthographicFront"/>
+      <a:lightRig rig="threePt" dir="t"/>
+    </dgm:scene3d>
+    <dgm:sp3d/>
+    <dgm:txPr/>
+    <dgm:style>
+      <a:lnRef idx="1">
+        <a:scrgbClr r="0" g="0" b="0"/>
+      </a:lnRef>
+      <a:fillRef idx="1">
+        <a:scrgbClr r="0" g="0" b="0"/>
+      </a:fillRef>
+      <a:effectRef idx="0">
+        <a:scrgbClr r="0" g="0" b="0"/>
+      </a:effectRef>
+      <a:fontRef idx="minor"/>
+    </dgm:style>
+  </dgm:styleLbl>
+  <dgm:styleLbl name="solidFgAcc1">
+    <dgm:scene3d>
+      <a:camera prst="orthographicFront"/>
+      <a:lightRig rig="threePt" dir="t"/>
+    </dgm:scene3d>
+    <dgm:sp3d/>
+    <dgm:txPr/>
+    <dgm:style>
+      <a:lnRef idx="1">
+        <a:scrgbClr r="0" g="0" b="0"/>
+      </a:lnRef>
+      <a:fillRef idx="2">
+        <a:scrgbClr r="0" g="0" b="0"/>
+      </a:fillRef>
+      <a:effectRef idx="0">
+        <a:scrgbClr r="0" g="0" b="0"/>
+      </a:effectRef>
+      <a:fontRef idx="minor"/>
+    </dgm:style>
+  </dgm:styleLbl>
+  <dgm:styleLbl name="solidAlignAcc1">
+    <dgm:scene3d>
+      <a:camera prst="orthographicFront"/>
+      <a:lightRig rig="threePt" dir="t"/>
+    </dgm:scene3d>
+    <dgm:sp3d/>
+    <dgm:txPr/>
+    <dgm:style>
+      <a:lnRef idx="1">
+        <a:scrgbClr r="0" g="0" b="0"/>
+      </a:lnRef>
+      <a:fillRef idx="1">
+        <a:scrgbClr r="0" g="0" b="0"/>
+      </a:fillRef>
+      <a:effectRef idx="0">
+        <a:scrgbClr r="0" g="0" b="0"/>
+      </a:effectRef>
+      <a:fontRef idx="minor"/>
+    </dgm:style>
+  </dgm:styleLbl>
+  <dgm:styleLbl name="solidBgAcc1">
+    <dgm:scene3d>
+      <a:camera prst="orthographicFront"/>
+      <a:lightRig rig="threePt" dir="t"/>
+    </dgm:scene3d>
+    <dgm:sp3d/>
+    <dgm:txPr/>
+    <dgm:style>
+      <a:lnRef idx="1">
+        <a:scrgbClr r="0" g="0" b="0"/>
+      </a:lnRef>
+      <a:fillRef idx="1">
+        <a:scrgbClr r="0" g="0" b="0"/>
+      </a:fillRef>
+      <a:effectRef idx="0">
+        <a:scrgbClr r="0" g="0" b="0"/>
+      </a:effectRef>
+      <a:fontRef idx="minor"/>
+    </dgm:style>
+  </dgm:styleLbl>
+  <dgm:styleLbl name="fgAccFollowNode1">
+    <dgm:scene3d>
+      <a:camera prst="orthographicFront"/>
+      <a:lightRig rig="threePt" dir="t"/>
+    </dgm:scene3d>
+    <dgm:sp3d/>
+    <dgm:txPr/>
+    <dgm:style>
+      <a:lnRef idx="1">
+        <a:scrgbClr r="0" g="0" b="0"/>
+      </a:lnRef>
+      <a:fillRef idx="1">
+        <a:scrgbClr r="0" g="0" b="0"/>
+      </a:fillRef>
+      <a:effectRef idx="0">
+        <a:scrgbClr r="0" g="0" b="0"/>
+      </a:effectRef>
+      <a:fontRef idx="minor"/>
+    </dgm:style>
+  </dgm:styleLbl>
+  <dgm:styleLbl name="alignAccFollowNode1">
+    <dgm:scene3d>
+      <a:camera prst="orthographicFront"/>
+      <a:lightRig rig="threePt" dir="t"/>
+    </dgm:scene3d>
+    <dgm:sp3d/>
+    <dgm:txPr/>
+    <dgm:style>
+      <a:lnRef idx="1">
+        <a:scrgbClr r="0" g="0" b="0"/>
+      </a:lnRef>
+      <a:fillRef idx="1">
+        <a:scrgbClr r="0" g="0" b="0"/>
+      </a:fillRef>
+      <a:effectRef idx="0">
+        <a:scrgbClr r="0" g="0" b="0"/>
+      </a:effectRef>
+      <a:fontRef idx="minor"/>
+    </dgm:style>
+  </dgm:styleLbl>
+  <dgm:styleLbl name="bgAccFollowNode1">
+    <dgm:scene3d>
+      <a:camera prst="orthographicFront"/>
+      <a:lightRig rig="threePt" dir="t"/>
+    </dgm:scene3d>
+    <dgm:sp3d/>
+    <dgm:txPr/>
+    <dgm:style>
+      <a:lnRef idx="1">
+        <a:scrgbClr r="0" g="0" b="0"/>
+      </a:lnRef>
+      <a:fillRef idx="1">
+        <a:scrgbClr r="0" g="0" b="0"/>
+      </a:fillRef>
+      <a:effectRef idx="0">
+        <a:scrgbClr r="0" g="0" b="0"/>
+      </a:effectRef>
+      <a:fontRef idx="minor"/>
+    </dgm:style>
+  </dgm:styleLbl>
+  <dgm:styleLbl name="fgAcc0">
+    <dgm:scene3d>
+      <a:camera prst="orthographicFront"/>
+      <a:lightRig rig="threePt" dir="t"/>
+    </dgm:scene3d>
+    <dgm:sp3d/>
+    <dgm:txPr/>
+    <dgm:style>
+      <a:lnRef idx="1">
+        <a:scrgbClr r="0" g="0" b="0"/>
+      </a:lnRef>
+      <a:fillRef idx="1">
+        <a:scrgbClr r="0" g="0" b="0"/>
+      </a:fillRef>
+      <a:effectRef idx="0">
+        <a:scrgbClr r="0" g="0" b="0"/>
+      </a:effectRef>
+      <a:fontRef idx="minor"/>
+    </dgm:style>
+  </dgm:styleLbl>
+  <dgm:styleLbl name="fgAcc2">
+    <dgm:scene3d>
+      <a:camera prst="orthographicFront"/>
+      <a:lightRig rig="threePt" dir="t"/>
+    </dgm:scene3d>
+    <dgm:sp3d/>
+    <dgm:txPr/>
+    <dgm:style>
+      <a:lnRef idx="1">
+        <a:scrgbClr r="0" g="0" b="0"/>
+      </a:lnRef>
+      <a:fillRef idx="1">
+        <a:scrgbClr r="0" g="0" b="0"/>
+      </a:fillRef>
+      <a:effectRef idx="0">
+        <a:scrgbClr r="0" g="0" b="0"/>
+      </a:effectRef>
+      <a:fontRef idx="minor"/>
+    </dgm:style>
+  </dgm:styleLbl>
+  <dgm:styleLbl name="fgAcc3">
+    <dgm:scene3d>
+      <a:camera prst="orthographicFront"/>
+      <a:lightRig rig="threePt" dir="t"/>
+    </dgm:scene3d>
+    <dgm:sp3d/>
+    <dgm:txPr/>
+    <dgm:style>
+      <a:lnRef idx="1">
+        <a:scrgbClr r="0" g="0" b="0"/>
+      </a:lnRef>
+      <a:fillRef idx="1">
+        <a:scrgbClr r="0" g="0" b="0"/>
+      </a:fillRef>
+      <a:effectRef idx="0">
+        <a:scrgbClr r="0" g="0" b="0"/>
+      </a:effectRef>
+      <a:fontRef idx="minor"/>
+    </dgm:style>
+  </dgm:styleLbl>
+  <dgm:styleLbl name="fgAcc4">
+    <dgm:scene3d>
+      <a:camera prst="orthographicFront"/>
+      <a:lightRig rig="threePt" dir="t"/>
+    </dgm:scene3d>
+    <dgm:sp3d/>
+    <dgm:txPr/>
+    <dgm:style>
+      <a:lnRef idx="1">
+        <a:scrgbClr r="0" g="0" b="0"/>
+      </a:lnRef>
+      <a:fillRef idx="1">
+        <a:scrgbClr r="0" g="0" b="0"/>
+      </a:fillRef>
+      <a:effectRef idx="0">
+        <a:scrgbClr r="0" g="0" b="0"/>
+      </a:effectRef>
+      <a:fontRef idx="minor"/>
+    </dgm:style>
+  </dgm:styleLbl>
+  <dgm:styleLbl name="bgShp">
+    <dgm:scene3d>
+      <a:camera prst="orthographicFront"/>
+      <a:lightRig rig="threePt" dir="t"/>
+    </dgm:scene3d>
+    <dgm:sp3d/>
+    <dgm:txPr/>
+    <dgm:style>
+      <a:lnRef idx="0">
+        <a:scrgbClr r="0" g="0" b="0"/>
+      </a:lnRef>
+      <a:fillRef idx="1">
+        <a:scrgbClr r="0" g="0" b="0"/>
+      </a:fillRef>
+      <a:effectRef idx="1">
+        <a:scrgbClr r="0" g="0" b="0"/>
+      </a:effectRef>
+      <a:fontRef idx="minor"/>
+    </dgm:style>
+  </dgm:styleLbl>
+  <dgm:styleLbl name="dkBgShp">
+    <dgm:scene3d>
+      <a:camera prst="orthographicFront"/>
+      <a:lightRig rig="threePt" dir="t"/>
+    </dgm:scene3d>
+    <dgm:sp3d/>
+    <dgm:txPr/>
+    <dgm:style>
+      <a:lnRef idx="0">
+        <a:scrgbClr r="0" g="0" b="0"/>
+      </a:lnRef>
+      <a:fillRef idx="1">
+        <a:scrgbClr r="0" g="0" b="0"/>
+      </a:fillRef>
+      <a:effectRef idx="1">
+        <a:scrgbClr r="0" g="0" b="0"/>
+      </a:effectRef>
+      <a:fontRef idx="minor"/>
+    </dgm:style>
+  </dgm:styleLbl>
+  <dgm:styleLbl name="trBgShp">
+    <dgm:scene3d>
+      <a:camera prst="orthographicFront"/>
+      <a:lightRig rig="threePt" dir="t"/>
+    </dgm:scene3d>
+    <dgm:sp3d/>
+    <dgm:txPr/>
+    <dgm:style>
+      <a:lnRef idx="0">
+        <a:scrgbClr r="0" g="0" b="0"/>
+      </a:lnRef>
+      <a:fillRef idx="1">
+        <a:scrgbClr r="0" g="0" b="0"/>
+      </a:fillRef>
+      <a:effectRef idx="0">
+        <a:scrgbClr r="0" g="0" b="0"/>
+      </a:effectRef>
+      <a:fontRef idx="minor"/>
+    </dgm:style>
+  </dgm:styleLbl>
+  <dgm:styleLbl name="fgShp">
+    <dgm:scene3d>
+      <a:camera prst="orthographicFront"/>
+      <a:lightRig rig="flat" dir="t"/>
+    </dgm:scene3d>
+    <dgm:sp3d prstMaterial="dkEdge">
+      <a:bevelT w="8200" h="38100"/>
+    </dgm:sp3d>
+    <dgm:txPr/>
+    <dgm:style>
+      <a:lnRef idx="1">
+        <a:scrgbClr r="0" g="0" b="0"/>
+      </a:lnRef>
+      <a:fillRef idx="2">
+        <a:scrgbClr r="0" g="0" b="0"/>
+      </a:fillRef>
+      <a:effectRef idx="1">
+        <a:scrgbClr r="0" g="0" b="0"/>
+      </a:effectRef>
+      <a:fontRef idx="minor"/>
+    </dgm:style>
+  </dgm:styleLbl>
+  <dgm:styleLbl name="revTx">
+    <dgm:scene3d>
+      <a:camera prst="orthographicFront"/>
+      <a:lightRig rig="threePt" dir="t"/>
+    </dgm:scene3d>
+    <dgm:sp3d/>
+    <dgm:txPr/>
+    <dgm:style>
+      <a:lnRef idx="0">
+        <a:scrgbClr r="0" g="0" b="0"/>
+      </a:lnRef>
+      <a:fillRef idx="0">
+        <a:scrgbClr r="0" g="0" b="0"/>
+      </a:fillRef>
+      <a:effectRef idx="0">
+        <a:scrgbClr r="0" g="0" b="0"/>
+      </a:effectRef>
+      <a:fontRef idx="minor"/>
+    </dgm:style>
+  </dgm:styleLbl>
+</dgm:styleDef>
+</file>
+
 <file path=ppt/notesMasters/notesMaster1.xml><?xml version="1.0" encoding="utf-8"?>
 <p:notesMaster xmlns:a="http://schemas.openxmlformats.org/drawingml/2006/main" xmlns:r="http://schemas.openxmlformats.org/officeDocument/2006/relationships" xmlns:p="http://schemas.openxmlformats.org/presentationml/2006/main">
   <p:cSld>
@@ -200,7 +2885,7 @@
           <a:p>
             <a:fld id="{B2B2B1AB-8F3B-4371-BE6A-4BE4EEDBB0F7}" type="datetimeFigureOut">
               <a:rPr lang="en-US" smtClean="0"/>
-              <a:t>6/18/2022</a:t>
+              <a:t>6/19/2022</a:t>
             </a:fld>
             <a:endParaRPr lang="en-US"/>
           </a:p>
@@ -709,7 +3394,435 @@
     </p:spTree>
     <p:extLst>
       <p:ext uri="{BB962C8B-B14F-4D97-AF65-F5344CB8AC3E}">
+        <p14:creationId xmlns:p14="http://schemas.microsoft.com/office/powerpoint/2010/main" val="198035200"/>
+      </p:ext>
+    </p:extLst>
+  </p:cSld>
+  <p:clrMapOvr>
+    <a:masterClrMapping/>
+  </p:clrMapOvr>
+</p:notes>
+</file>
+
+<file path=ppt/notesSlides/notesSlide4.xml><?xml version="1.0" encoding="utf-8"?>
+<p:notes xmlns:a="http://schemas.openxmlformats.org/drawingml/2006/main" xmlns:r="http://schemas.openxmlformats.org/officeDocument/2006/relationships" xmlns:p="http://schemas.openxmlformats.org/presentationml/2006/main">
+  <p:cSld>
+    <p:spTree>
+      <p:nvGrpSpPr>
+        <p:cNvPr id="1" name=""/>
+        <p:cNvGrpSpPr/>
+        <p:nvPr/>
+      </p:nvGrpSpPr>
+      <p:grpSpPr>
+        <a:xfrm>
+          <a:off x="0" y="0"/>
+          <a:ext cx="0" cy="0"/>
+          <a:chOff x="0" y="0"/>
+          <a:chExt cx="0" cy="0"/>
+        </a:xfrm>
+      </p:grpSpPr>
+      <p:sp>
+        <p:nvSpPr>
+          <p:cNvPr id="2" name="Slide Image Placeholder 1"/>
+          <p:cNvSpPr>
+            <a:spLocks noGrp="1" noRot="1" noChangeAspect="1"/>
+          </p:cNvSpPr>
+          <p:nvPr>
+            <p:ph type="sldImg"/>
+          </p:nvPr>
+        </p:nvSpPr>
+        <p:spPr/>
+      </p:sp>
+      <p:sp>
+        <p:nvSpPr>
+          <p:cNvPr id="3" name="Notes Placeholder 2"/>
+          <p:cNvSpPr>
+            <a:spLocks noGrp="1"/>
+          </p:cNvSpPr>
+          <p:nvPr>
+            <p:ph type="body" idx="1"/>
+          </p:nvPr>
+        </p:nvSpPr>
+        <p:spPr/>
+        <p:txBody>
+          <a:bodyPr/>
+          <a:lstStyle/>
+          <a:p>
+            <a:endParaRPr lang="en-US" dirty="0"/>
+          </a:p>
+        </p:txBody>
+      </p:sp>
+      <p:sp>
+        <p:nvSpPr>
+          <p:cNvPr id="4" name="Slide Number Placeholder 3"/>
+          <p:cNvSpPr>
+            <a:spLocks noGrp="1"/>
+          </p:cNvSpPr>
+          <p:nvPr>
+            <p:ph type="sldNum" sz="quarter" idx="5"/>
+          </p:nvPr>
+        </p:nvSpPr>
+        <p:spPr/>
+        <p:txBody>
+          <a:bodyPr/>
+          <a:lstStyle/>
+          <a:p>
+            <a:fld id="{B2585C2E-C956-47A8-AAE6-1574156163E2}" type="slidenum">
+              <a:rPr lang="en-US" smtClean="0"/>
+              <a:t>4</a:t>
+            </a:fld>
+            <a:endParaRPr lang="en-US"/>
+          </a:p>
+        </p:txBody>
+      </p:sp>
+    </p:spTree>
+    <p:extLst>
+      <p:ext uri="{BB962C8B-B14F-4D97-AF65-F5344CB8AC3E}">
         <p14:creationId xmlns:p14="http://schemas.microsoft.com/office/powerpoint/2010/main" val="3056034164"/>
+      </p:ext>
+    </p:extLst>
+  </p:cSld>
+  <p:clrMapOvr>
+    <a:masterClrMapping/>
+  </p:clrMapOvr>
+</p:notes>
+</file>
+
+<file path=ppt/notesSlides/notesSlide5.xml><?xml version="1.0" encoding="utf-8"?>
+<p:notes xmlns:a="http://schemas.openxmlformats.org/drawingml/2006/main" xmlns:r="http://schemas.openxmlformats.org/officeDocument/2006/relationships" xmlns:p="http://schemas.openxmlformats.org/presentationml/2006/main">
+  <p:cSld>
+    <p:spTree>
+      <p:nvGrpSpPr>
+        <p:cNvPr id="1" name=""/>
+        <p:cNvGrpSpPr/>
+        <p:nvPr/>
+      </p:nvGrpSpPr>
+      <p:grpSpPr>
+        <a:xfrm>
+          <a:off x="0" y="0"/>
+          <a:ext cx="0" cy="0"/>
+          <a:chOff x="0" y="0"/>
+          <a:chExt cx="0" cy="0"/>
+        </a:xfrm>
+      </p:grpSpPr>
+      <p:sp>
+        <p:nvSpPr>
+          <p:cNvPr id="2" name="Slide Image Placeholder 1"/>
+          <p:cNvSpPr>
+            <a:spLocks noGrp="1" noRot="1" noChangeAspect="1"/>
+          </p:cNvSpPr>
+          <p:nvPr>
+            <p:ph type="sldImg"/>
+          </p:nvPr>
+        </p:nvSpPr>
+        <p:spPr/>
+      </p:sp>
+      <p:sp>
+        <p:nvSpPr>
+          <p:cNvPr id="3" name="Notes Placeholder 2"/>
+          <p:cNvSpPr>
+            <a:spLocks noGrp="1"/>
+          </p:cNvSpPr>
+          <p:nvPr>
+            <p:ph type="body" idx="1"/>
+          </p:nvPr>
+        </p:nvSpPr>
+        <p:spPr/>
+        <p:txBody>
+          <a:bodyPr/>
+          <a:lstStyle/>
+          <a:p>
+            <a:endParaRPr lang="en-US" dirty="0"/>
+          </a:p>
+        </p:txBody>
+      </p:sp>
+      <p:sp>
+        <p:nvSpPr>
+          <p:cNvPr id="4" name="Slide Number Placeholder 3"/>
+          <p:cNvSpPr>
+            <a:spLocks noGrp="1"/>
+          </p:cNvSpPr>
+          <p:nvPr>
+            <p:ph type="sldNum" sz="quarter" idx="5"/>
+          </p:nvPr>
+        </p:nvSpPr>
+        <p:spPr/>
+        <p:txBody>
+          <a:bodyPr/>
+          <a:lstStyle/>
+          <a:p>
+            <a:fld id="{B2585C2E-C956-47A8-AAE6-1574156163E2}" type="slidenum">
+              <a:rPr lang="en-US" smtClean="0"/>
+              <a:t>5</a:t>
+            </a:fld>
+            <a:endParaRPr lang="en-US"/>
+          </a:p>
+        </p:txBody>
+      </p:sp>
+    </p:spTree>
+    <p:extLst>
+      <p:ext uri="{BB962C8B-B14F-4D97-AF65-F5344CB8AC3E}">
+        <p14:creationId xmlns:p14="http://schemas.microsoft.com/office/powerpoint/2010/main" val="2775925037"/>
+      </p:ext>
+    </p:extLst>
+  </p:cSld>
+  <p:clrMapOvr>
+    <a:masterClrMapping/>
+  </p:clrMapOvr>
+</p:notes>
+</file>
+
+<file path=ppt/notesSlides/notesSlide6.xml><?xml version="1.0" encoding="utf-8"?>
+<p:notes xmlns:a="http://schemas.openxmlformats.org/drawingml/2006/main" xmlns:r="http://schemas.openxmlformats.org/officeDocument/2006/relationships" xmlns:p="http://schemas.openxmlformats.org/presentationml/2006/main">
+  <p:cSld>
+    <p:spTree>
+      <p:nvGrpSpPr>
+        <p:cNvPr id="1" name=""/>
+        <p:cNvGrpSpPr/>
+        <p:nvPr/>
+      </p:nvGrpSpPr>
+      <p:grpSpPr>
+        <a:xfrm>
+          <a:off x="0" y="0"/>
+          <a:ext cx="0" cy="0"/>
+          <a:chOff x="0" y="0"/>
+          <a:chExt cx="0" cy="0"/>
+        </a:xfrm>
+      </p:grpSpPr>
+      <p:sp>
+        <p:nvSpPr>
+          <p:cNvPr id="2" name="Slide Image Placeholder 1"/>
+          <p:cNvSpPr>
+            <a:spLocks noGrp="1" noRot="1" noChangeAspect="1"/>
+          </p:cNvSpPr>
+          <p:nvPr>
+            <p:ph type="sldImg"/>
+          </p:nvPr>
+        </p:nvSpPr>
+        <p:spPr/>
+      </p:sp>
+      <p:sp>
+        <p:nvSpPr>
+          <p:cNvPr id="3" name="Notes Placeholder 2"/>
+          <p:cNvSpPr>
+            <a:spLocks noGrp="1"/>
+          </p:cNvSpPr>
+          <p:nvPr>
+            <p:ph type="body" idx="1"/>
+          </p:nvPr>
+        </p:nvSpPr>
+        <p:spPr/>
+        <p:txBody>
+          <a:bodyPr/>
+          <a:lstStyle/>
+          <a:p>
+            <a:endParaRPr lang="en-US" dirty="0"/>
+          </a:p>
+        </p:txBody>
+      </p:sp>
+      <p:sp>
+        <p:nvSpPr>
+          <p:cNvPr id="4" name="Slide Number Placeholder 3"/>
+          <p:cNvSpPr>
+            <a:spLocks noGrp="1"/>
+          </p:cNvSpPr>
+          <p:nvPr>
+            <p:ph type="sldNum" sz="quarter" idx="5"/>
+          </p:nvPr>
+        </p:nvSpPr>
+        <p:spPr/>
+        <p:txBody>
+          <a:bodyPr/>
+          <a:lstStyle/>
+          <a:p>
+            <a:fld id="{B2585C2E-C956-47A8-AAE6-1574156163E2}" type="slidenum">
+              <a:rPr lang="en-US" smtClean="0"/>
+              <a:t>6</a:t>
+            </a:fld>
+            <a:endParaRPr lang="en-US"/>
+          </a:p>
+        </p:txBody>
+      </p:sp>
+    </p:spTree>
+    <p:extLst>
+      <p:ext uri="{BB962C8B-B14F-4D97-AF65-F5344CB8AC3E}">
+        <p14:creationId xmlns:p14="http://schemas.microsoft.com/office/powerpoint/2010/main" val="3336890102"/>
+      </p:ext>
+    </p:extLst>
+  </p:cSld>
+  <p:clrMapOvr>
+    <a:masterClrMapping/>
+  </p:clrMapOvr>
+</p:notes>
+</file>
+
+<file path=ppt/notesSlides/notesSlide7.xml><?xml version="1.0" encoding="utf-8"?>
+<p:notes xmlns:a="http://schemas.openxmlformats.org/drawingml/2006/main" xmlns:r="http://schemas.openxmlformats.org/officeDocument/2006/relationships" xmlns:p="http://schemas.openxmlformats.org/presentationml/2006/main">
+  <p:cSld>
+    <p:spTree>
+      <p:nvGrpSpPr>
+        <p:cNvPr id="1" name=""/>
+        <p:cNvGrpSpPr/>
+        <p:nvPr/>
+      </p:nvGrpSpPr>
+      <p:grpSpPr>
+        <a:xfrm>
+          <a:off x="0" y="0"/>
+          <a:ext cx="0" cy="0"/>
+          <a:chOff x="0" y="0"/>
+          <a:chExt cx="0" cy="0"/>
+        </a:xfrm>
+      </p:grpSpPr>
+      <p:sp>
+        <p:nvSpPr>
+          <p:cNvPr id="2" name="Slide Image Placeholder 1"/>
+          <p:cNvSpPr>
+            <a:spLocks noGrp="1" noRot="1" noChangeAspect="1"/>
+          </p:cNvSpPr>
+          <p:nvPr>
+            <p:ph type="sldImg"/>
+          </p:nvPr>
+        </p:nvSpPr>
+        <p:spPr/>
+      </p:sp>
+      <p:sp>
+        <p:nvSpPr>
+          <p:cNvPr id="3" name="Notes Placeholder 2"/>
+          <p:cNvSpPr>
+            <a:spLocks noGrp="1"/>
+          </p:cNvSpPr>
+          <p:nvPr>
+            <p:ph type="body" idx="1"/>
+          </p:nvPr>
+        </p:nvSpPr>
+        <p:spPr/>
+        <p:txBody>
+          <a:bodyPr/>
+          <a:lstStyle/>
+          <a:p>
+            <a:r>
+              <a:rPr lang="en-US" dirty="0" err="1"/>
+              <a:t>sc</a:t>
+            </a:r>
+            <a:endParaRPr lang="en-US" dirty="0"/>
+          </a:p>
+        </p:txBody>
+      </p:sp>
+      <p:sp>
+        <p:nvSpPr>
+          <p:cNvPr id="4" name="Slide Number Placeholder 3"/>
+          <p:cNvSpPr>
+            <a:spLocks noGrp="1"/>
+          </p:cNvSpPr>
+          <p:nvPr>
+            <p:ph type="sldNum" sz="quarter" idx="5"/>
+          </p:nvPr>
+        </p:nvSpPr>
+        <p:spPr/>
+        <p:txBody>
+          <a:bodyPr/>
+          <a:lstStyle/>
+          <a:p>
+            <a:fld id="{B2585C2E-C956-47A8-AAE6-1574156163E2}" type="slidenum">
+              <a:rPr lang="en-US" smtClean="0"/>
+              <a:t>7</a:t>
+            </a:fld>
+            <a:endParaRPr lang="en-US"/>
+          </a:p>
+        </p:txBody>
+      </p:sp>
+    </p:spTree>
+    <p:extLst>
+      <p:ext uri="{BB962C8B-B14F-4D97-AF65-F5344CB8AC3E}">
+        <p14:creationId xmlns:p14="http://schemas.microsoft.com/office/powerpoint/2010/main" val="260487615"/>
+      </p:ext>
+    </p:extLst>
+  </p:cSld>
+  <p:clrMapOvr>
+    <a:masterClrMapping/>
+  </p:clrMapOvr>
+</p:notes>
+</file>
+
+<file path=ppt/notesSlides/notesSlide8.xml><?xml version="1.0" encoding="utf-8"?>
+<p:notes xmlns:a="http://schemas.openxmlformats.org/drawingml/2006/main" xmlns:r="http://schemas.openxmlformats.org/officeDocument/2006/relationships" xmlns:p="http://schemas.openxmlformats.org/presentationml/2006/main">
+  <p:cSld>
+    <p:spTree>
+      <p:nvGrpSpPr>
+        <p:cNvPr id="1" name=""/>
+        <p:cNvGrpSpPr/>
+        <p:nvPr/>
+      </p:nvGrpSpPr>
+      <p:grpSpPr>
+        <a:xfrm>
+          <a:off x="0" y="0"/>
+          <a:ext cx="0" cy="0"/>
+          <a:chOff x="0" y="0"/>
+          <a:chExt cx="0" cy="0"/>
+        </a:xfrm>
+      </p:grpSpPr>
+      <p:sp>
+        <p:nvSpPr>
+          <p:cNvPr id="2" name="Slide Image Placeholder 1"/>
+          <p:cNvSpPr>
+            <a:spLocks noGrp="1" noRot="1" noChangeAspect="1"/>
+          </p:cNvSpPr>
+          <p:nvPr>
+            <p:ph type="sldImg"/>
+          </p:nvPr>
+        </p:nvSpPr>
+        <p:spPr/>
+      </p:sp>
+      <p:sp>
+        <p:nvSpPr>
+          <p:cNvPr id="3" name="Notes Placeholder 2"/>
+          <p:cNvSpPr>
+            <a:spLocks noGrp="1"/>
+          </p:cNvSpPr>
+          <p:nvPr>
+            <p:ph type="body" idx="1"/>
+          </p:nvPr>
+        </p:nvSpPr>
+        <p:spPr/>
+        <p:txBody>
+          <a:bodyPr/>
+          <a:lstStyle/>
+          <a:p>
+            <a:r>
+              <a:rPr lang="en-US" dirty="0" err="1"/>
+              <a:t>sc</a:t>
+            </a:r>
+            <a:endParaRPr lang="en-US" dirty="0"/>
+          </a:p>
+        </p:txBody>
+      </p:sp>
+      <p:sp>
+        <p:nvSpPr>
+          <p:cNvPr id="4" name="Slide Number Placeholder 3"/>
+          <p:cNvSpPr>
+            <a:spLocks noGrp="1"/>
+          </p:cNvSpPr>
+          <p:nvPr>
+            <p:ph type="sldNum" sz="quarter" idx="5"/>
+          </p:nvPr>
+        </p:nvSpPr>
+        <p:spPr/>
+        <p:txBody>
+          <a:bodyPr/>
+          <a:lstStyle/>
+          <a:p>
+            <a:fld id="{B2585C2E-C956-47A8-AAE6-1574156163E2}" type="slidenum">
+              <a:rPr lang="en-US" smtClean="0"/>
+              <a:t>8</a:t>
+            </a:fld>
+            <a:endParaRPr lang="en-US"/>
+          </a:p>
+        </p:txBody>
+      </p:sp>
+    </p:spTree>
+    <p:extLst>
+      <p:ext uri="{BB962C8B-B14F-4D97-AF65-F5344CB8AC3E}">
+        <p14:creationId xmlns:p14="http://schemas.microsoft.com/office/powerpoint/2010/main" val="3496271389"/>
       </p:ext>
     </p:extLst>
   </p:cSld>
@@ -866,7 +3979,7 @@
           <a:p>
             <a:fld id="{1A6112BA-1F94-4EEA-971E-2669F6E51173}" type="datetimeFigureOut">
               <a:rPr lang="en-US" smtClean="0"/>
-              <a:t>6/18/2022</a:t>
+              <a:t>6/19/2022</a:t>
             </a:fld>
             <a:endParaRPr lang="en-US"/>
           </a:p>
@@ -1064,7 +4177,7 @@
           <a:p>
             <a:fld id="{1A6112BA-1F94-4EEA-971E-2669F6E51173}" type="datetimeFigureOut">
               <a:rPr lang="en-US" smtClean="0"/>
-              <a:t>6/18/2022</a:t>
+              <a:t>6/19/2022</a:t>
             </a:fld>
             <a:endParaRPr lang="en-US"/>
           </a:p>
@@ -1272,7 +4385,7 @@
           <a:p>
             <a:fld id="{1A6112BA-1F94-4EEA-971E-2669F6E51173}" type="datetimeFigureOut">
               <a:rPr lang="en-US" smtClean="0"/>
-              <a:t>6/18/2022</a:t>
+              <a:t>6/19/2022</a:t>
             </a:fld>
             <a:endParaRPr lang="en-US"/>
           </a:p>
@@ -1470,7 +4583,7 @@
           <a:p>
             <a:fld id="{1A6112BA-1F94-4EEA-971E-2669F6E51173}" type="datetimeFigureOut">
               <a:rPr lang="en-US" smtClean="0"/>
-              <a:t>6/18/2022</a:t>
+              <a:t>6/19/2022</a:t>
             </a:fld>
             <a:endParaRPr lang="en-US"/>
           </a:p>
@@ -1745,7 +4858,7 @@
           <a:p>
             <a:fld id="{1A6112BA-1F94-4EEA-971E-2669F6E51173}" type="datetimeFigureOut">
               <a:rPr lang="en-US" smtClean="0"/>
-              <a:t>6/18/2022</a:t>
+              <a:t>6/19/2022</a:t>
             </a:fld>
             <a:endParaRPr lang="en-US"/>
           </a:p>
@@ -2010,7 +5123,7 @@
           <a:p>
             <a:fld id="{1A6112BA-1F94-4EEA-971E-2669F6E51173}" type="datetimeFigureOut">
               <a:rPr lang="en-US" smtClean="0"/>
-              <a:t>6/18/2022</a:t>
+              <a:t>6/19/2022</a:t>
             </a:fld>
             <a:endParaRPr lang="en-US"/>
           </a:p>
@@ -2422,7 +5535,7 @@
           <a:p>
             <a:fld id="{1A6112BA-1F94-4EEA-971E-2669F6E51173}" type="datetimeFigureOut">
               <a:rPr lang="en-US" smtClean="0"/>
-              <a:t>6/18/2022</a:t>
+              <a:t>6/19/2022</a:t>
             </a:fld>
             <a:endParaRPr lang="en-US"/>
           </a:p>
@@ -2563,7 +5676,7 @@
           <a:p>
             <a:fld id="{1A6112BA-1F94-4EEA-971E-2669F6E51173}" type="datetimeFigureOut">
               <a:rPr lang="en-US" smtClean="0"/>
-              <a:t>6/18/2022</a:t>
+              <a:t>6/19/2022</a:t>
             </a:fld>
             <a:endParaRPr lang="en-US"/>
           </a:p>
@@ -2676,7 +5789,7 @@
           <a:p>
             <a:fld id="{1A6112BA-1F94-4EEA-971E-2669F6E51173}" type="datetimeFigureOut">
               <a:rPr lang="en-US" smtClean="0"/>
-              <a:t>6/18/2022</a:t>
+              <a:t>6/19/2022</a:t>
             </a:fld>
             <a:endParaRPr lang="en-US"/>
           </a:p>
@@ -2987,7 +6100,7 @@
           <a:p>
             <a:fld id="{1A6112BA-1F94-4EEA-971E-2669F6E51173}" type="datetimeFigureOut">
               <a:rPr lang="en-US" smtClean="0"/>
-              <a:t>6/18/2022</a:t>
+              <a:t>6/19/2022</a:t>
             </a:fld>
             <a:endParaRPr lang="en-US"/>
           </a:p>
@@ -3275,7 +6388,7 @@
           <a:p>
             <a:fld id="{1A6112BA-1F94-4EEA-971E-2669F6E51173}" type="datetimeFigureOut">
               <a:rPr lang="en-US" smtClean="0"/>
-              <a:t>6/18/2022</a:t>
+              <a:t>6/19/2022</a:t>
             </a:fld>
             <a:endParaRPr lang="en-US"/>
           </a:p>
@@ -3516,7 +6629,7 @@
           <a:p>
             <a:fld id="{1A6112BA-1F94-4EEA-971E-2669F6E51173}" type="datetimeFigureOut">
               <a:rPr lang="en-US" smtClean="0"/>
-              <a:t>6/18/2022</a:t>
+              <a:t>6/19/2022</a:t>
             </a:fld>
             <a:endParaRPr lang="en-US"/>
           </a:p>
@@ -3933,199 +7046,6 @@
           <a:chExt cx="0" cy="0"/>
         </a:xfrm>
       </p:grpSpPr>
-      <p:sp>
-        <p:nvSpPr>
-          <p:cNvPr id="5" name="TextBox 4">
-            <a:extLst>
-              <a:ext uri="{FF2B5EF4-FFF2-40B4-BE49-F238E27FC236}">
-                <a16:creationId xmlns:a16="http://schemas.microsoft.com/office/drawing/2014/main" id="{D7252C72-C62E-F6D3-9648-37E9AD33EFA7}"/>
-              </a:ext>
-            </a:extLst>
-          </p:cNvPr>
-          <p:cNvSpPr txBox="1"/>
-          <p:nvPr/>
-        </p:nvSpPr>
-        <p:spPr>
-          <a:xfrm>
-            <a:off x="480647" y="5018391"/>
-            <a:ext cx="11476891" cy="967060"/>
-          </a:xfrm>
-          <a:prstGeom prst="rect">
-            <a:avLst/>
-          </a:prstGeom>
-          <a:noFill/>
-        </p:spPr>
-        <p:txBody>
-          <a:bodyPr wrap="square" rtlCol="0">
-            <a:spAutoFit/>
-          </a:bodyPr>
-          <a:lstStyle/>
-          <a:p>
-            <a:pPr algn="just">
-              <a:lnSpc>
-                <a:spcPct val="150000"/>
-              </a:lnSpc>
-            </a:pPr>
-            <a:r>
-              <a:rPr lang="en-US" sz="2000" b="1" dirty="0">
-                <a:latin typeface="Merriweather" panose="00000500000000000000" pitchFamily="2" charset="0"/>
-              </a:rPr>
-              <a:t>The question: Could there be a significant biased connection between the annotator’s background and the way they will rate hate speech? </a:t>
-            </a:r>
-          </a:p>
-        </p:txBody>
-      </p:sp>
-      <p:sp>
-        <p:nvSpPr>
-          <p:cNvPr id="6" name="TextBox 5">
-            <a:extLst>
-              <a:ext uri="{FF2B5EF4-FFF2-40B4-BE49-F238E27FC236}">
-                <a16:creationId xmlns:a16="http://schemas.microsoft.com/office/drawing/2014/main" id="{5A75A748-6D88-2399-1457-7D296AD443E5}"/>
-              </a:ext>
-            </a:extLst>
-          </p:cNvPr>
-          <p:cNvSpPr txBox="1"/>
-          <p:nvPr/>
-        </p:nvSpPr>
-        <p:spPr>
-          <a:xfrm>
-            <a:off x="222740" y="2471086"/>
-            <a:ext cx="7678616" cy="1891287"/>
-          </a:xfrm>
-          <a:prstGeom prst="rect">
-            <a:avLst/>
-          </a:prstGeom>
-          <a:noFill/>
-        </p:spPr>
-        <p:txBody>
-          <a:bodyPr wrap="square" rtlCol="0">
-            <a:spAutoFit/>
-          </a:bodyPr>
-          <a:lstStyle/>
-          <a:p>
-            <a:pPr algn="just">
-              <a:lnSpc>
-                <a:spcPct val="150000"/>
-              </a:lnSpc>
-            </a:pPr>
-            <a:r>
-              <a:rPr lang="en-US" sz="2000" dirty="0">
-                <a:latin typeface="Calbri"/>
-              </a:rPr>
-              <a:t>Decision-making by software is seemingly sterile and free from prejudice. But that isn’t truly the case, these types of decision-making created a new type of social problem called “Algorithms bias”. For this project, we decided to dig into this field &amp; the inequality that follows it.  </a:t>
-            </a:r>
-            <a:endParaRPr lang="en-US" sz="2000" dirty="0"/>
-          </a:p>
-        </p:txBody>
-      </p:sp>
-      <p:sp>
-        <p:nvSpPr>
-          <p:cNvPr id="4" name="TextBox 3">
-            <a:extLst>
-              <a:ext uri="{FF2B5EF4-FFF2-40B4-BE49-F238E27FC236}">
-                <a16:creationId xmlns:a16="http://schemas.microsoft.com/office/drawing/2014/main" id="{2866A017-C610-21D8-85AE-5425D971AEA3}"/>
-              </a:ext>
-            </a:extLst>
-          </p:cNvPr>
-          <p:cNvSpPr txBox="1"/>
-          <p:nvPr/>
-        </p:nvSpPr>
-        <p:spPr>
-          <a:xfrm>
-            <a:off x="2989385" y="386344"/>
-            <a:ext cx="6213230" cy="1428724"/>
-          </a:xfrm>
-          <a:prstGeom prst="rect">
-            <a:avLst/>
-          </a:prstGeom>
-          <a:noFill/>
-        </p:spPr>
-        <p:txBody>
-          <a:bodyPr wrap="square" rtlCol="0">
-            <a:spAutoFit/>
-          </a:bodyPr>
-          <a:lstStyle/>
-          <a:p>
-            <a:pPr algn="ctr">
-              <a:lnSpc>
-                <a:spcPct val="150000"/>
-              </a:lnSpc>
-            </a:pPr>
-            <a:r>
-              <a:rPr lang="en-US" sz="2000" b="1" dirty="0">
-                <a:latin typeface="Merriweather" panose="00000500000000000000" pitchFamily="2" charset="0"/>
-              </a:rPr>
-              <a:t>Final Project in R </a:t>
-            </a:r>
-          </a:p>
-          <a:p>
-            <a:pPr algn="ctr">
-              <a:lnSpc>
-                <a:spcPct val="150000"/>
-              </a:lnSpc>
-            </a:pPr>
-            <a:r>
-              <a:rPr lang="en-US" sz="2000" b="1" dirty="0">
-                <a:latin typeface="Merriweather" panose="00000500000000000000" pitchFamily="2" charset="0"/>
-              </a:rPr>
-              <a:t>"Team Y“ Yuval Segal &amp; Eran Aizikovich</a:t>
-            </a:r>
-          </a:p>
-          <a:p>
-            <a:pPr algn="ctr">
-              <a:lnSpc>
-                <a:spcPct val="150000"/>
-              </a:lnSpc>
-            </a:pPr>
-            <a:r>
-              <a:rPr lang="en-US" sz="2000" dirty="0">
-                <a:latin typeface="Merriweather" panose="00000500000000000000" pitchFamily="2" charset="0"/>
-              </a:rPr>
-              <a:t>Introduction</a:t>
-            </a:r>
-          </a:p>
-        </p:txBody>
-      </p:sp>
-      <p:sp>
-        <p:nvSpPr>
-          <p:cNvPr id="7" name="TextBox 6">
-            <a:extLst>
-              <a:ext uri="{FF2B5EF4-FFF2-40B4-BE49-F238E27FC236}">
-                <a16:creationId xmlns:a16="http://schemas.microsoft.com/office/drawing/2014/main" id="{2BE0FA4B-FC19-2CFB-018B-E6AD41581CCC}"/>
-              </a:ext>
-            </a:extLst>
-          </p:cNvPr>
-          <p:cNvSpPr txBox="1"/>
-          <p:nvPr/>
-        </p:nvSpPr>
-        <p:spPr>
-          <a:xfrm>
-            <a:off x="1970165" y="6036781"/>
-            <a:ext cx="7982039" cy="506292"/>
-          </a:xfrm>
-          <a:prstGeom prst="rect">
-            <a:avLst/>
-          </a:prstGeom>
-          <a:noFill/>
-        </p:spPr>
-        <p:txBody>
-          <a:bodyPr wrap="square" rtlCol="0">
-            <a:spAutoFit/>
-          </a:bodyPr>
-          <a:lstStyle/>
-          <a:p>
-            <a:pPr algn="ctr">
-              <a:lnSpc>
-                <a:spcPct val="150000"/>
-              </a:lnSpc>
-            </a:pPr>
-            <a:r>
-              <a:rPr lang="en-US" sz="2000" dirty="0"/>
-              <a:t>Why is this so important? &amp; What is already done in this field?</a:t>
-            </a:r>
-          </a:p>
-        </p:txBody>
-      </p:sp>
       <p:pic>
         <p:nvPicPr>
           <p:cNvPr id="3" name="Picture 2">
@@ -4148,7 +7068,7 @@
         </p:blipFill>
         <p:spPr>
           <a:xfrm>
-            <a:off x="7901356" y="2206276"/>
+            <a:off x="7584834" y="3913675"/>
             <a:ext cx="4290644" cy="2579056"/>
           </a:xfrm>
           <a:prstGeom prst="rect">
@@ -4156,6 +7076,70 @@
           </a:prstGeom>
         </p:spPr>
       </p:pic>
+      <p:sp>
+        <p:nvSpPr>
+          <p:cNvPr id="5" name="TextBox 4">
+            <a:extLst>
+              <a:ext uri="{FF2B5EF4-FFF2-40B4-BE49-F238E27FC236}">
+                <a16:creationId xmlns:a16="http://schemas.microsoft.com/office/drawing/2014/main" id="{57683881-E720-F44C-24A8-772E24AA773A}"/>
+              </a:ext>
+            </a:extLst>
+          </p:cNvPr>
+          <p:cNvSpPr txBox="1"/>
+          <p:nvPr/>
+        </p:nvSpPr>
+        <p:spPr>
+          <a:xfrm>
+            <a:off x="293078" y="1596206"/>
+            <a:ext cx="11183815" cy="1964512"/>
+          </a:xfrm>
+          <a:prstGeom prst="rect">
+            <a:avLst/>
+          </a:prstGeom>
+          <a:noFill/>
+        </p:spPr>
+        <p:txBody>
+          <a:bodyPr wrap="square" rtlCol="0">
+            <a:spAutoFit/>
+          </a:bodyPr>
+          <a:lstStyle/>
+          <a:p>
+            <a:pPr algn="ctr">
+              <a:lnSpc>
+                <a:spcPct val="150000"/>
+              </a:lnSpc>
+            </a:pPr>
+            <a:r>
+              <a:rPr lang="en-US" sz="2800" b="1" dirty="0">
+                <a:latin typeface="Merriweather" panose="00000500000000000000" pitchFamily="2" charset="0"/>
+              </a:rPr>
+              <a:t>Our Research Question</a:t>
+            </a:r>
+            <a:endParaRPr lang="he-IL" sz="2800" b="1" dirty="0">
+              <a:latin typeface="Merriweather" panose="00000500000000000000" pitchFamily="2" charset="0"/>
+            </a:endParaRPr>
+          </a:p>
+          <a:p>
+            <a:pPr algn="just">
+              <a:lnSpc>
+                <a:spcPct val="150000"/>
+              </a:lnSpc>
+            </a:pPr>
+            <a:r>
+              <a:rPr lang="en-US" sz="2800" dirty="0"/>
+              <a:t>Could there be a significant biased connection between the</a:t>
+            </a:r>
+            <a:r>
+              <a:rPr lang="he-IL" sz="2800" dirty="0"/>
+              <a:t> </a:t>
+            </a:r>
+            <a:r>
+              <a:rPr lang="en-US" sz="2800" dirty="0"/>
+              <a:t>annotator’s background and the way they will rate hate speech?</a:t>
+            </a:r>
+          </a:p>
+        </p:txBody>
+      </p:sp>
     </p:spTree>
     <p:extLst>
       <p:ext uri="{BB962C8B-B14F-4D97-AF65-F5344CB8AC3E}">
@@ -4208,7 +7192,7 @@
         </p:blipFill>
         <p:spPr>
           <a:xfrm>
-            <a:off x="0" y="0"/>
+            <a:off x="5309324" y="5615354"/>
             <a:ext cx="6882676" cy="1207193"/>
           </a:xfrm>
           <a:prstGeom prst="rect">
@@ -4268,8 +7252,8 @@
         </p:blipFill>
         <p:spPr>
           <a:xfrm>
-            <a:off x="0" y="3633062"/>
-            <a:ext cx="2967878" cy="3224938"/>
+            <a:off x="0" y="3739662"/>
+            <a:ext cx="2869775" cy="3118338"/>
           </a:xfrm>
           <a:prstGeom prst="rect">
             <a:avLst/>
@@ -4290,8 +7274,8 @@
         </p:nvSpPr>
         <p:spPr>
           <a:xfrm>
-            <a:off x="3223847" y="3622432"/>
-            <a:ext cx="8968153" cy="1858779"/>
+            <a:off x="3176954" y="3943011"/>
+            <a:ext cx="8663354" cy="1355820"/>
           </a:xfrm>
           <a:prstGeom prst="rect">
             <a:avLst/>
@@ -4310,7 +7294,7 @@
               </a:lnSpc>
             </a:pPr>
             <a:r>
-              <a:rPr lang="en-US" b="1" dirty="0">
+              <a:rPr lang="en-US" sz="1600" b="1" dirty="0">
                 <a:solidFill>
                   <a:srgbClr val="333333"/>
                 </a:solidFill>
@@ -4319,7 +7303,7 @@
               </a:rPr>
               <a:t>Algorithmic Bias? An Empirical Study into Apparent Gender-Based Discrimination in the Display of STEM Career Ads</a:t>
             </a:r>
-            <a:endParaRPr lang="en-US" b="1" dirty="0">
+            <a:endParaRPr lang="en-US" sz="1600" b="1" dirty="0">
               <a:solidFill>
                 <a:srgbClr val="333333"/>
               </a:solidFill>
@@ -4333,13 +7317,13 @@
               </a:lnSpc>
             </a:pPr>
             <a:r>
-              <a:rPr lang="en-US" sz="1400" dirty="0">
+              <a:rPr lang="en-US" sz="1200" dirty="0">
                 <a:solidFill>
                   <a:srgbClr val="333333"/>
                 </a:solidFill>
                 <a:latin typeface="Merriweather" panose="020B0604020202020204" pitchFamily="2" charset="0"/>
               </a:rPr>
-              <a:t>Research published in SSRN; how an algorithm delivered ads promoting job opportunities in the Science, Technology, Engineering, and Math (STEM) fields. This ad was explicitly intended to be gender-neutral in its delivery. Empirically, however, fewer women saw the ad than men.</a:t>
+              <a:t>How an algorithm delivered ads promoting job opportunities in STEM fields that was explicitly intended to be gender-neutral in its delivery. Empirically, however, fewer women saw the ad than men.</a:t>
             </a:r>
           </a:p>
         </p:txBody>
@@ -4358,8 +7342,8 @@
         </p:nvSpPr>
         <p:spPr>
           <a:xfrm>
-            <a:off x="162892" y="1242646"/>
-            <a:ext cx="8968153" cy="2181944"/>
+            <a:off x="152398" y="2305016"/>
+            <a:ext cx="8968153" cy="986489"/>
           </a:xfrm>
           <a:prstGeom prst="rect">
             <a:avLst/>
@@ -4381,7 +7365,7 @@
               </a:lnSpc>
             </a:pPr>
             <a:r>
-              <a:rPr lang="en-US" b="1" dirty="0">
+              <a:rPr lang="en-US" sz="1600" b="1" dirty="0">
                 <a:solidFill>
                   <a:srgbClr val="333333"/>
                 </a:solidFill>
@@ -4390,7 +7374,7 @@
               </a:rPr>
               <a:t>Dissecting racial bias in an algorithm used to manage the health of populations</a:t>
             </a:r>
-            <a:endParaRPr lang="en-US" b="1" dirty="0">
+            <a:endParaRPr lang="en-US" sz="1600" b="1" dirty="0">
               <a:solidFill>
                 <a:srgbClr val="333333"/>
               </a:solidFill>
@@ -4404,13 +7388,71 @@
               </a:lnSpc>
             </a:pPr>
             <a:r>
-              <a:rPr lang="en-US" sz="1400" dirty="0">
+              <a:rPr lang="en-US" sz="1200" dirty="0">
                 <a:solidFill>
                   <a:srgbClr val="333333"/>
                 </a:solidFill>
                 <a:latin typeface="Merriweather" panose="020B0604020202020204" pitchFamily="2" charset="0"/>
               </a:rPr>
-              <a:t>Research published in Science AAAS; The U.S. health care system uses commercial algorithms to guide health decisions. Obermeyer et al. find evidence of racial bias in one widely used algorithm, such that Black patients assigned the same level of risk by the algorithm are sicker than White patients</a:t>
+              <a:t>The U.S. health care system uses commercial algorithms to guide health decisions. This research found evidence of racial bias in one widely used algorithm.</a:t>
+            </a:r>
+          </a:p>
+        </p:txBody>
+      </p:sp>
+      <p:sp>
+        <p:nvSpPr>
+          <p:cNvPr id="7" name="TextBox 6">
+            <a:extLst>
+              <a:ext uri="{FF2B5EF4-FFF2-40B4-BE49-F238E27FC236}">
+                <a16:creationId xmlns:a16="http://schemas.microsoft.com/office/drawing/2014/main" id="{471E0B97-9EC9-E1EE-AA4E-35E8D591AA41}"/>
+              </a:ext>
+            </a:extLst>
+          </p:cNvPr>
+          <p:cNvSpPr txBox="1"/>
+          <p:nvPr/>
+        </p:nvSpPr>
+        <p:spPr>
+          <a:xfrm>
+            <a:off x="973014" y="437329"/>
+            <a:ext cx="7326923" cy="1479187"/>
+          </a:xfrm>
+          <a:prstGeom prst="rect">
+            <a:avLst/>
+          </a:prstGeom>
+          <a:noFill/>
+        </p:spPr>
+        <p:txBody>
+          <a:bodyPr wrap="square" rtlCol="0">
+            <a:spAutoFit/>
+          </a:bodyPr>
+          <a:lstStyle/>
+          <a:p>
+            <a:pPr algn="ctr">
+              <a:lnSpc>
+                <a:spcPct val="150000"/>
+              </a:lnSpc>
+            </a:pPr>
+            <a:r>
+              <a:rPr lang="en-US" sz="3200" b="1" dirty="0">
+                <a:latin typeface="Merriweather" panose="00000500000000000000" pitchFamily="2" charset="0"/>
+              </a:rPr>
+              <a:t>Why is this so important? </a:t>
+            </a:r>
+            <a:endParaRPr lang="he-IL" sz="3200" b="1" dirty="0">
+              <a:latin typeface="Merriweather" panose="00000500000000000000" pitchFamily="2" charset="0"/>
+            </a:endParaRPr>
+          </a:p>
+          <a:p>
+            <a:pPr algn="ctr">
+              <a:lnSpc>
+                <a:spcPct val="150000"/>
+              </a:lnSpc>
+            </a:pPr>
+            <a:r>
+              <a:rPr lang="en-US" sz="3200" b="1" dirty="0">
+                <a:latin typeface="Merriweather" panose="00000500000000000000" pitchFamily="2" charset="0"/>
+              </a:rPr>
+              <a:t>What is already done in this field?</a:t>
             </a:r>
           </a:p>
         </p:txBody>
@@ -4447,10 +7489,10 @@
       </p:grpSpPr>
       <p:sp>
         <p:nvSpPr>
-          <p:cNvPr id="10" name="TextBox 9">
+          <p:cNvPr id="4" name="TextBox 3">
             <a:extLst>
               <a:ext uri="{FF2B5EF4-FFF2-40B4-BE49-F238E27FC236}">
-                <a16:creationId xmlns:a16="http://schemas.microsoft.com/office/drawing/2014/main" id="{48927C25-D57A-360B-4AE1-51ED38A814DA}"/>
+                <a16:creationId xmlns:a16="http://schemas.microsoft.com/office/drawing/2014/main" id="{308C976E-B9D4-48AB-E8B2-6E2235082ECC}"/>
               </a:ext>
             </a:extLst>
           </p:cNvPr>
@@ -4459,8 +7501,8 @@
         </p:nvSpPr>
         <p:spPr>
           <a:xfrm>
-            <a:off x="4120662" y="334047"/>
-            <a:ext cx="3950675" cy="830997"/>
+            <a:off x="3398724" y="674199"/>
+            <a:ext cx="5394552" cy="753283"/>
           </a:xfrm>
           <a:prstGeom prst="rect">
             <a:avLst/>
@@ -4473,19 +7515,29 @@
           </a:bodyPr>
           <a:lstStyle/>
           <a:p>
-            <a:r>
-              <a:rPr lang="en-US" sz="4800" dirty="0"/>
-              <a:t>Data Overview </a:t>
-            </a:r>
-          </a:p>
-        </p:txBody>
-      </p:sp>
-      <p:sp>
-        <p:nvSpPr>
-          <p:cNvPr id="11" name="TextBox 10">
+            <a:pPr algn="ctr">
+              <a:lnSpc>
+                <a:spcPct val="150000"/>
+              </a:lnSpc>
+            </a:pPr>
+            <a:r>
+              <a:rPr lang="en-US" sz="3200" b="1">
+                <a:latin typeface="Merriweather" panose="00000500000000000000" pitchFamily="2" charset="0"/>
+              </a:rPr>
+              <a:t>Data Overview</a:t>
+            </a:r>
+            <a:endParaRPr lang="en-US" sz="3200" b="1" dirty="0">
+              <a:latin typeface="Merriweather" panose="00000500000000000000" pitchFamily="2" charset="0"/>
+            </a:endParaRPr>
+          </a:p>
+        </p:txBody>
+      </p:sp>
+      <p:sp>
+        <p:nvSpPr>
+          <p:cNvPr id="3" name="TextBox 2">
             <a:extLst>
               <a:ext uri="{FF2B5EF4-FFF2-40B4-BE49-F238E27FC236}">
-                <a16:creationId xmlns:a16="http://schemas.microsoft.com/office/drawing/2014/main" id="{DED6FD7F-A10E-318A-B414-CEFC2E396096}"/>
+                <a16:creationId xmlns:a16="http://schemas.microsoft.com/office/drawing/2014/main" id="{CA9C47B9-624C-99A3-D13A-A25289376ADB}"/>
               </a:ext>
             </a:extLst>
           </p:cNvPr>
@@ -4494,8 +7546,8 @@
         </p:nvSpPr>
         <p:spPr>
           <a:xfrm>
-            <a:off x="656492" y="1512278"/>
-            <a:ext cx="7549661" cy="369332"/>
+            <a:off x="808891" y="2110154"/>
+            <a:ext cx="10609385" cy="2434641"/>
           </a:xfrm>
           <a:prstGeom prst="rect">
             <a:avLst/>
@@ -4508,8 +7560,19 @@
           </a:bodyPr>
           <a:lstStyle/>
           <a:p>
-            <a:r>
-              <a:rPr lang="en-US" sz="1800" dirty="0">
+            <a:pPr marL="0" marR="0" algn="l" rtl="0">
+              <a:lnSpc>
+                <a:spcPct val="150000"/>
+              </a:lnSpc>
+              <a:spcBef>
+                <a:spcPts val="0"/>
+              </a:spcBef>
+              <a:spcAft>
+                <a:spcPts val="800"/>
+              </a:spcAft>
+            </a:pPr>
+            <a:r>
+              <a:rPr lang="en-US" sz="1800">
                 <a:effectLst/>
                 <a:latin typeface="Calibri" panose="020F0502020204030204" pitchFamily="34" charset="0"/>
                 <a:ea typeface="Calibri" panose="020F0502020204030204" pitchFamily="34" charset="0"/>
@@ -4518,7 +7581,7 @@
               <a:t>The data we used has been published in an </a:t>
             </a:r>
             <a:r>
-              <a:rPr lang="en-US" sz="1800" u="sng" dirty="0">
+              <a:rPr lang="en-US" sz="1800" u="sng">
                 <a:solidFill>
                   <a:srgbClr val="0563C1"/>
                 </a:solidFill>
@@ -4531,348 +7594,125 @@
               <a:t>article</a:t>
             </a:r>
             <a:r>
-              <a:rPr lang="en-US" sz="1800" dirty="0">
+              <a:rPr lang="en-US" sz="1800">
                 <a:effectLst/>
                 <a:latin typeface="Calibri" panose="020F0502020204030204" pitchFamily="34" charset="0"/>
                 <a:ea typeface="Calibri" panose="020F0502020204030204" pitchFamily="34" charset="0"/>
                 <a:cs typeface="Arial" panose="020B0604020202020204" pitchFamily="34" charset="0"/>
               </a:rPr>
-              <a:t> from Berkeley University</a:t>
-            </a:r>
-            <a:endParaRPr lang="en-US" dirty="0"/>
-          </a:p>
-        </p:txBody>
-      </p:sp>
-      <mc:AlternateContent xmlns:mc="http://schemas.openxmlformats.org/markup-compatibility/2006">
-        <mc:Choice xmlns:a14="http://schemas.microsoft.com/office/drawing/2010/main" Requires="a14">
-          <p:sp>
-            <p:nvSpPr>
-              <p:cNvPr id="14" name="TextBox 13">
-                <a:extLst>
-                  <a:ext uri="{FF2B5EF4-FFF2-40B4-BE49-F238E27FC236}">
-                    <a16:creationId xmlns:a16="http://schemas.microsoft.com/office/drawing/2014/main" id="{74D90A48-E8E5-7274-E2CE-A8EFAE93E132}"/>
-                  </a:ext>
-                </a:extLst>
-              </p:cNvPr>
-              <p:cNvSpPr txBox="1"/>
-              <p:nvPr/>
-            </p:nvSpPr>
-            <p:spPr>
-              <a:xfrm>
-                <a:off x="656492" y="2228844"/>
-                <a:ext cx="9648093" cy="3966279"/>
-              </a:xfrm>
-              <a:prstGeom prst="rect">
-                <a:avLst/>
-              </a:prstGeom>
-              <a:noFill/>
-            </p:spPr>
-            <p:txBody>
-              <a:bodyPr wrap="square">
-                <a:spAutoFit/>
-              </a:bodyPr>
-              <a:lstStyle/>
-              <a:p>
-                <a:pPr marL="0" marR="0" algn="l" rtl="0">
-                  <a:lnSpc>
-                    <a:spcPct val="150000"/>
-                  </a:lnSpc>
-                  <a:spcBef>
-                    <a:spcPts val="0"/>
-                  </a:spcBef>
-                  <a:spcAft>
-                    <a:spcPts val="800"/>
-                  </a:spcAft>
-                </a:pPr>
-                <a:r>
-                  <a:rPr lang="en-US" sz="1800" dirty="0">
-                    <a:effectLst/>
-                    <a:latin typeface="Calibri" panose="020F0502020204030204" pitchFamily="34" charset="0"/>
-                    <a:ea typeface="Calibri" panose="020F0502020204030204" pitchFamily="34" charset="0"/>
-                    <a:cs typeface="Arial" panose="020B0604020202020204" pitchFamily="34" charset="0"/>
-                  </a:rPr>
-                  <a:t>The way the data was collected – 7912 different annotators rated the data:</a:t>
-                </a:r>
-              </a:p>
-              <a:p>
-                <a:pPr marL="342900" marR="497205" lvl="0" indent="-342900" algn="l" rtl="0">
-                  <a:lnSpc>
-                    <a:spcPct val="150000"/>
-                  </a:lnSpc>
-                  <a:spcBef>
-                    <a:spcPts val="0"/>
-                  </a:spcBef>
-                  <a:spcAft>
-                    <a:spcPts val="800"/>
-                  </a:spcAft>
-                  <a:buFont typeface="Symbol" panose="05050102010706020507" pitchFamily="18" charset="2"/>
-                  <a:buChar char=""/>
-                </a:pPr>
-                <a:r>
-                  <a:rPr lang="en-US" sz="1800" dirty="0">
-                    <a:effectLst/>
-                    <a:latin typeface="Calibri" panose="020F0502020204030204" pitchFamily="34" charset="0"/>
-                    <a:ea typeface="Calibri" panose="020F0502020204030204" pitchFamily="34" charset="0"/>
-                    <a:cs typeface="Arial" panose="020B0604020202020204" pitchFamily="34" charset="0"/>
-                  </a:rPr>
-                  <a:t>Identities of the target group – such as race, religion, gender, sexual orientation, etc.…</a:t>
-                </a:r>
-              </a:p>
-              <a:p>
-                <a:pPr marL="342900" marR="497205" lvl="0" indent="-342900" algn="l" rtl="0">
-                  <a:lnSpc>
-                    <a:spcPct val="150000"/>
-                  </a:lnSpc>
-                  <a:spcBef>
-                    <a:spcPts val="0"/>
-                  </a:spcBef>
-                  <a:spcAft>
-                    <a:spcPts val="800"/>
-                  </a:spcAft>
-                  <a:buFont typeface="Symbol" panose="05050102010706020507" pitchFamily="18" charset="2"/>
-                  <a:buChar char=""/>
-                </a:pPr>
-                <a:r>
-                  <a:rPr lang="en-US" sz="1800" dirty="0">
-                    <a:effectLst/>
-                    <a:latin typeface="Calibri" panose="020F0502020204030204" pitchFamily="34" charset="0"/>
-                    <a:ea typeface="Calibri" panose="020F0502020204030204" pitchFamily="34" charset="0"/>
-                    <a:cs typeface="Arial" panose="020B0604020202020204" pitchFamily="34" charset="0"/>
-                  </a:rPr>
-                  <a:t>Whether the comment is Hate-Speech – </a:t>
-                </a:r>
-                <a14:m>
-                  <m:oMath xmlns:m="http://schemas.openxmlformats.org/officeDocument/2006/math">
-                    <m:d>
-                      <m:dPr>
-                        <m:begChr m:val="{"/>
-                        <m:endChr m:val=""/>
-                        <m:ctrlPr>
-                          <a:rPr lang="en-US" sz="1800" i="1" smtClean="0">
-                            <a:effectLst/>
-                            <a:latin typeface="Cambria Math" panose="02040503050406030204" pitchFamily="18" charset="0"/>
-                            <a:cs typeface="Arial" panose="020B0604020202020204" pitchFamily="34" charset="0"/>
-                          </a:rPr>
-                        </m:ctrlPr>
-                      </m:dPr>
-                      <m:e>
-                        <m:eqArr>
-                          <m:eqArrPr>
-                            <m:ctrlPr>
-                              <a:rPr lang="en-US" sz="1800" i="1" smtClean="0">
-                                <a:effectLst/>
-                                <a:latin typeface="Cambria Math" panose="02040503050406030204" pitchFamily="18" charset="0"/>
-                                <a:cs typeface="Arial" panose="020B0604020202020204" pitchFamily="34" charset="0"/>
-                              </a:rPr>
-                            </m:ctrlPr>
-                          </m:eqArrPr>
-                          <m:e>
-                            <m:r>
-                              <a:rPr lang="en-US" sz="1800" b="0" i="1" smtClean="0">
-                                <a:effectLst/>
-                                <a:latin typeface="Cambria Math" panose="02040503050406030204" pitchFamily="18" charset="0"/>
-                                <a:cs typeface="Arial" panose="020B0604020202020204" pitchFamily="34" charset="0"/>
-                              </a:rPr>
-                              <m:t>0</m:t>
-                            </m:r>
-                            <m:r>
-                              <a:rPr lang="en-US" sz="1800" b="0" i="1" smtClean="0">
-                                <a:effectLst/>
-                                <a:latin typeface="Cambria Math" panose="02040503050406030204" pitchFamily="18" charset="0"/>
-                                <a:cs typeface="Arial" panose="020B0604020202020204" pitchFamily="34" charset="0"/>
-                              </a:rPr>
-                              <m:t>,                </m:t>
-                            </m:r>
-                            <m:r>
-                              <a:rPr lang="en-US" sz="1800" b="0" i="1" smtClean="0">
-                                <a:effectLst/>
-                                <a:latin typeface="Cambria Math" panose="02040503050406030204" pitchFamily="18" charset="0"/>
-                                <a:cs typeface="Arial" panose="020B0604020202020204" pitchFamily="34" charset="0"/>
-                              </a:rPr>
-                              <m:t>𝑛𝑜</m:t>
-                            </m:r>
-                          </m:e>
-                          <m:e>
-                            <m:r>
-                              <a:rPr lang="en-US" sz="1800" b="0" i="1" smtClean="0">
-                                <a:effectLst/>
-                                <a:latin typeface="Cambria Math" panose="02040503050406030204" pitchFamily="18" charset="0"/>
-                                <a:cs typeface="Arial" panose="020B0604020202020204" pitchFamily="34" charset="0"/>
-                              </a:rPr>
-                              <m:t>1</m:t>
-                            </m:r>
-                            <m:r>
-                              <a:rPr lang="en-US" sz="1800" b="0" i="1" smtClean="0">
-                                <a:effectLst/>
-                                <a:latin typeface="Cambria Math" panose="02040503050406030204" pitchFamily="18" charset="0"/>
-                                <a:cs typeface="Arial" panose="020B0604020202020204" pitchFamily="34" charset="0"/>
-                              </a:rPr>
-                              <m:t>,     </m:t>
-                            </m:r>
-                            <m:r>
-                              <a:rPr lang="en-US" sz="1800" b="0" i="1" smtClean="0">
-                                <a:effectLst/>
-                                <a:latin typeface="Cambria Math" panose="02040503050406030204" pitchFamily="18" charset="0"/>
-                                <a:cs typeface="Arial" panose="020B0604020202020204" pitchFamily="34" charset="0"/>
-                              </a:rPr>
-                              <m:t>𝑢𝑛𝑐𝑙𝑒𝑎𝑟</m:t>
-                            </m:r>
-                          </m:e>
-                          <m:e>
-                            <m:r>
-                              <a:rPr lang="en-US" sz="1800" b="0" i="1" smtClean="0">
-                                <a:effectLst/>
-                                <a:latin typeface="Cambria Math" panose="02040503050406030204" pitchFamily="18" charset="0"/>
-                                <a:cs typeface="Arial" panose="020B0604020202020204" pitchFamily="34" charset="0"/>
-                              </a:rPr>
-                              <m:t>2</m:t>
-                            </m:r>
-                            <m:r>
-                              <a:rPr lang="en-US" sz="1800" b="0" i="1" smtClean="0">
-                                <a:effectLst/>
-                                <a:latin typeface="Cambria Math" panose="02040503050406030204" pitchFamily="18" charset="0"/>
-                                <a:cs typeface="Arial" panose="020B0604020202020204" pitchFamily="34" charset="0"/>
-                              </a:rPr>
-                              <m:t>,              </m:t>
-                            </m:r>
-                            <m:r>
-                              <a:rPr lang="en-US" sz="1800" b="0" i="1" smtClean="0">
-                                <a:effectLst/>
-                                <a:latin typeface="Cambria Math" panose="02040503050406030204" pitchFamily="18" charset="0"/>
-                                <a:cs typeface="Arial" panose="020B0604020202020204" pitchFamily="34" charset="0"/>
-                              </a:rPr>
-                              <m:t>𝑦𝑒𝑠</m:t>
-                            </m:r>
-                          </m:e>
-                        </m:eqArr>
-                      </m:e>
-                    </m:d>
-                  </m:oMath>
-                </a14:m>
-                <a:endParaRPr lang="en-US" sz="1800" dirty="0">
-                  <a:effectLst/>
-                  <a:latin typeface="Calibri" panose="020F0502020204030204" pitchFamily="34" charset="0"/>
-                  <a:ea typeface="Calibri" panose="020F0502020204030204" pitchFamily="34" charset="0"/>
-                  <a:cs typeface="Arial" panose="020B0604020202020204" pitchFamily="34" charset="0"/>
-                </a:endParaRPr>
-              </a:p>
-              <a:p>
-                <a:pPr marL="0" marR="0" algn="l" rtl="0">
-                  <a:lnSpc>
-                    <a:spcPct val="150000"/>
-                  </a:lnSpc>
-                  <a:spcBef>
-                    <a:spcPts val="0"/>
-                  </a:spcBef>
-                  <a:spcAft>
-                    <a:spcPts val="800"/>
-                  </a:spcAft>
-                </a:pPr>
-                <a:r>
-                  <a:rPr lang="en-US" sz="1800" dirty="0">
-                    <a:effectLst/>
-                    <a:latin typeface="Calibri" panose="020F0502020204030204" pitchFamily="34" charset="0"/>
-                    <a:ea typeface="Calibri" panose="020F0502020204030204" pitchFamily="34" charset="0"/>
-                    <a:cs typeface="Arial" panose="020B0604020202020204" pitchFamily="34" charset="0"/>
-                  </a:rPr>
-                  <a:t>When finished annotating, the rater was asked to fill in the flowing information about himself:</a:t>
-                </a:r>
-              </a:p>
-              <a:p>
-                <a:pPr marL="342900" marR="0" lvl="0" indent="-342900" algn="l" rtl="0">
-                  <a:lnSpc>
-                    <a:spcPct val="150000"/>
-                  </a:lnSpc>
-                  <a:spcBef>
-                    <a:spcPts val="0"/>
-                  </a:spcBef>
-                  <a:spcAft>
-                    <a:spcPts val="800"/>
-                  </a:spcAft>
-                  <a:buFont typeface="Symbol" panose="05050102010706020507" pitchFamily="18" charset="2"/>
-                  <a:buChar char=""/>
-                </a:pPr>
-                <a:r>
-                  <a:rPr lang="en-US" sz="1800" dirty="0">
-                    <a:effectLst/>
-                    <a:latin typeface="Calibri" panose="020F0502020204030204" pitchFamily="34" charset="0"/>
-                    <a:ea typeface="Calibri" panose="020F0502020204030204" pitchFamily="34" charset="0"/>
-                    <a:cs typeface="Arial" panose="020B0604020202020204" pitchFamily="34" charset="0"/>
-                  </a:rPr>
-                  <a:t>Yearly income, Gender, Political ideology, Race, Religion, Education, and Sexuality.</a:t>
-                </a:r>
-              </a:p>
-              <a:p>
-                <a:pPr marR="497205" lvl="0" algn="l" rtl="0">
-                  <a:lnSpc>
-                    <a:spcPct val="150000"/>
-                  </a:lnSpc>
-                  <a:spcBef>
-                    <a:spcPts val="0"/>
-                  </a:spcBef>
-                  <a:spcAft>
-                    <a:spcPts val="800"/>
-                  </a:spcAft>
-                </a:pPr>
-                <a:endParaRPr lang="en-US" sz="1800" dirty="0">
-                  <a:effectLst/>
-                  <a:latin typeface="Calibri" panose="020F0502020204030204" pitchFamily="34" charset="0"/>
-                  <a:ea typeface="Calibri" panose="020F0502020204030204" pitchFamily="34" charset="0"/>
-                  <a:cs typeface="Arial" panose="020B0604020202020204" pitchFamily="34" charset="0"/>
-                </a:endParaRPr>
-              </a:p>
-            </p:txBody>
-          </p:sp>
-        </mc:Choice>
-        <mc:Fallback>
-          <p:sp>
-            <p:nvSpPr>
-              <p:cNvPr id="14" name="TextBox 13">
-                <a:extLst>
-                  <a:ext uri="{FF2B5EF4-FFF2-40B4-BE49-F238E27FC236}">
-                    <a16:creationId xmlns:a16="http://schemas.microsoft.com/office/drawing/2014/main" id="{74D90A48-E8E5-7274-E2CE-A8EFAE93E132}"/>
-                  </a:ext>
-                </a:extLst>
-              </p:cNvPr>
-              <p:cNvSpPr txBox="1">
-                <a:spLocks noRot="1" noChangeAspect="1" noMove="1" noResize="1" noEditPoints="1" noAdjustHandles="1" noChangeArrowheads="1" noChangeShapeType="1" noTextEdit="1"/>
-              </p:cNvSpPr>
-              <p:nvPr/>
-            </p:nvSpPr>
-            <p:spPr>
-              <a:xfrm>
-                <a:off x="656492" y="2228844"/>
-                <a:ext cx="9648093" cy="3966279"/>
-              </a:xfrm>
-              <a:prstGeom prst="rect">
-                <a:avLst/>
-              </a:prstGeom>
-              <a:blipFill>
-                <a:blip r:embed="rId4"/>
-                <a:stretch>
-                  <a:fillRect l="-569"/>
-                </a:stretch>
-              </a:blipFill>
-            </p:spPr>
-            <p:txBody>
-              <a:bodyPr/>
-              <a:lstStyle/>
-              <a:p>
-                <a:r>
-                  <a:rPr lang="en-US">
-                    <a:noFill/>
-                  </a:rPr>
-                  <a:t> </a:t>
-                </a:r>
-              </a:p>
-            </p:txBody>
-          </p:sp>
-        </mc:Fallback>
-      </mc:AlternateContent>
+              <a:t> from Berkeley University.</a:t>
+            </a:r>
+            <a:br>
+              <a:rPr lang="en-US" sz="1800">
+                <a:effectLst/>
+                <a:latin typeface="Calibri" panose="020F0502020204030204" pitchFamily="34" charset="0"/>
+                <a:ea typeface="Calibri" panose="020F0502020204030204" pitchFamily="34" charset="0"/>
+                <a:cs typeface="Arial" panose="020B0604020202020204" pitchFamily="34" charset="0"/>
+              </a:rPr>
+            </a:br>
+            <a:endParaRPr lang="en-US" sz="1800">
+              <a:effectLst/>
+              <a:latin typeface="Calibri" panose="020F0502020204030204" pitchFamily="34" charset="0"/>
+              <a:ea typeface="Calibri" panose="020F0502020204030204" pitchFamily="34" charset="0"/>
+              <a:cs typeface="Arial" panose="020B0604020202020204" pitchFamily="34" charset="0"/>
+            </a:endParaRPr>
+          </a:p>
+          <a:p>
+            <a:pPr marL="285750" marR="0" indent="-285750" algn="l" rtl="0">
+              <a:lnSpc>
+                <a:spcPct val="150000"/>
+              </a:lnSpc>
+              <a:spcBef>
+                <a:spcPts val="0"/>
+              </a:spcBef>
+              <a:spcAft>
+                <a:spcPts val="800"/>
+              </a:spcAft>
+              <a:buFont typeface="Arial" panose="020B0604020202020204" pitchFamily="34" charset="0"/>
+              <a:buChar char="•"/>
+            </a:pPr>
+            <a:r>
+              <a:rPr lang="en-US" sz="1800">
+                <a:effectLst/>
+                <a:latin typeface="Calibri" panose="020F0502020204030204" pitchFamily="34" charset="0"/>
+                <a:ea typeface="Calibri" panose="020F0502020204030204" pitchFamily="34" charset="0"/>
+                <a:cs typeface="Arial" panose="020B0604020202020204" pitchFamily="34" charset="0"/>
+              </a:rPr>
+              <a:t>The original data contain 131 variables. </a:t>
+            </a:r>
+            <a:r>
+              <a:rPr lang="en-US">
+                <a:latin typeface="Calibri" panose="020F0502020204030204" pitchFamily="34" charset="0"/>
+                <a:ea typeface="Calibri" panose="020F0502020204030204" pitchFamily="34" charset="0"/>
+                <a:cs typeface="Arial" panose="020B0604020202020204" pitchFamily="34" charset="0"/>
+              </a:rPr>
+              <a:t>W</a:t>
+            </a:r>
+            <a:r>
+              <a:rPr lang="en-US" sz="1800">
+                <a:effectLst/>
+                <a:latin typeface="Calibri" panose="020F0502020204030204" pitchFamily="34" charset="0"/>
+                <a:ea typeface="Calibri" panose="020F0502020204030204" pitchFamily="34" charset="0"/>
+                <a:cs typeface="Arial" panose="020B0604020202020204" pitchFamily="34" charset="0"/>
+              </a:rPr>
+              <a:t>e focused on variables that were filled by the annotators. </a:t>
+            </a:r>
+          </a:p>
+          <a:p>
+            <a:pPr marL="285750" marR="0" indent="-285750" algn="l" rtl="0">
+              <a:lnSpc>
+                <a:spcPct val="150000"/>
+              </a:lnSpc>
+              <a:spcBef>
+                <a:spcPts val="0"/>
+              </a:spcBef>
+              <a:spcAft>
+                <a:spcPts val="800"/>
+              </a:spcAft>
+              <a:buFont typeface="Arial" panose="020B0604020202020204" pitchFamily="34" charset="0"/>
+              <a:buChar char="•"/>
+            </a:pPr>
+            <a:r>
+              <a:rPr lang="en-US" sz="1800">
+                <a:effectLst/>
+                <a:latin typeface="Calibri" panose="020F0502020204030204" pitchFamily="34" charset="0"/>
+                <a:ea typeface="Calibri" panose="020F0502020204030204" pitchFamily="34" charset="0"/>
+                <a:cs typeface="Arial" panose="020B0604020202020204" pitchFamily="34" charset="0"/>
+              </a:rPr>
+              <a:t>7912 different annotators were given posts to rate.</a:t>
+            </a:r>
+          </a:p>
+          <a:p>
+            <a:pPr marL="285750" marR="0" indent="-285750" algn="l" rtl="0">
+              <a:lnSpc>
+                <a:spcPct val="150000"/>
+              </a:lnSpc>
+              <a:spcBef>
+                <a:spcPts val="0"/>
+              </a:spcBef>
+              <a:spcAft>
+                <a:spcPts val="800"/>
+              </a:spcAft>
+              <a:buFont typeface="Arial" panose="020B0604020202020204" pitchFamily="34" charset="0"/>
+              <a:buChar char="•"/>
+            </a:pPr>
+            <a:r>
+              <a:rPr lang="en-US" sz="1800" b="1">
+                <a:effectLst/>
+                <a:latin typeface="Calibri" panose="020F0502020204030204" pitchFamily="34" charset="0"/>
+                <a:ea typeface="Calibri" panose="020F0502020204030204" pitchFamily="34" charset="0"/>
+                <a:cs typeface="Arial" panose="020B0604020202020204" pitchFamily="34" charset="0"/>
+              </a:rPr>
+              <a:t>In total our data contains 135,556 records</a:t>
+            </a:r>
+            <a:endParaRPr lang="en-US" b="1" dirty="0"/>
+          </a:p>
+        </p:txBody>
+      </p:sp>
     </p:spTree>
     <p:extLst>
       <p:ext uri="{BB962C8B-B14F-4D97-AF65-F5344CB8AC3E}">
-        <p14:creationId xmlns:p14="http://schemas.microsoft.com/office/powerpoint/2010/main" val="322074513"/>
+        <p14:creationId xmlns:p14="http://schemas.microsoft.com/office/powerpoint/2010/main" val="1744014863"/>
       </p:ext>
     </p:extLst>
   </p:cSld>
@@ -4899,42 +7739,57 @@
           <a:chExt cx="0" cy="0"/>
         </a:xfrm>
       </p:grpSpPr>
-      <p:pic>
-        <p:nvPicPr>
-          <p:cNvPr id="4" name="Picture 3">
+      <p:sp>
+        <p:nvSpPr>
+          <p:cNvPr id="4" name="TextBox 3">
             <a:extLst>
               <a:ext uri="{FF2B5EF4-FFF2-40B4-BE49-F238E27FC236}">
-                <a16:creationId xmlns:a16="http://schemas.microsoft.com/office/drawing/2014/main" id="{11DC98BA-4956-9814-A0E4-75A0DBB3DDA3}"/>
+                <a16:creationId xmlns:a16="http://schemas.microsoft.com/office/drawing/2014/main" id="{308C976E-B9D4-48AB-E8B2-6E2235082ECC}"/>
               </a:ext>
             </a:extLst>
           </p:cNvPr>
-          <p:cNvPicPr>
-            <a:picLocks noChangeAspect="1"/>
-          </p:cNvPicPr>
+          <p:cNvSpPr txBox="1"/>
           <p:nvPr/>
-        </p:nvPicPr>
-        <p:blipFill>
-          <a:blip r:embed="rId2"/>
-          <a:stretch>
-            <a:fillRect/>
-          </a:stretch>
-        </p:blipFill>
+        </p:nvSpPr>
         <p:spPr>
           <a:xfrm>
-            <a:off x="117014" y="4103077"/>
-            <a:ext cx="3485518" cy="2151062"/>
+            <a:off x="3398724" y="674199"/>
+            <a:ext cx="5394552" cy="753283"/>
           </a:xfrm>
           <a:prstGeom prst="rect">
             <a:avLst/>
           </a:prstGeom>
+          <a:noFill/>
         </p:spPr>
-      </p:pic>
+        <p:txBody>
+          <a:bodyPr wrap="square" rtlCol="0">
+            <a:spAutoFit/>
+          </a:bodyPr>
+          <a:lstStyle/>
+          <a:p>
+            <a:pPr algn="ctr">
+              <a:lnSpc>
+                <a:spcPct val="150000"/>
+              </a:lnSpc>
+            </a:pPr>
+            <a:r>
+              <a:rPr lang="en-US" sz="3200" b="1">
+                <a:latin typeface="Merriweather" panose="00000500000000000000" pitchFamily="2" charset="0"/>
+              </a:rPr>
+              <a:t>Data Overview</a:t>
+            </a:r>
+            <a:endParaRPr lang="en-US" sz="3200" b="1" dirty="0">
+              <a:latin typeface="Merriweather" panose="00000500000000000000" pitchFamily="2" charset="0"/>
+            </a:endParaRPr>
+          </a:p>
+        </p:txBody>
+      </p:sp>
       <p:pic>
         <p:nvPicPr>
-          <p:cNvPr id="5" name="Picture 4">
+          <p:cNvPr id="2" name="Picture 1">
             <a:extLst>
               <a:ext uri="{FF2B5EF4-FFF2-40B4-BE49-F238E27FC236}">
-                <a16:creationId xmlns:a16="http://schemas.microsoft.com/office/drawing/2014/main" id="{73670E50-6BEF-63FE-183E-BF947F03AF43}"/>
+                <a16:creationId xmlns:a16="http://schemas.microsoft.com/office/drawing/2014/main" id="{308A541F-781F-86C1-E546-071606B967B9}"/>
               </a:ext>
             </a:extLst>
           </p:cNvPr>
@@ -4951,20 +7806,95 @@
         </p:blipFill>
         <p:spPr>
           <a:xfrm>
-            <a:off x="4165564" y="4103077"/>
-            <a:ext cx="3485517" cy="2151062"/>
+            <a:off x="2461846" y="1844741"/>
+            <a:ext cx="7033846" cy="4339060"/>
           </a:xfrm>
           <a:prstGeom prst="rect">
             <a:avLst/>
           </a:prstGeom>
         </p:spPr>
       </p:pic>
+    </p:spTree>
+    <p:extLst>
+      <p:ext uri="{BB962C8B-B14F-4D97-AF65-F5344CB8AC3E}">
+        <p14:creationId xmlns:p14="http://schemas.microsoft.com/office/powerpoint/2010/main" val="322074513"/>
+      </p:ext>
+    </p:extLst>
+  </p:cSld>
+  <p:clrMapOvr>
+    <a:masterClrMapping/>
+  </p:clrMapOvr>
+</p:sld>
+</file>
+
+<file path=ppt/slides/slide5.xml><?xml version="1.0" encoding="utf-8"?>
+<p:sld xmlns:a="http://schemas.openxmlformats.org/drawingml/2006/main" xmlns:r="http://schemas.openxmlformats.org/officeDocument/2006/relationships" xmlns:p="http://schemas.openxmlformats.org/presentationml/2006/main">
+  <p:cSld>
+    <p:spTree>
+      <p:nvGrpSpPr>
+        <p:cNvPr id="1" name=""/>
+        <p:cNvGrpSpPr/>
+        <p:nvPr/>
+      </p:nvGrpSpPr>
+      <p:grpSpPr>
+        <a:xfrm>
+          <a:off x="0" y="0"/>
+          <a:ext cx="0" cy="0"/>
+          <a:chOff x="0" y="0"/>
+          <a:chExt cx="0" cy="0"/>
+        </a:xfrm>
+      </p:grpSpPr>
+      <p:sp>
+        <p:nvSpPr>
+          <p:cNvPr id="4" name="TextBox 3">
+            <a:extLst>
+              <a:ext uri="{FF2B5EF4-FFF2-40B4-BE49-F238E27FC236}">
+                <a16:creationId xmlns:a16="http://schemas.microsoft.com/office/drawing/2014/main" id="{308C976E-B9D4-48AB-E8B2-6E2235082ECC}"/>
+              </a:ext>
+            </a:extLst>
+          </p:cNvPr>
+          <p:cNvSpPr txBox="1"/>
+          <p:nvPr/>
+        </p:nvSpPr>
+        <p:spPr>
+          <a:xfrm>
+            <a:off x="3398724" y="674199"/>
+            <a:ext cx="5394552" cy="753283"/>
+          </a:xfrm>
+          <a:prstGeom prst="rect">
+            <a:avLst/>
+          </a:prstGeom>
+          <a:noFill/>
+        </p:spPr>
+        <p:txBody>
+          <a:bodyPr wrap="square" rtlCol="0">
+            <a:spAutoFit/>
+          </a:bodyPr>
+          <a:lstStyle/>
+          <a:p>
+            <a:pPr algn="ctr">
+              <a:lnSpc>
+                <a:spcPct val="150000"/>
+              </a:lnSpc>
+            </a:pPr>
+            <a:r>
+              <a:rPr lang="en-US" sz="3200" b="1">
+                <a:latin typeface="Merriweather" panose="00000500000000000000" pitchFamily="2" charset="0"/>
+              </a:rPr>
+              <a:t>Data Overview</a:t>
+            </a:r>
+            <a:endParaRPr lang="en-US" sz="3200" b="1" dirty="0">
+              <a:latin typeface="Merriweather" panose="00000500000000000000" pitchFamily="2" charset="0"/>
+            </a:endParaRPr>
+          </a:p>
+        </p:txBody>
+      </p:sp>
       <p:pic>
         <p:nvPicPr>
-          <p:cNvPr id="6" name="Picture 5">
+          <p:cNvPr id="3" name="Picture 2">
             <a:extLst>
               <a:ext uri="{FF2B5EF4-FFF2-40B4-BE49-F238E27FC236}">
-                <a16:creationId xmlns:a16="http://schemas.microsoft.com/office/drawing/2014/main" id="{037E1A18-4357-88EB-00A7-9EFD307AC689}"/>
+                <a16:creationId xmlns:a16="http://schemas.microsoft.com/office/drawing/2014/main" id="{5291450E-E667-12A0-F449-AAC6124BF4CA}"/>
               </a:ext>
             </a:extLst>
           </p:cNvPr>
@@ -4974,56 +7904,51 @@
           <p:nvPr/>
         </p:nvPicPr>
         <p:blipFill>
-          <a:blip r:embed="rId4"/>
+          <a:blip r:embed="rId3"/>
           <a:stretch>
             <a:fillRect/>
           </a:stretch>
         </p:blipFill>
         <p:spPr>
           <a:xfrm>
-            <a:off x="8214114" y="4103077"/>
-            <a:ext cx="3485517" cy="2151062"/>
+            <a:off x="2429333" y="1870480"/>
+            <a:ext cx="7333333" cy="4523809"/>
           </a:xfrm>
           <a:prstGeom prst="rect">
             <a:avLst/>
           </a:prstGeom>
         </p:spPr>
       </p:pic>
-      <p:sp>
-        <p:nvSpPr>
-          <p:cNvPr id="7" name="TextBox 6">
-            <a:extLst>
-              <a:ext uri="{FF2B5EF4-FFF2-40B4-BE49-F238E27FC236}">
-                <a16:creationId xmlns:a16="http://schemas.microsoft.com/office/drawing/2014/main" id="{3F1E5B7A-6958-1A88-D9E8-3A20BB4C2328}"/>
-              </a:ext>
-            </a:extLst>
-          </p:cNvPr>
-          <p:cNvSpPr txBox="1"/>
-          <p:nvPr/>
-        </p:nvSpPr>
-        <p:spPr>
-          <a:xfrm>
-            <a:off x="773506" y="3429000"/>
-            <a:ext cx="11113693" cy="369332"/>
-          </a:xfrm>
-          <a:prstGeom prst="rect">
-            <a:avLst/>
-          </a:prstGeom>
-          <a:noFill/>
-        </p:spPr>
-        <p:txBody>
-          <a:bodyPr wrap="square" rtlCol="0">
-            <a:spAutoFit/>
-          </a:bodyPr>
-          <a:lstStyle/>
-          <a:p>
-            <a:r>
-              <a:rPr lang="en-US" dirty="0"/>
-              <a:t>The Models were fitted with the same features, but The significance coefficients  addressed different targets groups</a:t>
-            </a:r>
-          </a:p>
-        </p:txBody>
-      </p:sp>
+    </p:spTree>
+    <p:extLst>
+      <p:ext uri="{BB962C8B-B14F-4D97-AF65-F5344CB8AC3E}">
+        <p14:creationId xmlns:p14="http://schemas.microsoft.com/office/powerpoint/2010/main" val="1903367353"/>
+      </p:ext>
+    </p:extLst>
+  </p:cSld>
+  <p:clrMapOvr>
+    <a:masterClrMapping/>
+  </p:clrMapOvr>
+</p:sld>
+</file>
+
+<file path=ppt/slides/slide6.xml><?xml version="1.0" encoding="utf-8"?>
+<p:sld xmlns:a="http://schemas.openxmlformats.org/drawingml/2006/main" xmlns:r="http://schemas.openxmlformats.org/officeDocument/2006/relationships" xmlns:p="http://schemas.openxmlformats.org/presentationml/2006/main">
+  <p:cSld>
+    <p:spTree>
+      <p:nvGrpSpPr>
+        <p:cNvPr id="1" name=""/>
+        <p:cNvGrpSpPr/>
+        <p:nvPr/>
+      </p:nvGrpSpPr>
+      <p:grpSpPr>
+        <a:xfrm>
+          <a:off x="0" y="0"/>
+          <a:ext cx="0" cy="0"/>
+          <a:chOff x="0" y="0"/>
+          <a:chExt cx="0" cy="0"/>
+        </a:xfrm>
+      </p:grpSpPr>
       <p:sp>
         <p:nvSpPr>
           <p:cNvPr id="12" name="TextBox 11">
@@ -5038,8 +7963,8 @@
         </p:nvSpPr>
         <p:spPr>
           <a:xfrm>
-            <a:off x="4693961" y="925343"/>
-            <a:ext cx="2428722" cy="769441"/>
+            <a:off x="2990615" y="837243"/>
+            <a:ext cx="5394552" cy="753283"/>
           </a:xfrm>
           <a:prstGeom prst="rect">
             <a:avLst/>
@@ -5052,20 +7977,84 @@
           </a:bodyPr>
           <a:lstStyle/>
           <a:p>
-            <a:r>
-              <a:rPr lang="en-US" sz="4400" dirty="0"/>
-              <a:t>Findings</a:t>
-            </a:r>
-            <a:endParaRPr lang="en-US" dirty="0"/>
-          </a:p>
-        </p:txBody>
-      </p:sp>
-      <p:sp>
-        <p:nvSpPr>
-          <p:cNvPr id="13" name="TextBox 12">
+            <a:pPr algn="ctr">
+              <a:lnSpc>
+                <a:spcPct val="150000"/>
+              </a:lnSpc>
+            </a:pPr>
+            <a:r>
+              <a:rPr lang="en-US" sz="3200" b="1" dirty="0">
+                <a:latin typeface="Merriweather" panose="00000500000000000000" pitchFamily="2" charset="0"/>
+              </a:rPr>
+              <a:t>Workflow &amp; Methods</a:t>
+            </a:r>
+          </a:p>
+        </p:txBody>
+      </p:sp>
+      <p:graphicFrame>
+        <p:nvGraphicFramePr>
+          <p:cNvPr id="8" name="Diagram 7">
             <a:extLst>
               <a:ext uri="{FF2B5EF4-FFF2-40B4-BE49-F238E27FC236}">
-                <a16:creationId xmlns:a16="http://schemas.microsoft.com/office/drawing/2014/main" id="{AD19E377-C9D4-3FC8-28CF-27ECB3F0B9E4}"/>
+                <a16:creationId xmlns:a16="http://schemas.microsoft.com/office/drawing/2014/main" id="{3B710B3C-FA0B-8216-854A-293F7DBA2D78}"/>
+              </a:ext>
+            </a:extLst>
+          </p:cNvPr>
+          <p:cNvGraphicFramePr/>
+          <p:nvPr>
+            <p:extLst>
+              <p:ext uri="{D42A27DB-BD31-4B8C-83A1-F6EECF244321}">
+                <p14:modId xmlns:p14="http://schemas.microsoft.com/office/powerpoint/2010/main" val="3940473903"/>
+              </p:ext>
+            </p:extLst>
+          </p:nvPr>
+        </p:nvGraphicFramePr>
+        <p:xfrm>
+          <a:off x="1320726" y="2178701"/>
+          <a:ext cx="9276934" cy="2500598"/>
+        </p:xfrm>
+        <a:graphic>
+          <a:graphicData uri="http://schemas.openxmlformats.org/drawingml/2006/diagram">
+            <dgm:relIds xmlns:dgm="http://schemas.openxmlformats.org/drawingml/2006/diagram" xmlns:r="http://schemas.openxmlformats.org/officeDocument/2006/relationships" r:dm="rId3" r:lo="rId4" r:qs="rId5" r:cs="rId6"/>
+          </a:graphicData>
+        </a:graphic>
+      </p:graphicFrame>
+    </p:spTree>
+    <p:extLst>
+      <p:ext uri="{BB962C8B-B14F-4D97-AF65-F5344CB8AC3E}">
+        <p14:creationId xmlns:p14="http://schemas.microsoft.com/office/powerpoint/2010/main" val="4086741736"/>
+      </p:ext>
+    </p:extLst>
+  </p:cSld>
+  <p:clrMapOvr>
+    <a:masterClrMapping/>
+  </p:clrMapOvr>
+</p:sld>
+</file>
+
+<file path=ppt/slides/slide7.xml><?xml version="1.0" encoding="utf-8"?>
+<p:sld xmlns:a="http://schemas.openxmlformats.org/drawingml/2006/main" xmlns:r="http://schemas.openxmlformats.org/officeDocument/2006/relationships" xmlns:p="http://schemas.openxmlformats.org/presentationml/2006/main">
+  <p:cSld>
+    <p:spTree>
+      <p:nvGrpSpPr>
+        <p:cNvPr id="1" name=""/>
+        <p:cNvGrpSpPr/>
+        <p:nvPr/>
+      </p:nvGrpSpPr>
+      <p:grpSpPr>
+        <a:xfrm>
+          <a:off x="0" y="0"/>
+          <a:ext cx="0" cy="0"/>
+          <a:chOff x="0" y="0"/>
+          <a:chExt cx="0" cy="0"/>
+        </a:xfrm>
+      </p:grpSpPr>
+      <p:sp>
+        <p:nvSpPr>
+          <p:cNvPr id="3" name="TextBox 2">
+            <a:extLst>
+              <a:ext uri="{FF2B5EF4-FFF2-40B4-BE49-F238E27FC236}">
+                <a16:creationId xmlns:a16="http://schemas.microsoft.com/office/drawing/2014/main" id="{E1C41F25-B585-7D28-982B-4CD6F060BD50}"/>
               </a:ext>
             </a:extLst>
           </p:cNvPr>
@@ -5074,8 +8063,8 @@
         </p:nvSpPr>
         <p:spPr>
           <a:xfrm>
-            <a:off x="679560" y="2907296"/>
-            <a:ext cx="6971360" cy="369332"/>
+            <a:off x="2953247" y="861768"/>
+            <a:ext cx="5394552" cy="753283"/>
           </a:xfrm>
           <a:prstGeom prst="rect">
             <a:avLst/>
@@ -5088,17 +8077,816 @@
           </a:bodyPr>
           <a:lstStyle/>
           <a:p>
-            <a:r>
-              <a:rPr lang="en-US" dirty="0"/>
-              <a:t>Better Prediction to hate Speech when focused on </a:t>
-            </a:r>
-          </a:p>
-        </p:txBody>
-      </p:sp>
+            <a:pPr algn="ctr">
+              <a:lnSpc>
+                <a:spcPct val="150000"/>
+              </a:lnSpc>
+            </a:pPr>
+            <a:r>
+              <a:rPr lang="en-US" sz="3200" b="1" dirty="0">
+                <a:latin typeface="Merriweather" panose="00000500000000000000" pitchFamily="2" charset="0"/>
+              </a:rPr>
+              <a:t>Findings &amp; Key results</a:t>
+            </a:r>
+          </a:p>
+        </p:txBody>
+      </p:sp>
+      <p:sp>
+        <p:nvSpPr>
+          <p:cNvPr id="6" name="TextBox 5">
+            <a:extLst>
+              <a:ext uri="{FF2B5EF4-FFF2-40B4-BE49-F238E27FC236}">
+                <a16:creationId xmlns:a16="http://schemas.microsoft.com/office/drawing/2014/main" id="{381EB3AF-FBF5-1FDA-0553-960F0F32C557}"/>
+              </a:ext>
+            </a:extLst>
+          </p:cNvPr>
+          <p:cNvSpPr txBox="1"/>
+          <p:nvPr/>
+        </p:nvSpPr>
+        <p:spPr>
+          <a:xfrm>
+            <a:off x="1887414" y="2030540"/>
+            <a:ext cx="8417169" cy="1398460"/>
+          </a:xfrm>
+          <a:prstGeom prst="rect">
+            <a:avLst/>
+          </a:prstGeom>
+          <a:noFill/>
+        </p:spPr>
+        <p:txBody>
+          <a:bodyPr wrap="square" rtlCol="0">
+            <a:spAutoFit/>
+          </a:bodyPr>
+          <a:lstStyle/>
+          <a:p>
+            <a:pPr marR="0" lvl="0" algn="l" rtl="0">
+              <a:lnSpc>
+                <a:spcPct val="150000"/>
+              </a:lnSpc>
+              <a:spcBef>
+                <a:spcPts val="0"/>
+              </a:spcBef>
+              <a:spcAft>
+                <a:spcPts val="800"/>
+              </a:spcAft>
+            </a:pPr>
+            <a:r>
+              <a:rPr lang="en-US" sz="1800" dirty="0">
+                <a:effectLst/>
+                <a:latin typeface="Calibri" panose="020F0502020204030204" pitchFamily="34" charset="0"/>
+                <a:ea typeface="Calibri" panose="020F0502020204030204" pitchFamily="34" charset="0"/>
+                <a:cs typeface="Arial" panose="020B0604020202020204" pitchFamily="34" charset="0"/>
+              </a:rPr>
+              <a:t>By addressing the data through the different categories in the annotator’s background the models :</a:t>
+            </a:r>
+          </a:p>
+          <a:p>
+            <a:pPr marL="342900" marR="0" lvl="0" indent="-342900" algn="l" rtl="0">
+              <a:lnSpc>
+                <a:spcPct val="150000"/>
+              </a:lnSpc>
+              <a:spcBef>
+                <a:spcPts val="0"/>
+              </a:spcBef>
+              <a:spcAft>
+                <a:spcPts val="800"/>
+              </a:spcAft>
+              <a:buFont typeface="+mj-lt"/>
+              <a:buAutoNum type="arabicPeriod"/>
+            </a:pPr>
+            <a:r>
+              <a:rPr lang="en-US" sz="1800" b="1" dirty="0">
+                <a:effectLst/>
+                <a:latin typeface="Calibri" panose="020F0502020204030204" pitchFamily="34" charset="0"/>
+                <a:ea typeface="Calibri" panose="020F0502020204030204" pitchFamily="34" charset="0"/>
+                <a:cs typeface="Arial" panose="020B0604020202020204" pitchFamily="34" charset="0"/>
+              </a:rPr>
+              <a:t>Predict better than the general model in some cases</a:t>
+            </a:r>
+          </a:p>
+        </p:txBody>
+      </p:sp>
+      <p:grpSp>
+        <p:nvGrpSpPr>
+          <p:cNvPr id="15" name="Group 14">
+            <a:extLst>
+              <a:ext uri="{FF2B5EF4-FFF2-40B4-BE49-F238E27FC236}">
+                <a16:creationId xmlns:a16="http://schemas.microsoft.com/office/drawing/2014/main" id="{B07A3D6E-5FA4-870E-F2A5-AB677B1DE629}"/>
+              </a:ext>
+            </a:extLst>
+          </p:cNvPr>
+          <p:cNvGrpSpPr/>
+          <p:nvPr/>
+        </p:nvGrpSpPr>
+        <p:grpSpPr>
+          <a:xfrm>
+            <a:off x="1329762" y="3540369"/>
+            <a:ext cx="9532472" cy="2406607"/>
+            <a:chOff x="1108319" y="3964612"/>
+            <a:chExt cx="9532472" cy="2128630"/>
+          </a:xfrm>
+        </p:grpSpPr>
+        <p:grpSp>
+          <p:nvGrpSpPr>
+            <p:cNvPr id="8" name="Group 7">
+              <a:extLst>
+                <a:ext uri="{FF2B5EF4-FFF2-40B4-BE49-F238E27FC236}">
+                  <a16:creationId xmlns:a16="http://schemas.microsoft.com/office/drawing/2014/main" id="{F12540D6-E90A-1178-2976-8DF246973E3A}"/>
+                </a:ext>
+              </a:extLst>
+            </p:cNvPr>
+            <p:cNvGrpSpPr/>
+            <p:nvPr/>
+          </p:nvGrpSpPr>
+          <p:grpSpPr>
+            <a:xfrm>
+              <a:off x="1108319" y="4029980"/>
+              <a:ext cx="6083302" cy="2063262"/>
+              <a:chOff x="152184" y="4277845"/>
+              <a:chExt cx="6971034" cy="2151062"/>
+            </a:xfrm>
+          </p:grpSpPr>
+          <p:pic>
+            <p:nvPicPr>
+              <p:cNvPr id="11" name="Picture 10">
+                <a:extLst>
+                  <a:ext uri="{FF2B5EF4-FFF2-40B4-BE49-F238E27FC236}">
+                    <a16:creationId xmlns:a16="http://schemas.microsoft.com/office/drawing/2014/main" id="{F95E2483-A023-3EAF-2E22-DEA8E17747B8}"/>
+                  </a:ext>
+                </a:extLst>
+              </p:cNvPr>
+              <p:cNvPicPr>
+                <a:picLocks noChangeAspect="1"/>
+              </p:cNvPicPr>
+              <p:nvPr/>
+            </p:nvPicPr>
+            <p:blipFill>
+              <a:blip r:embed="rId3"/>
+              <a:stretch>
+                <a:fillRect/>
+              </a:stretch>
+            </p:blipFill>
+            <p:spPr>
+              <a:xfrm>
+                <a:off x="152184" y="4277845"/>
+                <a:ext cx="3485518" cy="2151062"/>
+              </a:xfrm>
+              <a:prstGeom prst="rect">
+                <a:avLst/>
+              </a:prstGeom>
+            </p:spPr>
+          </p:pic>
+          <p:pic>
+            <p:nvPicPr>
+              <p:cNvPr id="12" name="Picture 11">
+                <a:extLst>
+                  <a:ext uri="{FF2B5EF4-FFF2-40B4-BE49-F238E27FC236}">
+                    <a16:creationId xmlns:a16="http://schemas.microsoft.com/office/drawing/2014/main" id="{39E46492-A603-CDBA-3444-33D3AC34EC0D}"/>
+                  </a:ext>
+                </a:extLst>
+              </p:cNvPr>
+              <p:cNvPicPr>
+                <a:picLocks noChangeAspect="1"/>
+              </p:cNvPicPr>
+              <p:nvPr/>
+            </p:nvPicPr>
+            <p:blipFill>
+              <a:blip r:embed="rId4"/>
+              <a:stretch>
+                <a:fillRect/>
+              </a:stretch>
+            </p:blipFill>
+            <p:spPr>
+              <a:xfrm>
+                <a:off x="3637701" y="4277845"/>
+                <a:ext cx="3485517" cy="2151062"/>
+              </a:xfrm>
+              <a:prstGeom prst="rect">
+                <a:avLst/>
+              </a:prstGeom>
+            </p:spPr>
+          </p:pic>
+        </p:grpSp>
+        <p:pic>
+          <p:nvPicPr>
+            <p:cNvPr id="14" name="Picture 13">
+              <a:extLst>
+                <a:ext uri="{FF2B5EF4-FFF2-40B4-BE49-F238E27FC236}">
+                  <a16:creationId xmlns:a16="http://schemas.microsoft.com/office/drawing/2014/main" id="{36552971-8EC6-43FA-3186-1D8A90E730B3}"/>
+                </a:ext>
+              </a:extLst>
+            </p:cNvPr>
+            <p:cNvPicPr>
+              <a:picLocks noChangeAspect="1"/>
+            </p:cNvPicPr>
+            <p:nvPr/>
+          </p:nvPicPr>
+          <p:blipFill>
+            <a:blip r:embed="rId5"/>
+            <a:stretch>
+              <a:fillRect/>
+            </a:stretch>
+          </p:blipFill>
+          <p:spPr>
+            <a:xfrm>
+              <a:off x="7191621" y="3964612"/>
+              <a:ext cx="3449170" cy="2128630"/>
+            </a:xfrm>
+            <a:prstGeom prst="rect">
+              <a:avLst/>
+            </a:prstGeom>
+          </p:spPr>
+        </p:pic>
+      </p:grpSp>
     </p:spTree>
     <p:extLst>
       <p:ext uri="{BB962C8B-B14F-4D97-AF65-F5344CB8AC3E}">
-        <p14:creationId xmlns:p14="http://schemas.microsoft.com/office/powerpoint/2010/main" val="4086741736"/>
+        <p14:creationId xmlns:p14="http://schemas.microsoft.com/office/powerpoint/2010/main" val="3163522596"/>
+      </p:ext>
+    </p:extLst>
+  </p:cSld>
+  <p:clrMapOvr>
+    <a:masterClrMapping/>
+  </p:clrMapOvr>
+</p:sld>
+</file>
+
+<file path=ppt/slides/slide8.xml><?xml version="1.0" encoding="utf-8"?>
+<p:sld xmlns:a="http://schemas.openxmlformats.org/drawingml/2006/main" xmlns:r="http://schemas.openxmlformats.org/officeDocument/2006/relationships" xmlns:p="http://schemas.openxmlformats.org/presentationml/2006/main">
+  <p:cSld>
+    <p:spTree>
+      <p:nvGrpSpPr>
+        <p:cNvPr id="1" name=""/>
+        <p:cNvGrpSpPr/>
+        <p:nvPr/>
+      </p:nvGrpSpPr>
+      <p:grpSpPr>
+        <a:xfrm>
+          <a:off x="0" y="0"/>
+          <a:ext cx="0" cy="0"/>
+          <a:chOff x="0" y="0"/>
+          <a:chExt cx="0" cy="0"/>
+        </a:xfrm>
+      </p:grpSpPr>
+      <p:sp>
+        <p:nvSpPr>
+          <p:cNvPr id="3" name="TextBox 2">
+            <a:extLst>
+              <a:ext uri="{FF2B5EF4-FFF2-40B4-BE49-F238E27FC236}">
+                <a16:creationId xmlns:a16="http://schemas.microsoft.com/office/drawing/2014/main" id="{E1C41F25-B585-7D28-982B-4CD6F060BD50}"/>
+              </a:ext>
+            </a:extLst>
+          </p:cNvPr>
+          <p:cNvSpPr txBox="1"/>
+          <p:nvPr/>
+        </p:nvSpPr>
+        <p:spPr>
+          <a:xfrm>
+            <a:off x="2953247" y="861768"/>
+            <a:ext cx="5394552" cy="753283"/>
+          </a:xfrm>
+          <a:prstGeom prst="rect">
+            <a:avLst/>
+          </a:prstGeom>
+          <a:noFill/>
+        </p:spPr>
+        <p:txBody>
+          <a:bodyPr wrap="square" rtlCol="0">
+            <a:spAutoFit/>
+          </a:bodyPr>
+          <a:lstStyle/>
+          <a:p>
+            <a:pPr algn="ctr">
+              <a:lnSpc>
+                <a:spcPct val="150000"/>
+              </a:lnSpc>
+            </a:pPr>
+            <a:r>
+              <a:rPr lang="en-US" sz="3200" b="1" dirty="0">
+                <a:latin typeface="Merriweather" panose="00000500000000000000" pitchFamily="2" charset="0"/>
+              </a:rPr>
+              <a:t>Findings &amp; Key results</a:t>
+            </a:r>
+          </a:p>
+        </p:txBody>
+      </p:sp>
+      <p:sp>
+        <p:nvSpPr>
+          <p:cNvPr id="6" name="TextBox 5">
+            <a:extLst>
+              <a:ext uri="{FF2B5EF4-FFF2-40B4-BE49-F238E27FC236}">
+                <a16:creationId xmlns:a16="http://schemas.microsoft.com/office/drawing/2014/main" id="{381EB3AF-FBF5-1FDA-0553-960F0F32C557}"/>
+              </a:ext>
+            </a:extLst>
+          </p:cNvPr>
+          <p:cNvSpPr txBox="1"/>
+          <p:nvPr/>
+        </p:nvSpPr>
+        <p:spPr>
+          <a:xfrm>
+            <a:off x="1297877" y="1580417"/>
+            <a:ext cx="8417169" cy="880369"/>
+          </a:xfrm>
+          <a:prstGeom prst="rect">
+            <a:avLst/>
+          </a:prstGeom>
+          <a:noFill/>
+        </p:spPr>
+        <p:txBody>
+          <a:bodyPr wrap="square" rtlCol="0">
+            <a:spAutoFit/>
+          </a:bodyPr>
+          <a:lstStyle/>
+          <a:p>
+            <a:pPr marR="0" lvl="0" algn="l" rtl="0">
+              <a:lnSpc>
+                <a:spcPct val="150000"/>
+              </a:lnSpc>
+              <a:spcBef>
+                <a:spcPts val="0"/>
+              </a:spcBef>
+              <a:spcAft>
+                <a:spcPts val="800"/>
+              </a:spcAft>
+            </a:pPr>
+            <a:r>
+              <a:rPr lang="en-US" sz="1800" b="1" dirty="0">
+                <a:effectLst/>
+                <a:latin typeface="Calibri" panose="020F0502020204030204" pitchFamily="34" charset="0"/>
+                <a:ea typeface="Calibri" panose="020F0502020204030204" pitchFamily="34" charset="0"/>
+                <a:cs typeface="Arial" panose="020B0604020202020204" pitchFamily="34" charset="0"/>
+              </a:rPr>
+              <a:t>2. </a:t>
+            </a:r>
+            <a:r>
+              <a:rPr lang="en-US" b="1" dirty="0">
+                <a:latin typeface="Calibri" panose="020F0502020204030204" pitchFamily="34" charset="0"/>
+                <a:ea typeface="Calibri" panose="020F0502020204030204" pitchFamily="34" charset="0"/>
+                <a:cs typeface="Arial" panose="020B0604020202020204" pitchFamily="34" charset="0"/>
+              </a:rPr>
+              <a:t>From the significant coefficients</a:t>
+            </a:r>
+            <a:r>
+              <a:rPr lang="en-US" sz="1800" b="1" dirty="0">
+                <a:effectLst/>
+                <a:latin typeface="Calibri" panose="020F0502020204030204" pitchFamily="34" charset="0"/>
+                <a:ea typeface="Calibri" panose="020F0502020204030204" pitchFamily="34" charset="0"/>
+                <a:cs typeface="Arial" panose="020B0604020202020204" pitchFamily="34" charset="0"/>
+              </a:rPr>
+              <a:t>, we learned that groups with different backgrounds grasp different posts that target specific sectors.   </a:t>
+            </a:r>
+          </a:p>
+        </p:txBody>
+      </p:sp>
+      <p:grpSp>
+        <p:nvGrpSpPr>
+          <p:cNvPr id="28" name="Group 27">
+            <a:extLst>
+              <a:ext uri="{FF2B5EF4-FFF2-40B4-BE49-F238E27FC236}">
+                <a16:creationId xmlns:a16="http://schemas.microsoft.com/office/drawing/2014/main" id="{16A59B7C-94A8-F464-8D5E-D4FED4F839CA}"/>
+              </a:ext>
+            </a:extLst>
+          </p:cNvPr>
+          <p:cNvGrpSpPr/>
+          <p:nvPr/>
+        </p:nvGrpSpPr>
+        <p:grpSpPr>
+          <a:xfrm>
+            <a:off x="1078504" y="2576670"/>
+            <a:ext cx="10034991" cy="4133590"/>
+            <a:chOff x="1297877" y="2506332"/>
+            <a:chExt cx="10034991" cy="4133590"/>
+          </a:xfrm>
+        </p:grpSpPr>
+        <p:grpSp>
+          <p:nvGrpSpPr>
+            <p:cNvPr id="24" name="Group 23">
+              <a:extLst>
+                <a:ext uri="{FF2B5EF4-FFF2-40B4-BE49-F238E27FC236}">
+                  <a16:creationId xmlns:a16="http://schemas.microsoft.com/office/drawing/2014/main" id="{D936C737-F3C6-1AB9-1EB6-4F9B8BBE7F73}"/>
+                </a:ext>
+              </a:extLst>
+            </p:cNvPr>
+            <p:cNvGrpSpPr/>
+            <p:nvPr/>
+          </p:nvGrpSpPr>
+          <p:grpSpPr>
+            <a:xfrm>
+              <a:off x="1297877" y="2506332"/>
+              <a:ext cx="10034991" cy="4133590"/>
+              <a:chOff x="1297877" y="2506332"/>
+              <a:chExt cx="10034991" cy="4133590"/>
+            </a:xfrm>
+          </p:grpSpPr>
+          <p:grpSp>
+            <p:nvGrpSpPr>
+              <p:cNvPr id="17" name="Group 16">
+                <a:extLst>
+                  <a:ext uri="{FF2B5EF4-FFF2-40B4-BE49-F238E27FC236}">
+                    <a16:creationId xmlns:a16="http://schemas.microsoft.com/office/drawing/2014/main" id="{45874752-5911-C90E-16DA-4A50819A4A53}"/>
+                  </a:ext>
+                </a:extLst>
+              </p:cNvPr>
+              <p:cNvGrpSpPr/>
+              <p:nvPr/>
+            </p:nvGrpSpPr>
+            <p:grpSpPr>
+              <a:xfrm>
+                <a:off x="6408360" y="2671569"/>
+                <a:ext cx="4924508" cy="3960619"/>
+                <a:chOff x="6096000" y="2524939"/>
+                <a:chExt cx="4924508" cy="3960619"/>
+              </a:xfrm>
+            </p:grpSpPr>
+            <p:pic>
+              <p:nvPicPr>
+                <p:cNvPr id="4" name="Picture 3">
+                  <a:extLst>
+                    <a:ext uri="{FF2B5EF4-FFF2-40B4-BE49-F238E27FC236}">
+                      <a16:creationId xmlns:a16="http://schemas.microsoft.com/office/drawing/2014/main" id="{8ECF459A-8EF7-8746-53E0-6525006DC405}"/>
+                    </a:ext>
+                  </a:extLst>
+                </p:cNvPr>
+                <p:cNvPicPr>
+                  <a:picLocks noChangeAspect="1"/>
+                </p:cNvPicPr>
+                <p:nvPr/>
+              </p:nvPicPr>
+              <p:blipFill>
+                <a:blip r:embed="rId3"/>
+                <a:stretch>
+                  <a:fillRect/>
+                </a:stretch>
+              </p:blipFill>
+              <p:spPr>
+                <a:xfrm>
+                  <a:off x="6096000" y="3197703"/>
+                  <a:ext cx="4924508" cy="3287855"/>
+                </a:xfrm>
+                <a:prstGeom prst="rect">
+                  <a:avLst/>
+                </a:prstGeom>
+              </p:spPr>
+            </p:pic>
+            <p:sp>
+              <p:nvSpPr>
+                <p:cNvPr id="16" name="Rectangle 15">
+                  <a:extLst>
+                    <a:ext uri="{FF2B5EF4-FFF2-40B4-BE49-F238E27FC236}">
+                      <a16:creationId xmlns:a16="http://schemas.microsoft.com/office/drawing/2014/main" id="{FD1718D6-FCB1-E9F6-181E-D1978807DD78}"/>
+                    </a:ext>
+                  </a:extLst>
+                </p:cNvPr>
+                <p:cNvSpPr/>
+                <p:nvPr/>
+              </p:nvSpPr>
+              <p:spPr>
+                <a:xfrm>
+                  <a:off x="8116764" y="2524939"/>
+                  <a:ext cx="878766" cy="588046"/>
+                </a:xfrm>
+                <a:prstGeom prst="rect">
+                  <a:avLst/>
+                </a:prstGeom>
+                <a:noFill/>
+              </p:spPr>
+              <p:txBody>
+                <a:bodyPr wrap="none" lIns="91440" tIns="45720" rIns="91440" bIns="45720">
+                  <a:spAutoFit/>
+                </a:bodyPr>
+                <a:lstStyle/>
+                <a:p>
+                  <a:pPr algn="ctr">
+                    <a:lnSpc>
+                      <a:spcPct val="150000"/>
+                    </a:lnSpc>
+                  </a:pPr>
+                  <a:r>
+                    <a:rPr lang="en-US" sz="2400" b="1" dirty="0">
+                      <a:latin typeface="Merriweather" panose="00000500000000000000" pitchFamily="2" charset="0"/>
+                    </a:rPr>
+                    <a:t>PHD</a:t>
+                  </a:r>
+                </a:p>
+              </p:txBody>
+            </p:sp>
+          </p:grpSp>
+          <p:grpSp>
+            <p:nvGrpSpPr>
+              <p:cNvPr id="23" name="Group 22">
+                <a:extLst>
+                  <a:ext uri="{FF2B5EF4-FFF2-40B4-BE49-F238E27FC236}">
+                    <a16:creationId xmlns:a16="http://schemas.microsoft.com/office/drawing/2014/main" id="{4536457D-B351-A71D-0EDB-743871C289B0}"/>
+                  </a:ext>
+                </a:extLst>
+              </p:cNvPr>
+              <p:cNvGrpSpPr/>
+              <p:nvPr/>
+            </p:nvGrpSpPr>
+            <p:grpSpPr>
+              <a:xfrm>
+                <a:off x="1297877" y="2506332"/>
+                <a:ext cx="5024138" cy="4133590"/>
+                <a:chOff x="1297877" y="2506332"/>
+                <a:chExt cx="5024138" cy="4133590"/>
+              </a:xfrm>
+            </p:grpSpPr>
+            <p:pic>
+              <p:nvPicPr>
+                <p:cNvPr id="21" name="Picture 20">
+                  <a:extLst>
+                    <a:ext uri="{FF2B5EF4-FFF2-40B4-BE49-F238E27FC236}">
+                      <a16:creationId xmlns:a16="http://schemas.microsoft.com/office/drawing/2014/main" id="{9FA1D9BC-D0C4-6139-8673-6D5AA64E5AE2}"/>
+                    </a:ext>
+                  </a:extLst>
+                </p:cNvPr>
+                <p:cNvPicPr>
+                  <a:picLocks noChangeAspect="1"/>
+                </p:cNvPicPr>
+                <p:nvPr/>
+              </p:nvPicPr>
+              <p:blipFill>
+                <a:blip r:embed="rId4"/>
+                <a:stretch>
+                  <a:fillRect/>
+                </a:stretch>
+              </p:blipFill>
+              <p:spPr>
+                <a:xfrm>
+                  <a:off x="1297877" y="3352067"/>
+                  <a:ext cx="5024138" cy="3287855"/>
+                </a:xfrm>
+                <a:prstGeom prst="rect">
+                  <a:avLst/>
+                </a:prstGeom>
+              </p:spPr>
+            </p:pic>
+            <p:sp>
+              <p:nvSpPr>
+                <p:cNvPr id="22" name="Rectangle 21">
+                  <a:extLst>
+                    <a:ext uri="{FF2B5EF4-FFF2-40B4-BE49-F238E27FC236}">
+                      <a16:creationId xmlns:a16="http://schemas.microsoft.com/office/drawing/2014/main" id="{E0739400-754F-119F-09D1-8D220C6590AD}"/>
+                    </a:ext>
+                  </a:extLst>
+                </p:cNvPr>
+                <p:cNvSpPr/>
+                <p:nvPr/>
+              </p:nvSpPr>
+              <p:spPr>
+                <a:xfrm>
+                  <a:off x="2397543" y="2506332"/>
+                  <a:ext cx="2824811" cy="753283"/>
+                </a:xfrm>
+                <a:prstGeom prst="rect">
+                  <a:avLst/>
+                </a:prstGeom>
+                <a:noFill/>
+              </p:spPr>
+              <p:txBody>
+                <a:bodyPr wrap="none" lIns="91440" tIns="45720" rIns="91440" bIns="45720">
+                  <a:spAutoFit/>
+                </a:bodyPr>
+                <a:lstStyle/>
+                <a:p>
+                  <a:pPr algn="ctr">
+                    <a:lnSpc>
+                      <a:spcPct val="150000"/>
+                    </a:lnSpc>
+                  </a:pPr>
+                  <a:r>
+                    <a:rPr lang="en-US" sz="2400" b="1" dirty="0">
+                      <a:latin typeface="Merriweather" panose="00000500000000000000" pitchFamily="2" charset="0"/>
+                    </a:rPr>
+                    <a:t>Professional</a:t>
+                  </a:r>
+                  <a:r>
+                    <a:rPr lang="en-US" sz="3200" b="1" dirty="0">
+                      <a:latin typeface="Merriweather" panose="00000500000000000000" pitchFamily="2" charset="0"/>
+                    </a:rPr>
+                    <a:t> </a:t>
+                  </a:r>
+                  <a:r>
+                    <a:rPr lang="en-US" sz="2400" b="1" dirty="0">
+                      <a:latin typeface="Merriweather" panose="00000500000000000000" pitchFamily="2" charset="0"/>
+                    </a:rPr>
+                    <a:t>Deg</a:t>
+                  </a:r>
+                  <a:endParaRPr lang="en-US" sz="3200" b="1" dirty="0">
+                    <a:latin typeface="Merriweather" panose="00000500000000000000" pitchFamily="2" charset="0"/>
+                  </a:endParaRPr>
+                </a:p>
+              </p:txBody>
+            </p:sp>
+          </p:grpSp>
+        </p:grpSp>
+        <p:sp>
+          <p:nvSpPr>
+            <p:cNvPr id="25" name="Rectangle 24">
+              <a:extLst>
+                <a:ext uri="{FF2B5EF4-FFF2-40B4-BE49-F238E27FC236}">
+                  <a16:creationId xmlns:a16="http://schemas.microsoft.com/office/drawing/2014/main" id="{8140B2FB-1578-3522-02DD-4BA6AF3D4CC0}"/>
+                </a:ext>
+              </a:extLst>
+            </p:cNvPr>
+            <p:cNvSpPr/>
+            <p:nvPr/>
+          </p:nvSpPr>
+          <p:spPr>
+            <a:xfrm>
+              <a:off x="6424246" y="5768151"/>
+              <a:ext cx="4888523" cy="216755"/>
+            </a:xfrm>
+            <a:prstGeom prst="rect">
+              <a:avLst/>
+            </a:prstGeom>
+            <a:noFill/>
+            <a:ln w="57150">
+              <a:solidFill>
+                <a:srgbClr val="FF0000"/>
+              </a:solidFill>
+            </a:ln>
+          </p:spPr>
+          <p:style>
+            <a:lnRef idx="2">
+              <a:schemeClr val="accent1">
+                <a:shade val="50000"/>
+              </a:schemeClr>
+            </a:lnRef>
+            <a:fillRef idx="1">
+              <a:schemeClr val="accent1"/>
+            </a:fillRef>
+            <a:effectRef idx="0">
+              <a:schemeClr val="accent1"/>
+            </a:effectRef>
+            <a:fontRef idx="minor">
+              <a:schemeClr val="lt1"/>
+            </a:fontRef>
+          </p:style>
+          <p:txBody>
+            <a:bodyPr rtlCol="0" anchor="ctr"/>
+            <a:lstStyle/>
+            <a:p>
+              <a:pPr algn="ctr"/>
+              <a:endParaRPr lang="en-US"/>
+            </a:p>
+          </p:txBody>
+        </p:sp>
+        <p:sp>
+          <p:nvSpPr>
+            <p:cNvPr id="27" name="Rectangle 26">
+              <a:extLst>
+                <a:ext uri="{FF2B5EF4-FFF2-40B4-BE49-F238E27FC236}">
+                  <a16:creationId xmlns:a16="http://schemas.microsoft.com/office/drawing/2014/main" id="{22AFA480-42FD-4702-B1A5-811AA6189216}"/>
+                </a:ext>
+              </a:extLst>
+            </p:cNvPr>
+            <p:cNvSpPr/>
+            <p:nvPr/>
+          </p:nvSpPr>
+          <p:spPr>
+            <a:xfrm>
+              <a:off x="1313764" y="5814646"/>
+              <a:ext cx="4990746" cy="216755"/>
+            </a:xfrm>
+            <a:prstGeom prst="rect">
+              <a:avLst/>
+            </a:prstGeom>
+            <a:noFill/>
+            <a:ln w="57150">
+              <a:solidFill>
+                <a:srgbClr val="FF0000"/>
+              </a:solidFill>
+            </a:ln>
+          </p:spPr>
+          <p:style>
+            <a:lnRef idx="2">
+              <a:schemeClr val="accent1">
+                <a:shade val="50000"/>
+              </a:schemeClr>
+            </a:lnRef>
+            <a:fillRef idx="1">
+              <a:schemeClr val="accent1"/>
+            </a:fillRef>
+            <a:effectRef idx="0">
+              <a:schemeClr val="accent1"/>
+            </a:effectRef>
+            <a:fontRef idx="minor">
+              <a:schemeClr val="lt1"/>
+            </a:fontRef>
+          </p:style>
+          <p:txBody>
+            <a:bodyPr rtlCol="0" anchor="ctr"/>
+            <a:lstStyle/>
+            <a:p>
+              <a:pPr algn="ctr"/>
+              <a:endParaRPr lang="en-US"/>
+            </a:p>
+          </p:txBody>
+        </p:sp>
+      </p:grpSp>
+    </p:spTree>
+    <p:extLst>
+      <p:ext uri="{BB962C8B-B14F-4D97-AF65-F5344CB8AC3E}">
+        <p14:creationId xmlns:p14="http://schemas.microsoft.com/office/powerpoint/2010/main" val="3922762010"/>
+      </p:ext>
+    </p:extLst>
+  </p:cSld>
+  <p:clrMapOvr>
+    <a:masterClrMapping/>
+  </p:clrMapOvr>
+</p:sld>
+</file>
+
+<file path=ppt/slides/slide9.xml><?xml version="1.0" encoding="utf-8"?>
+<p:sld xmlns:a="http://schemas.openxmlformats.org/drawingml/2006/main" xmlns:r="http://schemas.openxmlformats.org/officeDocument/2006/relationships" xmlns:p="http://schemas.openxmlformats.org/presentationml/2006/main">
+  <p:cSld>
+    <p:spTree>
+      <p:nvGrpSpPr>
+        <p:cNvPr id="1" name=""/>
+        <p:cNvGrpSpPr/>
+        <p:nvPr/>
+      </p:nvGrpSpPr>
+      <p:grpSpPr>
+        <a:xfrm>
+          <a:off x="0" y="0"/>
+          <a:ext cx="0" cy="0"/>
+          <a:chOff x="0" y="0"/>
+          <a:chExt cx="0" cy="0"/>
+        </a:xfrm>
+      </p:grpSpPr>
+      <p:sp>
+        <p:nvSpPr>
+          <p:cNvPr id="5" name="TextBox 4">
+            <a:extLst>
+              <a:ext uri="{FF2B5EF4-FFF2-40B4-BE49-F238E27FC236}">
+                <a16:creationId xmlns:a16="http://schemas.microsoft.com/office/drawing/2014/main" id="{0FC8F873-08F9-FFB1-E017-F0C396629D5B}"/>
+              </a:ext>
+            </a:extLst>
+          </p:cNvPr>
+          <p:cNvSpPr txBox="1"/>
+          <p:nvPr/>
+        </p:nvSpPr>
+        <p:spPr>
+          <a:xfrm>
+            <a:off x="2543908" y="2714638"/>
+            <a:ext cx="6213230" cy="1428724"/>
+          </a:xfrm>
+          <a:prstGeom prst="rect">
+            <a:avLst/>
+          </a:prstGeom>
+          <a:noFill/>
+        </p:spPr>
+        <p:txBody>
+          <a:bodyPr wrap="square" rtlCol="0">
+            <a:spAutoFit/>
+          </a:bodyPr>
+          <a:lstStyle/>
+          <a:p>
+            <a:pPr algn="ctr">
+              <a:lnSpc>
+                <a:spcPct val="150000"/>
+              </a:lnSpc>
+            </a:pPr>
+            <a:r>
+              <a:rPr lang="en-US" sz="2000" b="1" dirty="0">
+                <a:latin typeface="Merriweather" panose="00000500000000000000" pitchFamily="2" charset="0"/>
+              </a:rPr>
+              <a:t>Final Project in R </a:t>
+            </a:r>
+          </a:p>
+          <a:p>
+            <a:pPr algn="ctr">
+              <a:lnSpc>
+                <a:spcPct val="150000"/>
+              </a:lnSpc>
+            </a:pPr>
+            <a:r>
+              <a:rPr lang="en-US" sz="2000" b="1" dirty="0">
+                <a:latin typeface="Merriweather" panose="00000500000000000000" pitchFamily="2" charset="0"/>
+              </a:rPr>
+              <a:t>"Team Y“ Yuval Segal &amp; Eran Aizikovich</a:t>
+            </a:r>
+          </a:p>
+          <a:p>
+            <a:pPr algn="ctr">
+              <a:lnSpc>
+                <a:spcPct val="150000"/>
+              </a:lnSpc>
+            </a:pPr>
+            <a:r>
+              <a:rPr lang="en-US" sz="2000" dirty="0">
+                <a:latin typeface="Merriweather" panose="00000500000000000000" pitchFamily="2" charset="0"/>
+              </a:rPr>
+              <a:t>Presentation </a:t>
+            </a:r>
+          </a:p>
+        </p:txBody>
+      </p:sp>
+    </p:spTree>
+    <p:extLst>
+      <p:ext uri="{BB962C8B-B14F-4D97-AF65-F5344CB8AC3E}">
+        <p14:creationId xmlns:p14="http://schemas.microsoft.com/office/powerpoint/2010/main" val="124498596"/>
       </p:ext>
     </p:extLst>
   </p:cSld>
